--- a/papers/second-year project/img/images.pptx
+++ b/papers/second-year project/img/images.pptx
@@ -4,11 +4,19 @@
   <p:sldMasterIdLst>
     <p:sldMasterId id="2147483648" r:id="rId1"/>
   </p:sldMasterIdLst>
+  <p:notesMasterIdLst>
+    <p:notesMasterId r:id="rId11"/>
+  </p:notesMasterIdLst>
   <p:sldIdLst>
     <p:sldId id="256" r:id="rId2"/>
     <p:sldId id="257" r:id="rId3"/>
     <p:sldId id="258" r:id="rId4"/>
     <p:sldId id="259" r:id="rId5"/>
+    <p:sldId id="260" r:id="rId6"/>
+    <p:sldId id="263" r:id="rId7"/>
+    <p:sldId id="261" r:id="rId8"/>
+    <p:sldId id="262" r:id="rId9"/>
+    <p:sldId id="264" r:id="rId10"/>
   </p:sldIdLst>
   <p:sldSz cx="12192000" cy="6858000"/>
   <p:notesSz cx="6858000" cy="9144000"/>
@@ -107,7 +115,555 @@
       </a:defRPr>
     </a:lvl9pPr>
   </p:defaultTextStyle>
+  <p:extLst>
+    <p:ext uri="{EFAFB233-063F-42B5-8137-9DF3F51BA10A}">
+      <p15:sldGuideLst xmlns:p15="http://schemas.microsoft.com/office/powerpoint/2012/main"/>
+    </p:ext>
+  </p:extLst>
 </p:presentation>
+</file>
+
+<file path=ppt/notesMasters/notesMaster1.xml><?xml version="1.0" encoding="utf-8"?>
+<p:notesMaster xmlns:a="http://schemas.openxmlformats.org/drawingml/2006/main" xmlns:r="http://schemas.openxmlformats.org/officeDocument/2006/relationships" xmlns:p="http://schemas.openxmlformats.org/presentationml/2006/main">
+  <p:cSld>
+    <p:bg>
+      <p:bgRef idx="1001">
+        <a:schemeClr val="bg1"/>
+      </p:bgRef>
+    </p:bg>
+    <p:spTree>
+      <p:nvGrpSpPr>
+        <p:cNvPr id="1" name=""/>
+        <p:cNvGrpSpPr/>
+        <p:nvPr/>
+      </p:nvGrpSpPr>
+      <p:grpSpPr>
+        <a:xfrm>
+          <a:off x="0" y="0"/>
+          <a:ext cx="0" cy="0"/>
+          <a:chOff x="0" y="0"/>
+          <a:chExt cx="0" cy="0"/>
+        </a:xfrm>
+      </p:grpSpPr>
+      <p:sp>
+        <p:nvSpPr>
+          <p:cNvPr id="2" name="Header Placeholder 1"/>
+          <p:cNvSpPr>
+            <a:spLocks noGrp="1"/>
+          </p:cNvSpPr>
+          <p:nvPr>
+            <p:ph type="hdr" sz="quarter"/>
+          </p:nvPr>
+        </p:nvSpPr>
+        <p:spPr>
+          <a:xfrm>
+            <a:off x="0" y="0"/>
+            <a:ext cx="2971800" cy="458788"/>
+          </a:xfrm>
+          <a:prstGeom prst="rect">
+            <a:avLst/>
+          </a:prstGeom>
+        </p:spPr>
+        <p:txBody>
+          <a:bodyPr vert="horz" lIns="91440" tIns="45720" rIns="91440" bIns="45720" rtlCol="0"/>
+          <a:lstStyle>
+            <a:lvl1pPr algn="l">
+              <a:defRPr sz="1200"/>
+            </a:lvl1pPr>
+          </a:lstStyle>
+          <a:p>
+            <a:endParaRPr lang="en-US"/>
+          </a:p>
+        </p:txBody>
+      </p:sp>
+      <p:sp>
+        <p:nvSpPr>
+          <p:cNvPr id="3" name="Date Placeholder 2"/>
+          <p:cNvSpPr>
+            <a:spLocks noGrp="1"/>
+          </p:cNvSpPr>
+          <p:nvPr>
+            <p:ph type="dt" idx="1"/>
+          </p:nvPr>
+        </p:nvSpPr>
+        <p:spPr>
+          <a:xfrm>
+            <a:off x="3884613" y="0"/>
+            <a:ext cx="2971800" cy="458788"/>
+          </a:xfrm>
+          <a:prstGeom prst="rect">
+            <a:avLst/>
+          </a:prstGeom>
+        </p:spPr>
+        <p:txBody>
+          <a:bodyPr vert="horz" lIns="91440" tIns="45720" rIns="91440" bIns="45720" rtlCol="0"/>
+          <a:lstStyle>
+            <a:lvl1pPr algn="r">
+              <a:defRPr sz="1200"/>
+            </a:lvl1pPr>
+          </a:lstStyle>
+          <a:p>
+            <a:fld id="{089F46BB-BD68-9648-BEC1-AA1669619D3D}" type="datetimeFigureOut">
+              <a:rPr lang="en-US" smtClean="0"/>
+              <a:t>2/1/18</a:t>
+            </a:fld>
+            <a:endParaRPr lang="en-US"/>
+          </a:p>
+        </p:txBody>
+      </p:sp>
+      <p:sp>
+        <p:nvSpPr>
+          <p:cNvPr id="4" name="Slide Image Placeholder 3"/>
+          <p:cNvSpPr>
+            <a:spLocks noGrp="1" noRot="1" noChangeAspect="1"/>
+          </p:cNvSpPr>
+          <p:nvPr>
+            <p:ph type="sldImg" idx="2"/>
+          </p:nvPr>
+        </p:nvSpPr>
+        <p:spPr>
+          <a:xfrm>
+            <a:off x="685800" y="1143000"/>
+            <a:ext cx="5486400" cy="3086100"/>
+          </a:xfrm>
+          <a:prstGeom prst="rect">
+            <a:avLst/>
+          </a:prstGeom>
+          <a:noFill/>
+          <a:ln w="12700">
+            <a:solidFill>
+              <a:prstClr val="black"/>
+            </a:solidFill>
+          </a:ln>
+        </p:spPr>
+        <p:txBody>
+          <a:bodyPr vert="horz" lIns="91440" tIns="45720" rIns="91440" bIns="45720" rtlCol="0" anchor="ctr"/>
+          <a:lstStyle/>
+          <a:p>
+            <a:endParaRPr lang="en-US"/>
+          </a:p>
+        </p:txBody>
+      </p:sp>
+      <p:sp>
+        <p:nvSpPr>
+          <p:cNvPr id="5" name="Notes Placeholder 4"/>
+          <p:cNvSpPr>
+            <a:spLocks noGrp="1"/>
+          </p:cNvSpPr>
+          <p:nvPr>
+            <p:ph type="body" sz="quarter" idx="3"/>
+          </p:nvPr>
+        </p:nvSpPr>
+        <p:spPr>
+          <a:xfrm>
+            <a:off x="685800" y="4400550"/>
+            <a:ext cx="5486400" cy="3600450"/>
+          </a:xfrm>
+          <a:prstGeom prst="rect">
+            <a:avLst/>
+          </a:prstGeom>
+        </p:spPr>
+        <p:txBody>
+          <a:bodyPr vert="horz" lIns="91440" tIns="45720" rIns="91440" bIns="45720" rtlCol="0"/>
+          <a:lstStyle/>
+          <a:p>
+            <a:pPr lvl="0"/>
+            <a:r>
+              <a:rPr lang="en-US" smtClean="0"/>
+              <a:t>Click to edit Master text styles</a:t>
+            </a:r>
+          </a:p>
+          <a:p>
+            <a:pPr lvl="1"/>
+            <a:r>
+              <a:rPr lang="en-US" smtClean="0"/>
+              <a:t>Second level</a:t>
+            </a:r>
+          </a:p>
+          <a:p>
+            <a:pPr lvl="2"/>
+            <a:r>
+              <a:rPr lang="en-US" smtClean="0"/>
+              <a:t>Third level</a:t>
+            </a:r>
+          </a:p>
+          <a:p>
+            <a:pPr lvl="3"/>
+            <a:r>
+              <a:rPr lang="en-US" smtClean="0"/>
+              <a:t>Fourth level</a:t>
+            </a:r>
+          </a:p>
+          <a:p>
+            <a:pPr lvl="4"/>
+            <a:r>
+              <a:rPr lang="en-US" smtClean="0"/>
+              <a:t>Fifth level</a:t>
+            </a:r>
+            <a:endParaRPr lang="en-US"/>
+          </a:p>
+        </p:txBody>
+      </p:sp>
+      <p:sp>
+        <p:nvSpPr>
+          <p:cNvPr id="6" name="Footer Placeholder 5"/>
+          <p:cNvSpPr>
+            <a:spLocks noGrp="1"/>
+          </p:cNvSpPr>
+          <p:nvPr>
+            <p:ph type="ftr" sz="quarter" idx="4"/>
+          </p:nvPr>
+        </p:nvSpPr>
+        <p:spPr>
+          <a:xfrm>
+            <a:off x="0" y="8685213"/>
+            <a:ext cx="2971800" cy="458787"/>
+          </a:xfrm>
+          <a:prstGeom prst="rect">
+            <a:avLst/>
+          </a:prstGeom>
+        </p:spPr>
+        <p:txBody>
+          <a:bodyPr vert="horz" lIns="91440" tIns="45720" rIns="91440" bIns="45720" rtlCol="0" anchor="b"/>
+          <a:lstStyle>
+            <a:lvl1pPr algn="l">
+              <a:defRPr sz="1200"/>
+            </a:lvl1pPr>
+          </a:lstStyle>
+          <a:p>
+            <a:endParaRPr lang="en-US"/>
+          </a:p>
+        </p:txBody>
+      </p:sp>
+      <p:sp>
+        <p:nvSpPr>
+          <p:cNvPr id="7" name="Slide Number Placeholder 6"/>
+          <p:cNvSpPr>
+            <a:spLocks noGrp="1"/>
+          </p:cNvSpPr>
+          <p:nvPr>
+            <p:ph type="sldNum" sz="quarter" idx="5"/>
+          </p:nvPr>
+        </p:nvSpPr>
+        <p:spPr>
+          <a:xfrm>
+            <a:off x="3884613" y="8685213"/>
+            <a:ext cx="2971800" cy="458787"/>
+          </a:xfrm>
+          <a:prstGeom prst="rect">
+            <a:avLst/>
+          </a:prstGeom>
+        </p:spPr>
+        <p:txBody>
+          <a:bodyPr vert="horz" lIns="91440" tIns="45720" rIns="91440" bIns="45720" rtlCol="0" anchor="b"/>
+          <a:lstStyle>
+            <a:lvl1pPr algn="r">
+              <a:defRPr sz="1200"/>
+            </a:lvl1pPr>
+          </a:lstStyle>
+          <a:p>
+            <a:fld id="{C065697E-AF9E-A04D-A165-89C489674F01}" type="slidenum">
+              <a:rPr lang="en-US" smtClean="0"/>
+              <a:t>‹#›</a:t>
+            </a:fld>
+            <a:endParaRPr lang="en-US"/>
+          </a:p>
+        </p:txBody>
+      </p:sp>
+    </p:spTree>
+    <p:extLst>
+      <p:ext uri="{BB962C8B-B14F-4D97-AF65-F5344CB8AC3E}">
+        <p14:creationId xmlns:p14="http://schemas.microsoft.com/office/powerpoint/2010/main" val="63204673"/>
+      </p:ext>
+    </p:extLst>
+  </p:cSld>
+  <p:clrMap bg1="lt1" tx1="dk1" bg2="lt2" tx2="dk2" accent1="accent1" accent2="accent2" accent3="accent3" accent4="accent4" accent5="accent5" accent6="accent6" hlink="hlink" folHlink="folHlink"/>
+  <p:notesStyle>
+    <a:lvl1pPr marL="0" algn="l" defTabSz="914400" rtl="0" eaLnBrk="1" latinLnBrk="0" hangingPunct="1">
+      <a:defRPr sz="1200" kern="1200">
+        <a:solidFill>
+          <a:schemeClr val="tx1"/>
+        </a:solidFill>
+        <a:latin typeface="+mn-lt"/>
+        <a:ea typeface="+mn-ea"/>
+        <a:cs typeface="+mn-cs"/>
+      </a:defRPr>
+    </a:lvl1pPr>
+    <a:lvl2pPr marL="457200" algn="l" defTabSz="914400" rtl="0" eaLnBrk="1" latinLnBrk="0" hangingPunct="1">
+      <a:defRPr sz="1200" kern="1200">
+        <a:solidFill>
+          <a:schemeClr val="tx1"/>
+        </a:solidFill>
+        <a:latin typeface="+mn-lt"/>
+        <a:ea typeface="+mn-ea"/>
+        <a:cs typeface="+mn-cs"/>
+      </a:defRPr>
+    </a:lvl2pPr>
+    <a:lvl3pPr marL="914400" algn="l" defTabSz="914400" rtl="0" eaLnBrk="1" latinLnBrk="0" hangingPunct="1">
+      <a:defRPr sz="1200" kern="1200">
+        <a:solidFill>
+          <a:schemeClr val="tx1"/>
+        </a:solidFill>
+        <a:latin typeface="+mn-lt"/>
+        <a:ea typeface="+mn-ea"/>
+        <a:cs typeface="+mn-cs"/>
+      </a:defRPr>
+    </a:lvl3pPr>
+    <a:lvl4pPr marL="1371600" algn="l" defTabSz="914400" rtl="0" eaLnBrk="1" latinLnBrk="0" hangingPunct="1">
+      <a:defRPr sz="1200" kern="1200">
+        <a:solidFill>
+          <a:schemeClr val="tx1"/>
+        </a:solidFill>
+        <a:latin typeface="+mn-lt"/>
+        <a:ea typeface="+mn-ea"/>
+        <a:cs typeface="+mn-cs"/>
+      </a:defRPr>
+    </a:lvl4pPr>
+    <a:lvl5pPr marL="1828800" algn="l" defTabSz="914400" rtl="0" eaLnBrk="1" latinLnBrk="0" hangingPunct="1">
+      <a:defRPr sz="1200" kern="1200">
+        <a:solidFill>
+          <a:schemeClr val="tx1"/>
+        </a:solidFill>
+        <a:latin typeface="+mn-lt"/>
+        <a:ea typeface="+mn-ea"/>
+        <a:cs typeface="+mn-cs"/>
+      </a:defRPr>
+    </a:lvl5pPr>
+    <a:lvl6pPr marL="2286000" algn="l" defTabSz="914400" rtl="0" eaLnBrk="1" latinLnBrk="0" hangingPunct="1">
+      <a:defRPr sz="1200" kern="1200">
+        <a:solidFill>
+          <a:schemeClr val="tx1"/>
+        </a:solidFill>
+        <a:latin typeface="+mn-lt"/>
+        <a:ea typeface="+mn-ea"/>
+        <a:cs typeface="+mn-cs"/>
+      </a:defRPr>
+    </a:lvl6pPr>
+    <a:lvl7pPr marL="2743200" algn="l" defTabSz="914400" rtl="0" eaLnBrk="1" latinLnBrk="0" hangingPunct="1">
+      <a:defRPr sz="1200" kern="1200">
+        <a:solidFill>
+          <a:schemeClr val="tx1"/>
+        </a:solidFill>
+        <a:latin typeface="+mn-lt"/>
+        <a:ea typeface="+mn-ea"/>
+        <a:cs typeface="+mn-cs"/>
+      </a:defRPr>
+    </a:lvl7pPr>
+    <a:lvl8pPr marL="3200400" algn="l" defTabSz="914400" rtl="0" eaLnBrk="1" latinLnBrk="0" hangingPunct="1">
+      <a:defRPr sz="1200" kern="1200">
+        <a:solidFill>
+          <a:schemeClr val="tx1"/>
+        </a:solidFill>
+        <a:latin typeface="+mn-lt"/>
+        <a:ea typeface="+mn-ea"/>
+        <a:cs typeface="+mn-cs"/>
+      </a:defRPr>
+    </a:lvl8pPr>
+    <a:lvl9pPr marL="3657600" algn="l" defTabSz="914400" rtl="0" eaLnBrk="1" latinLnBrk="0" hangingPunct="1">
+      <a:defRPr sz="1200" kern="1200">
+        <a:solidFill>
+          <a:schemeClr val="tx1"/>
+        </a:solidFill>
+        <a:latin typeface="+mn-lt"/>
+        <a:ea typeface="+mn-ea"/>
+        <a:cs typeface="+mn-cs"/>
+      </a:defRPr>
+    </a:lvl9pPr>
+  </p:notesStyle>
+</p:notesMaster>
+</file>
+
+<file path=ppt/notesSlides/notesSlide1.xml><?xml version="1.0" encoding="utf-8"?>
+<p:notes xmlns:a="http://schemas.openxmlformats.org/drawingml/2006/main" xmlns:r="http://schemas.openxmlformats.org/officeDocument/2006/relationships" xmlns:p="http://schemas.openxmlformats.org/presentationml/2006/main">
+  <p:cSld>
+    <p:spTree>
+      <p:nvGrpSpPr>
+        <p:cNvPr id="1" name=""/>
+        <p:cNvGrpSpPr/>
+        <p:nvPr/>
+      </p:nvGrpSpPr>
+      <p:grpSpPr>
+        <a:xfrm>
+          <a:off x="0" y="0"/>
+          <a:ext cx="0" cy="0"/>
+          <a:chOff x="0" y="0"/>
+          <a:chExt cx="0" cy="0"/>
+        </a:xfrm>
+      </p:grpSpPr>
+      <p:sp>
+        <p:nvSpPr>
+          <p:cNvPr id="2" name="Slide Image Placeholder 1"/>
+          <p:cNvSpPr>
+            <a:spLocks noGrp="1" noRot="1" noChangeAspect="1"/>
+          </p:cNvSpPr>
+          <p:nvPr>
+            <p:ph type="sldImg"/>
+          </p:nvPr>
+        </p:nvSpPr>
+        <p:spPr/>
+      </p:sp>
+      <p:sp>
+        <p:nvSpPr>
+          <p:cNvPr id="3" name="Notes Placeholder 2"/>
+          <p:cNvSpPr>
+            <a:spLocks noGrp="1"/>
+          </p:cNvSpPr>
+          <p:nvPr>
+            <p:ph type="body" idx="1"/>
+          </p:nvPr>
+        </p:nvSpPr>
+        <p:spPr/>
+        <p:txBody>
+          <a:bodyPr/>
+          <a:lstStyle/>
+          <a:p>
+            <a:r>
+              <a:rPr lang="en-US" dirty="0" smtClean="0"/>
+              <a:t>- First thing to check: using S2 value</a:t>
+            </a:r>
+          </a:p>
+        </p:txBody>
+      </p:sp>
+      <p:sp>
+        <p:nvSpPr>
+          <p:cNvPr id="4" name="Slide Number Placeholder 3"/>
+          <p:cNvSpPr>
+            <a:spLocks noGrp="1"/>
+          </p:cNvSpPr>
+          <p:nvPr>
+            <p:ph type="sldNum" sz="quarter" idx="10"/>
+          </p:nvPr>
+        </p:nvSpPr>
+        <p:spPr/>
+        <p:txBody>
+          <a:bodyPr/>
+          <a:lstStyle/>
+          <a:p>
+            <a:fld id="{81940ACF-9DFF-5B4E-84EB-940F79CBA798}" type="slidenum">
+              <a:rPr lang="en-US" smtClean="0"/>
+              <a:t>5</a:t>
+            </a:fld>
+            <a:endParaRPr lang="en-US"/>
+          </a:p>
+        </p:txBody>
+      </p:sp>
+    </p:spTree>
+    <p:extLst>
+      <p:ext uri="{BB962C8B-B14F-4D97-AF65-F5344CB8AC3E}">
+        <p14:creationId xmlns:p14="http://schemas.microsoft.com/office/powerpoint/2010/main" val="1424017493"/>
+      </p:ext>
+    </p:extLst>
+  </p:cSld>
+  <p:clrMapOvr>
+    <a:masterClrMapping/>
+  </p:clrMapOvr>
+</p:notes>
+</file>
+
+<file path=ppt/notesSlides/notesSlide2.xml><?xml version="1.0" encoding="utf-8"?>
+<p:notes xmlns:a="http://schemas.openxmlformats.org/drawingml/2006/main" xmlns:r="http://schemas.openxmlformats.org/officeDocument/2006/relationships" xmlns:p="http://schemas.openxmlformats.org/presentationml/2006/main">
+  <p:cSld>
+    <p:spTree>
+      <p:nvGrpSpPr>
+        <p:cNvPr id="1" name=""/>
+        <p:cNvGrpSpPr/>
+        <p:nvPr/>
+      </p:nvGrpSpPr>
+      <p:grpSpPr>
+        <a:xfrm>
+          <a:off x="0" y="0"/>
+          <a:ext cx="0" cy="0"/>
+          <a:chOff x="0" y="0"/>
+          <a:chExt cx="0" cy="0"/>
+        </a:xfrm>
+      </p:grpSpPr>
+      <p:sp>
+        <p:nvSpPr>
+          <p:cNvPr id="2" name="Slide Image Placeholder 1"/>
+          <p:cNvSpPr>
+            <a:spLocks noGrp="1" noRot="1" noChangeAspect="1"/>
+          </p:cNvSpPr>
+          <p:nvPr>
+            <p:ph type="sldImg"/>
+          </p:nvPr>
+        </p:nvSpPr>
+        <p:spPr/>
+      </p:sp>
+      <p:sp>
+        <p:nvSpPr>
+          <p:cNvPr id="3" name="Notes Placeholder 2"/>
+          <p:cNvSpPr>
+            <a:spLocks noGrp="1"/>
+          </p:cNvSpPr>
+          <p:nvPr>
+            <p:ph type="body" idx="1"/>
+          </p:nvPr>
+        </p:nvSpPr>
+        <p:spPr/>
+        <p:txBody>
+          <a:bodyPr/>
+          <a:lstStyle/>
+          <a:p>
+            <a:r>
+              <a:rPr lang="en-US" dirty="0" smtClean="0"/>
+              <a:t>- Then: whether more likely to choose S1 words</a:t>
+            </a:r>
+            <a:endParaRPr lang="en-US" baseline="0" dirty="0" smtClean="0"/>
+          </a:p>
+          <a:p>
+            <a:r>
+              <a:rPr lang="en-US" baseline="0" dirty="0" smtClean="0"/>
+              <a:t>Indeed</a:t>
+            </a:r>
+            <a:r>
+              <a:rPr lang="mr-IN" baseline="0" dirty="0" smtClean="0"/>
+              <a:t>…</a:t>
+            </a:r>
+            <a:endParaRPr lang="en-US" baseline="0" dirty="0" smtClean="0"/>
+          </a:p>
+          <a:p>
+            <a:r>
+              <a:rPr lang="en-US" baseline="0" dirty="0" smtClean="0"/>
+              <a:t>So using both. But doesn’t mean CS; could be combining them in some other way.</a:t>
+            </a:r>
+            <a:endParaRPr lang="en-US" dirty="0" smtClean="0"/>
+          </a:p>
+        </p:txBody>
+      </p:sp>
+      <p:sp>
+        <p:nvSpPr>
+          <p:cNvPr id="4" name="Slide Number Placeholder 3"/>
+          <p:cNvSpPr>
+            <a:spLocks noGrp="1"/>
+          </p:cNvSpPr>
+          <p:nvPr>
+            <p:ph type="sldNum" sz="quarter" idx="10"/>
+          </p:nvPr>
+        </p:nvSpPr>
+        <p:spPr/>
+        <p:txBody>
+          <a:bodyPr/>
+          <a:lstStyle/>
+          <a:p>
+            <a:fld id="{81940ACF-9DFF-5B4E-84EB-940F79CBA798}" type="slidenum">
+              <a:rPr lang="en-US" smtClean="0"/>
+              <a:t>8</a:t>
+            </a:fld>
+            <a:endParaRPr lang="en-US"/>
+          </a:p>
+        </p:txBody>
+      </p:sp>
+    </p:spTree>
+    <p:extLst>
+      <p:ext uri="{BB962C8B-B14F-4D97-AF65-F5344CB8AC3E}">
+        <p14:creationId xmlns:p14="http://schemas.microsoft.com/office/powerpoint/2010/main" val="1309167177"/>
+      </p:ext>
+    </p:extLst>
+  </p:cSld>
+  <p:clrMapOvr>
+    <a:masterClrMapping/>
+  </p:clrMapOvr>
+</p:notes>
 </file>
 
 <file path=ppt/slideLayouts/slideLayout1.xml><?xml version="1.0" encoding="utf-8"?>
@@ -241,7 +797,7 @@
           <a:p>
             <a:fld id="{9D6D5D86-C368-C744-BA09-C6BB9606A790}" type="datetimeFigureOut">
               <a:rPr lang="en-US" smtClean="0"/>
-              <a:t>4/7/17</a:t>
+              <a:t>2/1/18</a:t>
             </a:fld>
             <a:endParaRPr lang="en-US"/>
           </a:p>
@@ -411,7 +967,7 @@
           <a:p>
             <a:fld id="{9D6D5D86-C368-C744-BA09-C6BB9606A790}" type="datetimeFigureOut">
               <a:rPr lang="en-US" smtClean="0"/>
-              <a:t>4/7/17</a:t>
+              <a:t>2/1/18</a:t>
             </a:fld>
             <a:endParaRPr lang="en-US"/>
           </a:p>
@@ -591,7 +1147,7 @@
           <a:p>
             <a:fld id="{9D6D5D86-C368-C744-BA09-C6BB9606A790}" type="datetimeFigureOut">
               <a:rPr lang="en-US" smtClean="0"/>
-              <a:t>4/7/17</a:t>
+              <a:t>2/1/18</a:t>
             </a:fld>
             <a:endParaRPr lang="en-US"/>
           </a:p>
@@ -761,7 +1317,7 @@
           <a:p>
             <a:fld id="{9D6D5D86-C368-C744-BA09-C6BB9606A790}" type="datetimeFigureOut">
               <a:rPr lang="en-US" smtClean="0"/>
-              <a:t>4/7/17</a:t>
+              <a:t>2/1/18</a:t>
             </a:fld>
             <a:endParaRPr lang="en-US"/>
           </a:p>
@@ -1007,7 +1563,7 @@
           <a:p>
             <a:fld id="{9D6D5D86-C368-C744-BA09-C6BB9606A790}" type="datetimeFigureOut">
               <a:rPr lang="en-US" smtClean="0"/>
-              <a:t>4/7/17</a:t>
+              <a:t>2/1/18</a:t>
             </a:fld>
             <a:endParaRPr lang="en-US"/>
           </a:p>
@@ -1239,7 +1795,7 @@
           <a:p>
             <a:fld id="{9D6D5D86-C368-C744-BA09-C6BB9606A790}" type="datetimeFigureOut">
               <a:rPr lang="en-US" smtClean="0"/>
-              <a:t>4/7/17</a:t>
+              <a:t>2/1/18</a:t>
             </a:fld>
             <a:endParaRPr lang="en-US"/>
           </a:p>
@@ -1606,7 +2162,7 @@
           <a:p>
             <a:fld id="{9D6D5D86-C368-C744-BA09-C6BB9606A790}" type="datetimeFigureOut">
               <a:rPr lang="en-US" smtClean="0"/>
-              <a:t>4/7/17</a:t>
+              <a:t>2/1/18</a:t>
             </a:fld>
             <a:endParaRPr lang="en-US"/>
           </a:p>
@@ -1724,7 +2280,7 @@
           <a:p>
             <a:fld id="{9D6D5D86-C368-C744-BA09-C6BB9606A790}" type="datetimeFigureOut">
               <a:rPr lang="en-US" smtClean="0"/>
-              <a:t>4/7/17</a:t>
+              <a:t>2/1/18</a:t>
             </a:fld>
             <a:endParaRPr lang="en-US"/>
           </a:p>
@@ -1819,7 +2375,7 @@
           <a:p>
             <a:fld id="{9D6D5D86-C368-C744-BA09-C6BB9606A790}" type="datetimeFigureOut">
               <a:rPr lang="en-US" smtClean="0"/>
-              <a:t>4/7/17</a:t>
+              <a:t>2/1/18</a:t>
             </a:fld>
             <a:endParaRPr lang="en-US"/>
           </a:p>
@@ -2096,7 +2652,7 @@
           <a:p>
             <a:fld id="{9D6D5D86-C368-C744-BA09-C6BB9606A790}" type="datetimeFigureOut">
               <a:rPr lang="en-US" smtClean="0"/>
-              <a:t>4/7/17</a:t>
+              <a:t>2/1/18</a:t>
             </a:fld>
             <a:endParaRPr lang="en-US"/>
           </a:p>
@@ -2349,7 +2905,7 @@
           <a:p>
             <a:fld id="{9D6D5D86-C368-C744-BA09-C6BB9606A790}" type="datetimeFigureOut">
               <a:rPr lang="en-US" smtClean="0"/>
-              <a:t>4/7/17</a:t>
+              <a:t>2/1/18</a:t>
             </a:fld>
             <a:endParaRPr lang="en-US"/>
           </a:p>
@@ -2562,7 +3118,7 @@
           <a:p>
             <a:fld id="{9D6D5D86-C368-C744-BA09-C6BB9606A790}" type="datetimeFigureOut">
               <a:rPr lang="en-US" smtClean="0"/>
-              <a:t>4/7/17</a:t>
+              <a:t>2/1/18</a:t>
             </a:fld>
             <a:endParaRPr lang="en-US"/>
           </a:p>
@@ -7995,7 +8551,7 @@
         </p:nvGrpSpPr>
         <p:grpSpPr>
           <a:xfrm>
-            <a:off x="2810467" y="1016736"/>
+            <a:off x="2798591" y="1016736"/>
             <a:ext cx="5803448" cy="3725072"/>
             <a:chOff x="2810467" y="1016736"/>
             <a:chExt cx="5803448" cy="3725072"/>
@@ -10189,10 +10745,10 @@
             </p:nvGrpSpPr>
             <p:grpSpPr>
               <a:xfrm>
-                <a:off x="6701329" y="2097314"/>
-                <a:ext cx="1912586" cy="1191741"/>
-                <a:chOff x="10327124" y="3377474"/>
-                <a:chExt cx="1912586" cy="1191741"/>
+                <a:off x="6701329" y="1955078"/>
+                <a:ext cx="1912586" cy="1554926"/>
+                <a:chOff x="10327124" y="3235238"/>
+                <a:chExt cx="1912586" cy="1554926"/>
               </a:xfrm>
             </p:grpSpPr>
             <p:sp>
@@ -10203,8 +10759,8 @@
               </p:nvSpPr>
               <p:spPr>
                 <a:xfrm>
-                  <a:off x="10327124" y="3377474"/>
-                  <a:ext cx="1587101" cy="1191741"/>
+                  <a:off x="10327124" y="3235238"/>
+                  <a:ext cx="1587101" cy="1554926"/>
                 </a:xfrm>
                 <a:prstGeom prst="rightArrow">
                   <a:avLst/>
@@ -10232,9 +10788,14 @@
                 <a:p>
                   <a:pPr algn="ctr"/>
                   <a:r>
-                    <a:rPr lang="en-US" dirty="0"/>
-                    <a:t>Rigorous evaluation</a:t>
+                    <a:rPr lang="en-US" dirty="0" smtClean="0"/>
+                    <a:t>Planning </a:t>
                   </a:r>
+                  <a:r>
+                    <a:rPr lang="en-US" sz="1400" dirty="0" smtClean="0"/>
+                    <a:t>(to compute current value)</a:t>
+                  </a:r>
+                  <a:endParaRPr lang="en-US" dirty="0"/>
                 </a:p>
               </p:txBody>
             </p:sp>
@@ -10321,8 +10882,8 @@
           </p:nvSpPr>
           <p:spPr>
             <a:xfrm>
-              <a:off x="4086097" y="2069695"/>
-              <a:ext cx="1587101" cy="1191741"/>
+              <a:off x="4144971" y="2019949"/>
+              <a:ext cx="1587101" cy="1440309"/>
             </a:xfrm>
             <a:prstGeom prst="rightArrow">
               <a:avLst/>
@@ -10351,7 +10912,11 @@
               <a:pPr algn="ctr"/>
               <a:r>
                 <a:rPr lang="en-US" dirty="0" smtClean="0"/>
-                <a:t>Sampling</a:t>
+                <a:t>Sampling </a:t>
+              </a:r>
+              <a:r>
+                <a:rPr lang="en-US" sz="1400" dirty="0" smtClean="0"/>
+                <a:t>(guided by past value)</a:t>
               </a:r>
               <a:endParaRPr lang="en-US" dirty="0"/>
             </a:p>
@@ -12693,8 +13258,8 @@
             </p:nvSpPr>
             <p:spPr>
               <a:xfrm>
-                <a:off x="2676256" y="2631123"/>
-                <a:ext cx="2072640" cy="1396365"/>
+                <a:off x="2666096" y="2374048"/>
+                <a:ext cx="2072640" cy="1892299"/>
               </a:xfrm>
               <a:prstGeom prst="rightArrow">
                 <a:avLst/>
@@ -12722,8 +13287,16 @@
               <a:p>
                 <a:pPr algn="ctr"/>
                 <a:r>
-                  <a:rPr lang="en-US" sz="2400" dirty="0" smtClean="0"/>
-                  <a:t>Sampling</a:t>
+                  <a:rPr lang="en-US" sz="2400" dirty="0"/>
+                  <a:t>Sampling </a:t>
+                </a:r>
+                <a:r>
+                  <a:rPr lang="en-US" sz="1600" dirty="0"/>
+                  <a:t>(guided by past value</a:t>
+                </a:r>
+                <a:r>
+                  <a:rPr lang="en-US" sz="1600" dirty="0" smtClean="0"/>
+                  <a:t>)</a:t>
                 </a:r>
                 <a:endParaRPr lang="en-US" sz="2400" dirty="0"/>
               </a:p>
@@ -12797,57 +13370,8 @@
             <a:p>
               <a:r>
                 <a:rPr lang="en-US" sz="2400" b="1" dirty="0" smtClean="0"/>
-                <a:t>No </a:t>
+                <a:t>No planning model</a:t>
               </a:r>
-              <a:r>
-                <a:rPr lang="en-US" sz="2400" b="1" dirty="0" smtClean="0"/>
-                <a:t>planning model</a:t>
-              </a:r>
-              <a:endParaRPr lang="en-US" sz="2400" b="1" dirty="0" smtClean="0"/>
-            </a:p>
-          </p:txBody>
-        </p:sp>
-        <p:sp>
-          <p:nvSpPr>
-            <p:cNvPr id="53" name="Right Arrow 52"/>
-            <p:cNvSpPr/>
-            <p:nvPr/>
-          </p:nvSpPr>
-          <p:spPr>
-            <a:xfrm>
-              <a:off x="9292972" y="2605088"/>
-              <a:ext cx="2072640" cy="1396365"/>
-            </a:xfrm>
-            <a:prstGeom prst="rightArrow">
-              <a:avLst/>
-            </a:prstGeom>
-          </p:spPr>
-          <p:style>
-            <a:lnRef idx="2">
-              <a:schemeClr val="accent1">
-                <a:shade val="50000"/>
-              </a:schemeClr>
-            </a:lnRef>
-            <a:fillRef idx="1">
-              <a:schemeClr val="accent1"/>
-            </a:fillRef>
-            <a:effectRef idx="0">
-              <a:schemeClr val="accent1"/>
-            </a:effectRef>
-            <a:fontRef idx="minor">
-              <a:schemeClr val="lt1"/>
-            </a:fontRef>
-          </p:style>
-          <p:txBody>
-            <a:bodyPr rtlCol="0" anchor="ctr"/>
-            <a:lstStyle/>
-            <a:p>
-              <a:pPr algn="ctr"/>
-              <a:r>
-                <a:rPr lang="en-US" sz="2400" dirty="0" smtClean="0"/>
-                <a:t>Rigorous evaluation</a:t>
-              </a:r>
-              <a:endParaRPr lang="en-US" sz="2400" dirty="0"/>
             </a:p>
           </p:txBody>
         </p:sp>
@@ -15126,11 +15650,7 @@
             <a:p>
               <a:r>
                 <a:rPr lang="en-US" sz="2400" b="1" smtClean="0"/>
-                <a:t>Optimal </a:t>
-              </a:r>
-              <a:r>
-                <a:rPr lang="en-US" sz="2400" b="1" smtClean="0"/>
-                <a:t>planning model</a:t>
+                <a:t>Optimal planning model</a:t>
               </a:r>
               <a:endParaRPr lang="en-US" sz="2400" b="1" dirty="0" smtClean="0"/>
             </a:p>
@@ -15200,11 +15720,7 @@
             <a:p>
               <a:r>
                 <a:rPr lang="en-US" sz="2400" dirty="0" smtClean="0"/>
-                <a:t>Extremely </a:t>
-              </a:r>
-              <a:r>
-                <a:rPr lang="en-US" sz="2400" dirty="0" smtClean="0"/>
-                <a:t>cheap</a:t>
+                <a:t>Extremely cheap</a:t>
               </a:r>
               <a:endParaRPr lang="en-US" sz="2400" dirty="0"/>
             </a:p>
@@ -15359,6 +15875,57 @@
           </p:sp>
         </p:grpSp>
       </p:grpSp>
+      <p:sp>
+        <p:nvSpPr>
+          <p:cNvPr id="109" name="Right Arrow 108"/>
+          <p:cNvSpPr/>
+          <p:nvPr/>
+        </p:nvSpPr>
+        <p:spPr>
+          <a:xfrm>
+            <a:off x="9308281" y="2326164"/>
+            <a:ext cx="2072640" cy="1892299"/>
+          </a:xfrm>
+          <a:prstGeom prst="rightArrow">
+            <a:avLst/>
+          </a:prstGeom>
+        </p:spPr>
+        <p:style>
+          <a:lnRef idx="2">
+            <a:schemeClr val="accent1">
+              <a:shade val="50000"/>
+            </a:schemeClr>
+          </a:lnRef>
+          <a:fillRef idx="1">
+            <a:schemeClr val="accent1"/>
+          </a:fillRef>
+          <a:effectRef idx="0">
+            <a:schemeClr val="accent1"/>
+          </a:effectRef>
+          <a:fontRef idx="minor">
+            <a:schemeClr val="lt1"/>
+          </a:fontRef>
+        </p:style>
+        <p:txBody>
+          <a:bodyPr rtlCol="0" anchor="ctr"/>
+          <a:lstStyle/>
+          <a:p>
+            <a:pPr algn="ctr"/>
+            <a:r>
+              <a:rPr lang="en-US" sz="2400" dirty="0" smtClean="0"/>
+              <a:t>Planning</a:t>
+            </a:r>
+          </a:p>
+          <a:p>
+            <a:pPr algn="ctr"/>
+            <a:r>
+              <a:rPr lang="en-US" sz="1600" dirty="0" smtClean="0"/>
+              <a:t>(to compute current value)</a:t>
+            </a:r>
+            <a:endParaRPr lang="en-US" sz="2400" dirty="0"/>
+          </a:p>
+        </p:txBody>
+      </p:sp>
     </p:spTree>
     <p:extLst>
       <p:ext uri="{BB962C8B-B14F-4D97-AF65-F5344CB8AC3E}">
@@ -15839,6 +16406,4751 @@
 </p:sld>
 </file>
 
+<file path=ppt/slides/slide5.xml><?xml version="1.0" encoding="utf-8"?>
+<p:sld xmlns:a="http://schemas.openxmlformats.org/drawingml/2006/main" xmlns:r="http://schemas.openxmlformats.org/officeDocument/2006/relationships" xmlns:p="http://schemas.openxmlformats.org/presentationml/2006/main">
+  <p:cSld>
+    <p:spTree>
+      <p:nvGrpSpPr>
+        <p:cNvPr id="1" name=""/>
+        <p:cNvGrpSpPr/>
+        <p:nvPr/>
+      </p:nvGrpSpPr>
+      <p:grpSpPr>
+        <a:xfrm>
+          <a:off x="0" y="0"/>
+          <a:ext cx="0" cy="0"/>
+          <a:chOff x="0" y="0"/>
+          <a:chExt cx="0" cy="0"/>
+        </a:xfrm>
+      </p:grpSpPr>
+      <p:grpSp>
+        <p:nvGrpSpPr>
+          <p:cNvPr id="1152" name="Group 1151"/>
+          <p:cNvGrpSpPr/>
+          <p:nvPr/>
+        </p:nvGrpSpPr>
+        <p:grpSpPr>
+          <a:xfrm>
+            <a:off x="0" y="316175"/>
+            <a:ext cx="12009600" cy="6541825"/>
+            <a:chOff x="-113012" y="321788"/>
+            <a:chExt cx="12009600" cy="6541825"/>
+          </a:xfrm>
+        </p:grpSpPr>
+        <p:grpSp>
+          <p:nvGrpSpPr>
+            <p:cNvPr id="16" name="Group 15"/>
+            <p:cNvGrpSpPr/>
+            <p:nvPr/>
+          </p:nvGrpSpPr>
+          <p:grpSpPr>
+            <a:xfrm>
+              <a:off x="-113012" y="321788"/>
+              <a:ext cx="12009600" cy="6541825"/>
+              <a:chOff x="-2769" y="428836"/>
+              <a:chExt cx="12009600" cy="6541825"/>
+            </a:xfrm>
+          </p:grpSpPr>
+          <p:grpSp>
+            <p:nvGrpSpPr>
+              <p:cNvPr id="213" name="Group 212"/>
+              <p:cNvGrpSpPr/>
+              <p:nvPr/>
+            </p:nvGrpSpPr>
+            <p:grpSpPr>
+              <a:xfrm>
+                <a:off x="-2769" y="3108252"/>
+                <a:ext cx="9308561" cy="3631576"/>
+                <a:chOff x="-2769" y="3108252"/>
+                <a:chExt cx="9308561" cy="3631576"/>
+              </a:xfrm>
+            </p:grpSpPr>
+            <p:sp>
+              <p:nvSpPr>
+                <p:cNvPr id="3" name="TextBox 2"/>
+                <p:cNvSpPr txBox="1"/>
+                <p:nvPr/>
+              </p:nvSpPr>
+              <p:spPr>
+                <a:xfrm>
+                  <a:off x="1788305" y="5752214"/>
+                  <a:ext cx="340158" cy="461665"/>
+                </a:xfrm>
+                <a:prstGeom prst="rect">
+                  <a:avLst/>
+                </a:prstGeom>
+                <a:noFill/>
+              </p:spPr>
+              <p:txBody>
+                <a:bodyPr wrap="none" rtlCol="0">
+                  <a:spAutoFit/>
+                </a:bodyPr>
+                <a:lstStyle/>
+                <a:p>
+                  <a:r>
+                    <a:rPr lang="en-US" sz="2400"/>
+                    <a:t>1</a:t>
+                  </a:r>
+                  <a:endParaRPr lang="en-US" sz="2400" dirty="0"/>
+                </a:p>
+              </p:txBody>
+            </p:sp>
+            <p:sp>
+              <p:nvSpPr>
+                <p:cNvPr id="4" name="TextBox 3"/>
+                <p:cNvSpPr txBox="1"/>
+                <p:nvPr/>
+              </p:nvSpPr>
+              <p:spPr>
+                <a:xfrm>
+                  <a:off x="8810143" y="5752214"/>
+                  <a:ext cx="495649" cy="461665"/>
+                </a:xfrm>
+                <a:prstGeom prst="rect">
+                  <a:avLst/>
+                </a:prstGeom>
+                <a:noFill/>
+              </p:spPr>
+              <p:txBody>
+                <a:bodyPr wrap="none" rtlCol="0">
+                  <a:spAutoFit/>
+                </a:bodyPr>
+                <a:lstStyle/>
+                <a:p>
+                  <a:r>
+                    <a:rPr lang="en-US" sz="2400" dirty="0" smtClean="0"/>
+                    <a:t>14</a:t>
+                  </a:r>
+                  <a:endParaRPr lang="en-US" sz="2400" dirty="0"/>
+                </a:p>
+              </p:txBody>
+            </p:sp>
+            <p:sp>
+              <p:nvSpPr>
+                <p:cNvPr id="5" name="TextBox 4"/>
+                <p:cNvSpPr txBox="1"/>
+                <p:nvPr/>
+              </p:nvSpPr>
+              <p:spPr>
+                <a:xfrm>
+                  <a:off x="5375470" y="5752214"/>
+                  <a:ext cx="340158" cy="461665"/>
+                </a:xfrm>
+                <a:prstGeom prst="rect">
+                  <a:avLst/>
+                </a:prstGeom>
+                <a:noFill/>
+              </p:spPr>
+              <p:txBody>
+                <a:bodyPr wrap="none" rtlCol="0">
+                  <a:spAutoFit/>
+                </a:bodyPr>
+                <a:lstStyle/>
+                <a:p>
+                  <a:r>
+                    <a:rPr lang="en-US" sz="2400"/>
+                    <a:t>7</a:t>
+                  </a:r>
+                </a:p>
+              </p:txBody>
+            </p:sp>
+            <p:sp>
+              <p:nvSpPr>
+                <p:cNvPr id="6" name="TextBox 5"/>
+                <p:cNvSpPr txBox="1"/>
+                <p:nvPr/>
+              </p:nvSpPr>
+              <p:spPr>
+                <a:xfrm>
+                  <a:off x="3508257" y="6278163"/>
+                  <a:ext cx="4179029" cy="461665"/>
+                </a:xfrm>
+                <a:prstGeom prst="rect">
+                  <a:avLst/>
+                </a:prstGeom>
+                <a:noFill/>
+              </p:spPr>
+              <p:txBody>
+                <a:bodyPr wrap="none" rtlCol="0">
+                  <a:spAutoFit/>
+                </a:bodyPr>
+                <a:lstStyle/>
+                <a:p>
+                  <a:r>
+                    <a:rPr lang="en-US" sz="2400" smtClean="0"/>
+                    <a:t>Average rank of Stage 2  choices</a:t>
+                  </a:r>
+                  <a:endParaRPr lang="en-US" sz="2400" dirty="0"/>
+                </a:p>
+              </p:txBody>
+            </p:sp>
+            <p:sp>
+              <p:nvSpPr>
+                <p:cNvPr id="7" name="TextBox 6"/>
+                <p:cNvSpPr txBox="1"/>
+                <p:nvPr/>
+              </p:nvSpPr>
+              <p:spPr>
+                <a:xfrm>
+                  <a:off x="-2769" y="3108252"/>
+                  <a:ext cx="1539204" cy="830997"/>
+                </a:xfrm>
+                <a:prstGeom prst="rect">
+                  <a:avLst/>
+                </a:prstGeom>
+                <a:noFill/>
+              </p:spPr>
+              <p:txBody>
+                <a:bodyPr wrap="none" rtlCol="0">
+                  <a:spAutoFit/>
+                </a:bodyPr>
+                <a:lstStyle/>
+                <a:p>
+                  <a:pPr algn="ctr"/>
+                  <a:r>
+                    <a:rPr lang="en-US" sz="2400" dirty="0" smtClean="0"/>
+                    <a:t>Number of</a:t>
+                  </a:r>
+                </a:p>
+                <a:p>
+                  <a:pPr algn="ctr"/>
+                  <a:r>
+                    <a:rPr lang="en-US" sz="2400" dirty="0" smtClean="0"/>
+                    <a:t>subjects</a:t>
+                  </a:r>
+                  <a:endParaRPr lang="en-US" sz="2400" dirty="0"/>
+                </a:p>
+              </p:txBody>
+            </p:sp>
+          </p:grpSp>
+          <p:grpSp>
+            <p:nvGrpSpPr>
+              <p:cNvPr id="214" name="Group 213"/>
+              <p:cNvGrpSpPr/>
+              <p:nvPr/>
+            </p:nvGrpSpPr>
+            <p:grpSpPr>
+              <a:xfrm>
+                <a:off x="1591911" y="428836"/>
+                <a:ext cx="10414920" cy="5785043"/>
+                <a:chOff x="1591911" y="428835"/>
+                <a:chExt cx="10414920" cy="5785043"/>
+              </a:xfrm>
+            </p:grpSpPr>
+            <p:pic>
+              <p:nvPicPr>
+                <p:cNvPr id="2" name="Picture 1"/>
+                <p:cNvPicPr>
+                  <a:picLocks noChangeAspect="1"/>
+                </p:cNvPicPr>
+                <p:nvPr/>
+              </p:nvPicPr>
+              <p:blipFill>
+                <a:blip r:embed="rId3">
+                  <a:extLst>
+                    <a:ext uri="{28A0092B-C50C-407E-A947-70E740481C1C}">
+                      <a14:useLocalDpi xmlns:a14="http://schemas.microsoft.com/office/drawing/2010/main" val="0"/>
+                    </a:ext>
+                  </a:extLst>
+                </a:blip>
+                <a:stretch>
+                  <a:fillRect/>
+                </a:stretch>
+              </p:blipFill>
+              <p:spPr>
+                <a:xfrm>
+                  <a:off x="1591911" y="641368"/>
+                  <a:ext cx="7911225" cy="5001117"/>
+                </a:xfrm>
+                <a:prstGeom prst="rect">
+                  <a:avLst/>
+                </a:prstGeom>
+              </p:spPr>
+            </p:pic>
+            <p:cxnSp>
+              <p:nvCxnSpPr>
+                <p:cNvPr id="9" name="Straight Connector 8"/>
+                <p:cNvCxnSpPr>
+                  <a:stCxn id="2" idx="0"/>
+                  <a:endCxn id="2" idx="2"/>
+                </p:cNvCxnSpPr>
+                <p:nvPr/>
+              </p:nvCxnSpPr>
+              <p:spPr>
+                <a:xfrm>
+                  <a:off x="5547524" y="641368"/>
+                  <a:ext cx="0" cy="5001117"/>
+                </a:xfrm>
+                <a:prstGeom prst="line">
+                  <a:avLst/>
+                </a:prstGeom>
+                <a:ln w="38100">
+                  <a:solidFill>
+                    <a:srgbClr val="FF0000"/>
+                  </a:solidFill>
+                  <a:prstDash val="dash"/>
+                </a:ln>
+              </p:spPr>
+              <p:style>
+                <a:lnRef idx="1">
+                  <a:schemeClr val="accent1"/>
+                </a:lnRef>
+                <a:fillRef idx="0">
+                  <a:schemeClr val="accent1"/>
+                </a:fillRef>
+                <a:effectRef idx="0">
+                  <a:schemeClr val="accent1"/>
+                </a:effectRef>
+                <a:fontRef idx="minor">
+                  <a:schemeClr val="tx1"/>
+                </a:fontRef>
+              </p:style>
+            </p:cxnSp>
+            <p:cxnSp>
+              <p:nvCxnSpPr>
+                <p:cNvPr id="11" name="Straight Connector 10"/>
+                <p:cNvCxnSpPr>
+                  <a:stCxn id="11" idx="0"/>
+                  <a:endCxn id="11" idx="2"/>
+                </p:cNvCxnSpPr>
+                <p:nvPr/>
+              </p:nvCxnSpPr>
+              <p:spPr>
+                <a:xfrm>
+                  <a:off x="7672348" y="428835"/>
+                  <a:ext cx="0" cy="5240082"/>
+                </a:xfrm>
+                <a:prstGeom prst="line">
+                  <a:avLst/>
+                </a:prstGeom>
+                <a:ln w="38100">
+                  <a:solidFill>
+                    <a:srgbClr val="00B050"/>
+                  </a:solidFill>
+                  <a:prstDash val="dash"/>
+                </a:ln>
+              </p:spPr>
+              <p:style>
+                <a:lnRef idx="1">
+                  <a:schemeClr val="accent1"/>
+                </a:lnRef>
+                <a:fillRef idx="0">
+                  <a:schemeClr val="accent1"/>
+                </a:fillRef>
+                <a:effectRef idx="0">
+                  <a:schemeClr val="accent1"/>
+                </a:effectRef>
+                <a:fontRef idx="minor">
+                  <a:schemeClr val="tx1"/>
+                </a:fontRef>
+              </p:style>
+            </p:cxnSp>
+            <p:sp>
+              <p:nvSpPr>
+                <p:cNvPr id="12" name="TextBox 11"/>
+                <p:cNvSpPr txBox="1"/>
+                <p:nvPr/>
+              </p:nvSpPr>
+              <p:spPr>
+                <a:xfrm>
+                  <a:off x="7402998" y="5752213"/>
+                  <a:ext cx="728084" cy="461665"/>
+                </a:xfrm>
+                <a:prstGeom prst="rect">
+                  <a:avLst/>
+                </a:prstGeom>
+                <a:noFill/>
+              </p:spPr>
+              <p:txBody>
+                <a:bodyPr wrap="none" rtlCol="0">
+                  <a:spAutoFit/>
+                </a:bodyPr>
+                <a:lstStyle/>
+                <a:p>
+                  <a:r>
+                    <a:rPr lang="en-US" sz="2400" dirty="0" smtClean="0"/>
+                    <a:t>11.5</a:t>
+                  </a:r>
+                  <a:endParaRPr lang="en-US" sz="2400" dirty="0"/>
+                </a:p>
+              </p:txBody>
+            </p:sp>
+            <p:grpSp>
+              <p:nvGrpSpPr>
+                <p:cNvPr id="212" name="Group 211"/>
+                <p:cNvGrpSpPr/>
+                <p:nvPr/>
+              </p:nvGrpSpPr>
+              <p:grpSpPr>
+                <a:xfrm>
+                  <a:off x="9764503" y="1501385"/>
+                  <a:ext cx="2242328" cy="1856618"/>
+                  <a:chOff x="9764503" y="1501385"/>
+                  <a:chExt cx="2242328" cy="1856618"/>
+                </a:xfrm>
+              </p:grpSpPr>
+              <p:sp>
+                <p:nvSpPr>
+                  <p:cNvPr id="10" name="TextBox 9"/>
+                  <p:cNvSpPr txBox="1"/>
+                  <p:nvPr/>
+                </p:nvSpPr>
+                <p:spPr>
+                  <a:xfrm>
+                    <a:off x="9764503" y="2896338"/>
+                    <a:ext cx="184731" cy="461665"/>
+                  </a:xfrm>
+                  <a:prstGeom prst="rect">
+                    <a:avLst/>
+                  </a:prstGeom>
+                  <a:noFill/>
+                </p:spPr>
+                <p:txBody>
+                  <a:bodyPr wrap="none" rtlCol="0">
+                    <a:spAutoFit/>
+                  </a:bodyPr>
+                  <a:lstStyle/>
+                  <a:p>
+                    <a:endParaRPr lang="en-US" sz="2400" i="1" dirty="0"/>
+                  </a:p>
+                </p:txBody>
+              </p:sp>
+              <p:cxnSp>
+                <p:nvCxnSpPr>
+                  <p:cNvPr id="13" name="Straight Connector 12"/>
+                  <p:cNvCxnSpPr/>
+                  <p:nvPr/>
+                </p:nvCxnSpPr>
+                <p:spPr>
+                  <a:xfrm flipH="1">
+                    <a:off x="9874231" y="1732218"/>
+                    <a:ext cx="840259" cy="0"/>
+                  </a:xfrm>
+                  <a:prstGeom prst="line">
+                    <a:avLst/>
+                  </a:prstGeom>
+                  <a:ln w="38100">
+                    <a:solidFill>
+                      <a:srgbClr val="FF0000"/>
+                    </a:solidFill>
+                    <a:prstDash val="dash"/>
+                  </a:ln>
+                </p:spPr>
+                <p:style>
+                  <a:lnRef idx="1">
+                    <a:schemeClr val="accent1"/>
+                  </a:lnRef>
+                  <a:fillRef idx="0">
+                    <a:schemeClr val="accent1"/>
+                  </a:fillRef>
+                  <a:effectRef idx="0">
+                    <a:schemeClr val="accent1"/>
+                  </a:effectRef>
+                  <a:fontRef idx="minor">
+                    <a:schemeClr val="tx1"/>
+                  </a:fontRef>
+                </p:style>
+              </p:cxnSp>
+              <p:cxnSp>
+                <p:nvCxnSpPr>
+                  <p:cNvPr id="209" name="Straight Connector 208"/>
+                  <p:cNvCxnSpPr/>
+                  <p:nvPr/>
+                </p:nvCxnSpPr>
+                <p:spPr>
+                  <a:xfrm flipH="1">
+                    <a:off x="9874231" y="2139799"/>
+                    <a:ext cx="840259" cy="0"/>
+                  </a:xfrm>
+                  <a:prstGeom prst="line">
+                    <a:avLst/>
+                  </a:prstGeom>
+                  <a:ln w="38100">
+                    <a:solidFill>
+                      <a:srgbClr val="00B050"/>
+                    </a:solidFill>
+                    <a:prstDash val="dash"/>
+                  </a:ln>
+                </p:spPr>
+                <p:style>
+                  <a:lnRef idx="1">
+                    <a:schemeClr val="accent1"/>
+                  </a:lnRef>
+                  <a:fillRef idx="0">
+                    <a:schemeClr val="accent1"/>
+                  </a:fillRef>
+                  <a:effectRef idx="0">
+                    <a:schemeClr val="accent1"/>
+                  </a:effectRef>
+                  <a:fontRef idx="minor">
+                    <a:schemeClr val="tx1"/>
+                  </a:fontRef>
+                </p:style>
+              </p:cxnSp>
+              <p:sp>
+                <p:nvSpPr>
+                  <p:cNvPr id="210" name="TextBox 209"/>
+                  <p:cNvSpPr txBox="1"/>
+                  <p:nvPr/>
+                </p:nvSpPr>
+                <p:spPr>
+                  <a:xfrm>
+                    <a:off x="10714490" y="1501385"/>
+                    <a:ext cx="1292341" cy="461665"/>
+                  </a:xfrm>
+                  <a:prstGeom prst="rect">
+                    <a:avLst/>
+                  </a:prstGeom>
+                  <a:noFill/>
+                </p:spPr>
+                <p:txBody>
+                  <a:bodyPr wrap="none" rtlCol="0">
+                    <a:spAutoFit/>
+                  </a:bodyPr>
+                  <a:lstStyle/>
+                  <a:p>
+                    <a:r>
+                      <a:rPr lang="en-US" sz="2400" dirty="0" smtClean="0"/>
+                      <a:t>= chance</a:t>
+                    </a:r>
+                    <a:endParaRPr lang="en-US" sz="2400" dirty="0"/>
+                  </a:p>
+                </p:txBody>
+              </p:sp>
+              <p:sp>
+                <p:nvSpPr>
+                  <p:cNvPr id="211" name="TextBox 210"/>
+                  <p:cNvSpPr txBox="1"/>
+                  <p:nvPr/>
+                </p:nvSpPr>
+                <p:spPr>
+                  <a:xfrm>
+                    <a:off x="10714490" y="1870717"/>
+                    <a:ext cx="1116011" cy="461665"/>
+                  </a:xfrm>
+                  <a:prstGeom prst="rect">
+                    <a:avLst/>
+                  </a:prstGeom>
+                  <a:noFill/>
+                </p:spPr>
+                <p:txBody>
+                  <a:bodyPr wrap="none" rtlCol="0">
+                    <a:spAutoFit/>
+                  </a:bodyPr>
+                  <a:lstStyle/>
+                  <a:p>
+                    <a:r>
+                      <a:rPr lang="en-US" sz="2400" dirty="0" smtClean="0"/>
+                      <a:t>= mean</a:t>
+                    </a:r>
+                    <a:endParaRPr lang="en-US" sz="2400" dirty="0"/>
+                  </a:p>
+                </p:txBody>
+              </p:sp>
+            </p:grpSp>
+          </p:grpSp>
+          <p:grpSp>
+            <p:nvGrpSpPr>
+              <p:cNvPr id="15" name="Group 14"/>
+              <p:cNvGrpSpPr/>
+              <p:nvPr/>
+            </p:nvGrpSpPr>
+            <p:grpSpPr>
+              <a:xfrm>
+                <a:off x="1553464" y="6164946"/>
+                <a:ext cx="7923507" cy="805715"/>
+                <a:chOff x="1553464" y="6164946"/>
+                <a:chExt cx="7923507" cy="805715"/>
+              </a:xfrm>
+            </p:grpSpPr>
+            <p:sp>
+              <p:nvSpPr>
+                <p:cNvPr id="8" name="Up Arrow 7"/>
+                <p:cNvSpPr/>
+                <p:nvPr/>
+              </p:nvSpPr>
+              <p:spPr>
+                <a:xfrm>
+                  <a:off x="1879356" y="6176772"/>
+                  <a:ext cx="131935" cy="369332"/>
+                </a:xfrm>
+                <a:prstGeom prst="upArrow">
+                  <a:avLst/>
+                </a:prstGeom>
+              </p:spPr>
+              <p:style>
+                <a:lnRef idx="2">
+                  <a:schemeClr val="accent1">
+                    <a:shade val="50000"/>
+                  </a:schemeClr>
+                </a:lnRef>
+                <a:fillRef idx="1">
+                  <a:schemeClr val="accent1"/>
+                </a:fillRef>
+                <a:effectRef idx="0">
+                  <a:schemeClr val="accent1"/>
+                </a:effectRef>
+                <a:fontRef idx="minor">
+                  <a:schemeClr val="lt1"/>
+                </a:fontRef>
+              </p:style>
+              <p:txBody>
+                <a:bodyPr rtlCol="0" anchor="ctr"/>
+                <a:lstStyle/>
+                <a:p>
+                  <a:pPr algn="ctr"/>
+                  <a:endParaRPr lang="en-US" sz="2400"/>
+                </a:p>
+              </p:txBody>
+            </p:sp>
+            <p:sp>
+              <p:nvSpPr>
+                <p:cNvPr id="14" name="TextBox 13"/>
+                <p:cNvSpPr txBox="1"/>
+                <p:nvPr/>
+              </p:nvSpPr>
+              <p:spPr>
+                <a:xfrm>
+                  <a:off x="1553464" y="6508996"/>
+                  <a:ext cx="884986" cy="461665"/>
+                </a:xfrm>
+                <a:prstGeom prst="rect">
+                  <a:avLst/>
+                </a:prstGeom>
+                <a:noFill/>
+              </p:spPr>
+              <p:txBody>
+                <a:bodyPr wrap="none" rtlCol="0">
+                  <a:spAutoFit/>
+                </a:bodyPr>
+                <a:lstStyle/>
+                <a:p>
+                  <a:r>
+                    <a:rPr lang="en-US" sz="2400" dirty="0" smtClean="0"/>
+                    <a:t>worst</a:t>
+                  </a:r>
+                  <a:endParaRPr lang="en-US" sz="2400" dirty="0"/>
+                </a:p>
+              </p:txBody>
+            </p:sp>
+            <p:sp>
+              <p:nvSpPr>
+                <p:cNvPr id="21" name="Up Arrow 20"/>
+                <p:cNvSpPr/>
+                <p:nvPr/>
+              </p:nvSpPr>
+              <p:spPr>
+                <a:xfrm>
+                  <a:off x="9000632" y="6164946"/>
+                  <a:ext cx="131935" cy="369332"/>
+                </a:xfrm>
+                <a:prstGeom prst="upArrow">
+                  <a:avLst/>
+                </a:prstGeom>
+              </p:spPr>
+              <p:style>
+                <a:lnRef idx="2">
+                  <a:schemeClr val="accent1">
+                    <a:shade val="50000"/>
+                  </a:schemeClr>
+                </a:lnRef>
+                <a:fillRef idx="1">
+                  <a:schemeClr val="accent1"/>
+                </a:fillRef>
+                <a:effectRef idx="0">
+                  <a:schemeClr val="accent1"/>
+                </a:effectRef>
+                <a:fontRef idx="minor">
+                  <a:schemeClr val="lt1"/>
+                </a:fontRef>
+              </p:style>
+              <p:txBody>
+                <a:bodyPr rtlCol="0" anchor="ctr"/>
+                <a:lstStyle/>
+                <a:p>
+                  <a:pPr algn="ctr"/>
+                  <a:endParaRPr lang="en-US" sz="2400"/>
+                </a:p>
+              </p:txBody>
+            </p:sp>
+            <p:sp>
+              <p:nvSpPr>
+                <p:cNvPr id="22" name="TextBox 21"/>
+                <p:cNvSpPr txBox="1"/>
+                <p:nvPr/>
+              </p:nvSpPr>
+              <p:spPr>
+                <a:xfrm>
+                  <a:off x="8757094" y="6500406"/>
+                  <a:ext cx="719877" cy="461665"/>
+                </a:xfrm>
+                <a:prstGeom prst="rect">
+                  <a:avLst/>
+                </a:prstGeom>
+                <a:noFill/>
+              </p:spPr>
+              <p:txBody>
+                <a:bodyPr wrap="none" rtlCol="0">
+                  <a:spAutoFit/>
+                </a:bodyPr>
+                <a:lstStyle/>
+                <a:p>
+                  <a:r>
+                    <a:rPr lang="en-US" sz="2400" dirty="0" smtClean="0"/>
+                    <a:t>best</a:t>
+                  </a:r>
+                  <a:endParaRPr lang="en-US" sz="2400" dirty="0"/>
+                </a:p>
+              </p:txBody>
+            </p:sp>
+          </p:grpSp>
+        </p:grpSp>
+        <p:sp>
+          <p:nvSpPr>
+            <p:cNvPr id="1151" name="Rectangle 1150"/>
+            <p:cNvSpPr/>
+            <p:nvPr/>
+          </p:nvSpPr>
+          <p:spPr>
+            <a:xfrm>
+              <a:off x="5437281" y="321788"/>
+              <a:ext cx="2364807" cy="177078"/>
+            </a:xfrm>
+            <a:prstGeom prst="rect">
+              <a:avLst/>
+            </a:prstGeom>
+            <a:solidFill>
+              <a:schemeClr val="bg1"/>
+            </a:solidFill>
+            <a:ln>
+              <a:noFill/>
+            </a:ln>
+          </p:spPr>
+          <p:style>
+            <a:lnRef idx="2">
+              <a:schemeClr val="accent1">
+                <a:shade val="50000"/>
+              </a:schemeClr>
+            </a:lnRef>
+            <a:fillRef idx="1">
+              <a:schemeClr val="accent1"/>
+            </a:fillRef>
+            <a:effectRef idx="0">
+              <a:schemeClr val="accent1"/>
+            </a:effectRef>
+            <a:fontRef idx="minor">
+              <a:schemeClr val="lt1"/>
+            </a:fontRef>
+          </p:style>
+          <p:txBody>
+            <a:bodyPr rtlCol="0" anchor="ctr"/>
+            <a:lstStyle/>
+            <a:p>
+              <a:pPr algn="ctr"/>
+              <a:endParaRPr lang="en-US" sz="2000"/>
+            </a:p>
+          </p:txBody>
+        </p:sp>
+      </p:grpSp>
+    </p:spTree>
+    <p:extLst>
+      <p:ext uri="{BB962C8B-B14F-4D97-AF65-F5344CB8AC3E}">
+        <p14:creationId xmlns:p14="http://schemas.microsoft.com/office/powerpoint/2010/main" val="855956218"/>
+      </p:ext>
+    </p:extLst>
+  </p:cSld>
+  <p:clrMapOvr>
+    <a:masterClrMapping/>
+  </p:clrMapOvr>
+  <p:timing>
+    <p:tnLst>
+      <p:par>
+        <p:cTn id="1" dur="indefinite" restart="never" nodeType="tmRoot"/>
+      </p:par>
+    </p:tnLst>
+  </p:timing>
+</p:sld>
+</file>
+
+<file path=ppt/slides/slide6.xml><?xml version="1.0" encoding="utf-8"?>
+<p:sld xmlns:a="http://schemas.openxmlformats.org/drawingml/2006/main" xmlns:r="http://schemas.openxmlformats.org/officeDocument/2006/relationships" xmlns:p="http://schemas.openxmlformats.org/presentationml/2006/main">
+  <p:cSld>
+    <p:spTree>
+      <p:nvGrpSpPr>
+        <p:cNvPr id="1" name=""/>
+        <p:cNvGrpSpPr/>
+        <p:nvPr/>
+      </p:nvGrpSpPr>
+      <p:grpSpPr>
+        <a:xfrm>
+          <a:off x="0" y="0"/>
+          <a:ext cx="0" cy="0"/>
+          <a:chOff x="0" y="0"/>
+          <a:chExt cx="0" cy="0"/>
+        </a:xfrm>
+      </p:grpSpPr>
+      <p:grpSp>
+        <p:nvGrpSpPr>
+          <p:cNvPr id="8" name="Group 7"/>
+          <p:cNvGrpSpPr/>
+          <p:nvPr/>
+        </p:nvGrpSpPr>
+        <p:grpSpPr>
+          <a:xfrm>
+            <a:off x="2406263" y="548961"/>
+            <a:ext cx="6460308" cy="4638401"/>
+            <a:chOff x="2406263" y="548961"/>
+            <a:chExt cx="6460308" cy="4638401"/>
+          </a:xfrm>
+        </p:grpSpPr>
+        <p:pic>
+          <p:nvPicPr>
+            <p:cNvPr id="2" name="Picture 1"/>
+            <p:cNvPicPr>
+              <a:picLocks noChangeAspect="1"/>
+            </p:cNvPicPr>
+            <p:nvPr/>
+          </p:nvPicPr>
+          <p:blipFill>
+            <a:blip r:embed="rId2">
+              <a:extLst>
+                <a:ext uri="{28A0092B-C50C-407E-A947-70E740481C1C}">
+                  <a14:useLocalDpi xmlns:a14="http://schemas.microsoft.com/office/drawing/2010/main" val="0"/>
+                </a:ext>
+              </a:extLst>
+            </a:blip>
+            <a:stretch>
+              <a:fillRect/>
+            </a:stretch>
+          </p:blipFill>
+          <p:spPr>
+            <a:xfrm>
+              <a:off x="3786744" y="548961"/>
+              <a:ext cx="4854062" cy="3838615"/>
+            </a:xfrm>
+            <a:prstGeom prst="rect">
+              <a:avLst/>
+            </a:prstGeom>
+          </p:spPr>
+        </p:pic>
+        <p:sp>
+          <p:nvSpPr>
+            <p:cNvPr id="3" name="TextBox 2"/>
+            <p:cNvSpPr txBox="1"/>
+            <p:nvPr/>
+          </p:nvSpPr>
+          <p:spPr>
+            <a:xfrm>
+              <a:off x="3719443" y="4394947"/>
+              <a:ext cx="497252" cy="400110"/>
+            </a:xfrm>
+            <a:prstGeom prst="rect">
+              <a:avLst/>
+            </a:prstGeom>
+            <a:noFill/>
+          </p:spPr>
+          <p:txBody>
+            <a:bodyPr wrap="none" rtlCol="0">
+              <a:spAutoFit/>
+            </a:bodyPr>
+            <a:lstStyle/>
+            <a:p>
+              <a:r>
+                <a:rPr lang="en-US" sz="2000" dirty="0" smtClean="0"/>
+                <a:t>0%</a:t>
+              </a:r>
+              <a:endParaRPr lang="en-US" sz="2000" dirty="0"/>
+            </a:p>
+          </p:txBody>
+        </p:sp>
+        <p:sp>
+          <p:nvSpPr>
+            <p:cNvPr id="4" name="TextBox 3"/>
+            <p:cNvSpPr txBox="1"/>
+            <p:nvPr/>
+          </p:nvSpPr>
+          <p:spPr>
+            <a:xfrm>
+              <a:off x="8109633" y="4373384"/>
+              <a:ext cx="756938" cy="400110"/>
+            </a:xfrm>
+            <a:prstGeom prst="rect">
+              <a:avLst/>
+            </a:prstGeom>
+            <a:noFill/>
+          </p:spPr>
+          <p:txBody>
+            <a:bodyPr wrap="none" rtlCol="0">
+              <a:spAutoFit/>
+            </a:bodyPr>
+            <a:lstStyle/>
+            <a:p>
+              <a:r>
+                <a:rPr lang="en-US" sz="2000" dirty="0" smtClean="0"/>
+                <a:t>100%</a:t>
+              </a:r>
+              <a:endParaRPr lang="en-US" sz="2000" dirty="0"/>
+            </a:p>
+          </p:txBody>
+        </p:sp>
+        <p:sp>
+          <p:nvSpPr>
+            <p:cNvPr id="5" name="TextBox 4"/>
+            <p:cNvSpPr txBox="1"/>
+            <p:nvPr/>
+          </p:nvSpPr>
+          <p:spPr>
+            <a:xfrm>
+              <a:off x="5926824" y="4359192"/>
+              <a:ext cx="627095" cy="400110"/>
+            </a:xfrm>
+            <a:prstGeom prst="rect">
+              <a:avLst/>
+            </a:prstGeom>
+            <a:noFill/>
+          </p:spPr>
+          <p:txBody>
+            <a:bodyPr wrap="none" rtlCol="0">
+              <a:spAutoFit/>
+            </a:bodyPr>
+            <a:lstStyle/>
+            <a:p>
+              <a:r>
+                <a:rPr lang="en-US" sz="2000" smtClean="0"/>
+                <a:t>50%</a:t>
+              </a:r>
+              <a:endParaRPr lang="en-US" sz="2000"/>
+            </a:p>
+          </p:txBody>
+        </p:sp>
+        <p:sp>
+          <p:nvSpPr>
+            <p:cNvPr id="6" name="TextBox 5"/>
+            <p:cNvSpPr txBox="1"/>
+            <p:nvPr/>
+          </p:nvSpPr>
+          <p:spPr>
+            <a:xfrm>
+              <a:off x="4942580" y="4787252"/>
+              <a:ext cx="2689134" cy="400110"/>
+            </a:xfrm>
+            <a:prstGeom prst="rect">
+              <a:avLst/>
+            </a:prstGeom>
+            <a:noFill/>
+          </p:spPr>
+          <p:txBody>
+            <a:bodyPr wrap="none" rtlCol="0">
+              <a:spAutoFit/>
+            </a:bodyPr>
+            <a:lstStyle/>
+            <a:p>
+              <a:r>
+                <a:rPr lang="en-US" sz="2000" dirty="0" smtClean="0"/>
+                <a:t>Weight on Stage </a:t>
+              </a:r>
+              <a:r>
+                <a:rPr lang="en-US" sz="2000" smtClean="0"/>
+                <a:t>1 value</a:t>
+              </a:r>
+              <a:endParaRPr lang="en-US" sz="2000" i="1" dirty="0"/>
+            </a:p>
+          </p:txBody>
+        </p:sp>
+        <p:sp>
+          <p:nvSpPr>
+            <p:cNvPr id="7" name="TextBox 6"/>
+            <p:cNvSpPr txBox="1"/>
+            <p:nvPr/>
+          </p:nvSpPr>
+          <p:spPr>
+            <a:xfrm>
+              <a:off x="2406263" y="2208327"/>
+              <a:ext cx="1313180" cy="707886"/>
+            </a:xfrm>
+            <a:prstGeom prst="rect">
+              <a:avLst/>
+            </a:prstGeom>
+            <a:noFill/>
+          </p:spPr>
+          <p:txBody>
+            <a:bodyPr wrap="none" rtlCol="0">
+              <a:spAutoFit/>
+            </a:bodyPr>
+            <a:lstStyle/>
+            <a:p>
+              <a:pPr algn="ctr"/>
+              <a:r>
+                <a:rPr lang="en-US" sz="2000" dirty="0" smtClean="0"/>
+                <a:t>Number of</a:t>
+              </a:r>
+            </a:p>
+            <a:p>
+              <a:pPr algn="ctr"/>
+              <a:r>
+                <a:rPr lang="en-US" sz="2000" dirty="0" smtClean="0"/>
+                <a:t>subjects</a:t>
+              </a:r>
+              <a:endParaRPr lang="en-US" sz="2000" dirty="0"/>
+            </a:p>
+          </p:txBody>
+        </p:sp>
+      </p:grpSp>
+    </p:spTree>
+    <p:extLst>
+      <p:ext uri="{BB962C8B-B14F-4D97-AF65-F5344CB8AC3E}">
+        <p14:creationId xmlns:p14="http://schemas.microsoft.com/office/powerpoint/2010/main" val="1146622833"/>
+      </p:ext>
+    </p:extLst>
+  </p:cSld>
+  <p:clrMapOvr>
+    <a:masterClrMapping/>
+  </p:clrMapOvr>
+  <p:timing>
+    <p:tnLst>
+      <p:par>
+        <p:cTn id="1" dur="indefinite" restart="never" nodeType="tmRoot"/>
+      </p:par>
+    </p:tnLst>
+  </p:timing>
+</p:sld>
+</file>
+
+<file path=ppt/slides/slide7.xml><?xml version="1.0" encoding="utf-8"?>
+<p:sld xmlns:a="http://schemas.openxmlformats.org/drawingml/2006/main" xmlns:r="http://schemas.openxmlformats.org/officeDocument/2006/relationships" xmlns:p="http://schemas.openxmlformats.org/presentationml/2006/main">
+  <p:cSld>
+    <p:spTree>
+      <p:nvGrpSpPr>
+        <p:cNvPr id="1" name=""/>
+        <p:cNvGrpSpPr/>
+        <p:nvPr/>
+      </p:nvGrpSpPr>
+      <p:grpSpPr>
+        <a:xfrm>
+          <a:off x="0" y="0"/>
+          <a:ext cx="0" cy="0"/>
+          <a:chOff x="0" y="0"/>
+          <a:chExt cx="0" cy="0"/>
+        </a:xfrm>
+      </p:grpSpPr>
+      <p:grpSp>
+        <p:nvGrpSpPr>
+          <p:cNvPr id="2" name="Group 1"/>
+          <p:cNvGrpSpPr/>
+          <p:nvPr/>
+        </p:nvGrpSpPr>
+        <p:grpSpPr>
+          <a:xfrm>
+            <a:off x="3382410" y="1748526"/>
+            <a:ext cx="1488888" cy="2844507"/>
+            <a:chOff x="1313790" y="687769"/>
+            <a:chExt cx="2590512" cy="4949150"/>
+          </a:xfrm>
+        </p:grpSpPr>
+        <p:sp>
+          <p:nvSpPr>
+            <p:cNvPr id="3" name="Oval 2"/>
+            <p:cNvSpPr/>
+            <p:nvPr/>
+          </p:nvSpPr>
+          <p:spPr>
+            <a:xfrm>
+              <a:off x="2568550" y="1992019"/>
+              <a:ext cx="314960" cy="314960"/>
+            </a:xfrm>
+            <a:prstGeom prst="ellipse">
+              <a:avLst/>
+            </a:prstGeom>
+            <a:solidFill>
+              <a:srgbClr val="FF0000"/>
+            </a:solidFill>
+            <a:ln>
+              <a:noFill/>
+            </a:ln>
+          </p:spPr>
+          <p:style>
+            <a:lnRef idx="2">
+              <a:schemeClr val="accent1">
+                <a:shade val="50000"/>
+              </a:schemeClr>
+            </a:lnRef>
+            <a:fillRef idx="1">
+              <a:schemeClr val="accent1"/>
+            </a:fillRef>
+            <a:effectRef idx="0">
+              <a:schemeClr val="accent1"/>
+            </a:effectRef>
+            <a:fontRef idx="minor">
+              <a:schemeClr val="lt1"/>
+            </a:fontRef>
+          </p:style>
+          <p:txBody>
+            <a:bodyPr rtlCol="0" anchor="ctr"/>
+            <a:lstStyle/>
+            <a:p>
+              <a:pPr algn="ctr"/>
+              <a:endParaRPr lang="en-US" sz="1050"/>
+            </a:p>
+          </p:txBody>
+        </p:sp>
+        <p:sp>
+          <p:nvSpPr>
+            <p:cNvPr id="4" name="Oval 3"/>
+            <p:cNvSpPr/>
+            <p:nvPr/>
+          </p:nvSpPr>
+          <p:spPr>
+            <a:xfrm>
+              <a:off x="2253590" y="1608479"/>
+              <a:ext cx="314960" cy="314960"/>
+            </a:xfrm>
+            <a:prstGeom prst="ellipse">
+              <a:avLst/>
+            </a:prstGeom>
+            <a:solidFill>
+              <a:srgbClr val="00B050"/>
+            </a:solidFill>
+            <a:ln>
+              <a:noFill/>
+            </a:ln>
+          </p:spPr>
+          <p:style>
+            <a:lnRef idx="2">
+              <a:schemeClr val="accent1">
+                <a:shade val="50000"/>
+              </a:schemeClr>
+            </a:lnRef>
+            <a:fillRef idx="1">
+              <a:schemeClr val="accent1"/>
+            </a:fillRef>
+            <a:effectRef idx="0">
+              <a:schemeClr val="accent1"/>
+            </a:effectRef>
+            <a:fontRef idx="minor">
+              <a:schemeClr val="lt1"/>
+            </a:fontRef>
+          </p:style>
+          <p:txBody>
+            <a:bodyPr rtlCol="0" anchor="ctr"/>
+            <a:lstStyle/>
+            <a:p>
+              <a:pPr algn="ctr"/>
+              <a:endParaRPr lang="en-US" sz="1050"/>
+            </a:p>
+          </p:txBody>
+        </p:sp>
+        <p:sp>
+          <p:nvSpPr>
+            <p:cNvPr id="5" name="Oval 4"/>
+            <p:cNvSpPr/>
+            <p:nvPr/>
+          </p:nvSpPr>
+          <p:spPr>
+            <a:xfrm>
+              <a:off x="2944470" y="2179979"/>
+              <a:ext cx="314960" cy="314960"/>
+            </a:xfrm>
+            <a:prstGeom prst="ellipse">
+              <a:avLst/>
+            </a:prstGeom>
+            <a:solidFill>
+              <a:srgbClr val="FF0000"/>
+            </a:solidFill>
+            <a:ln>
+              <a:noFill/>
+            </a:ln>
+          </p:spPr>
+          <p:style>
+            <a:lnRef idx="2">
+              <a:schemeClr val="accent1">
+                <a:shade val="50000"/>
+              </a:schemeClr>
+            </a:lnRef>
+            <a:fillRef idx="1">
+              <a:schemeClr val="accent1"/>
+            </a:fillRef>
+            <a:effectRef idx="0">
+              <a:schemeClr val="accent1"/>
+            </a:effectRef>
+            <a:fontRef idx="minor">
+              <a:schemeClr val="lt1"/>
+            </a:fontRef>
+          </p:style>
+          <p:txBody>
+            <a:bodyPr rtlCol="0" anchor="ctr"/>
+            <a:lstStyle/>
+            <a:p>
+              <a:pPr algn="ctr"/>
+              <a:endParaRPr lang="en-US" sz="1050"/>
+            </a:p>
+          </p:txBody>
+        </p:sp>
+        <p:sp>
+          <p:nvSpPr>
+            <p:cNvPr id="6" name="Oval 5"/>
+            <p:cNvSpPr/>
+            <p:nvPr/>
+          </p:nvSpPr>
+          <p:spPr>
+            <a:xfrm>
+              <a:off x="3167990" y="1882799"/>
+              <a:ext cx="314960" cy="314960"/>
+            </a:xfrm>
+            <a:prstGeom prst="ellipse">
+              <a:avLst/>
+            </a:prstGeom>
+            <a:solidFill>
+              <a:srgbClr val="00B050"/>
+            </a:solidFill>
+            <a:ln>
+              <a:noFill/>
+            </a:ln>
+          </p:spPr>
+          <p:style>
+            <a:lnRef idx="2">
+              <a:schemeClr val="accent6">
+                <a:shade val="50000"/>
+              </a:schemeClr>
+            </a:lnRef>
+            <a:fillRef idx="1">
+              <a:schemeClr val="accent6"/>
+            </a:fillRef>
+            <a:effectRef idx="0">
+              <a:schemeClr val="accent6"/>
+            </a:effectRef>
+            <a:fontRef idx="minor">
+              <a:schemeClr val="lt1"/>
+            </a:fontRef>
+          </p:style>
+          <p:txBody>
+            <a:bodyPr rtlCol="0" anchor="ctr"/>
+            <a:lstStyle/>
+            <a:p>
+              <a:pPr algn="ctr"/>
+              <a:endParaRPr lang="en-US" sz="1050"/>
+            </a:p>
+          </p:txBody>
+        </p:sp>
+        <p:sp>
+          <p:nvSpPr>
+            <p:cNvPr id="7" name="Oval 6"/>
+            <p:cNvSpPr/>
+            <p:nvPr/>
+          </p:nvSpPr>
+          <p:spPr>
+            <a:xfrm>
+              <a:off x="2944470" y="1494179"/>
+              <a:ext cx="314960" cy="314960"/>
+            </a:xfrm>
+            <a:prstGeom prst="ellipse">
+              <a:avLst/>
+            </a:prstGeom>
+            <a:solidFill>
+              <a:srgbClr val="00B050"/>
+            </a:solidFill>
+            <a:ln>
+              <a:noFill/>
+            </a:ln>
+          </p:spPr>
+          <p:style>
+            <a:lnRef idx="2">
+              <a:schemeClr val="accent6">
+                <a:shade val="50000"/>
+              </a:schemeClr>
+            </a:lnRef>
+            <a:fillRef idx="1">
+              <a:schemeClr val="accent6"/>
+            </a:fillRef>
+            <a:effectRef idx="0">
+              <a:schemeClr val="accent6"/>
+            </a:effectRef>
+            <a:fontRef idx="minor">
+              <a:schemeClr val="lt1"/>
+            </a:fontRef>
+          </p:style>
+          <p:txBody>
+            <a:bodyPr rtlCol="0" anchor="ctr"/>
+            <a:lstStyle/>
+            <a:p>
+              <a:pPr algn="ctr"/>
+              <a:endParaRPr lang="en-US" sz="1050"/>
+            </a:p>
+          </p:txBody>
+        </p:sp>
+        <p:sp>
+          <p:nvSpPr>
+            <p:cNvPr id="8" name="Oval 7"/>
+            <p:cNvSpPr/>
+            <p:nvPr/>
+          </p:nvSpPr>
+          <p:spPr>
+            <a:xfrm>
+              <a:off x="2553310" y="1268119"/>
+              <a:ext cx="314960" cy="314960"/>
+            </a:xfrm>
+            <a:prstGeom prst="ellipse">
+              <a:avLst/>
+            </a:prstGeom>
+            <a:solidFill>
+              <a:srgbClr val="00B050"/>
+            </a:solidFill>
+            <a:ln>
+              <a:noFill/>
+            </a:ln>
+          </p:spPr>
+          <p:style>
+            <a:lnRef idx="2">
+              <a:schemeClr val="accent6">
+                <a:shade val="50000"/>
+              </a:schemeClr>
+            </a:lnRef>
+            <a:fillRef idx="1">
+              <a:schemeClr val="accent6"/>
+            </a:fillRef>
+            <a:effectRef idx="0">
+              <a:schemeClr val="accent6"/>
+            </a:effectRef>
+            <a:fontRef idx="minor">
+              <a:schemeClr val="lt1"/>
+            </a:fontRef>
+          </p:style>
+          <p:txBody>
+            <a:bodyPr rtlCol="0" anchor="ctr"/>
+            <a:lstStyle/>
+            <a:p>
+              <a:pPr algn="ctr"/>
+              <a:endParaRPr lang="en-US" sz="1050"/>
+            </a:p>
+          </p:txBody>
+        </p:sp>
+        <p:sp>
+          <p:nvSpPr>
+            <p:cNvPr id="9" name="Oval 8"/>
+            <p:cNvSpPr/>
+            <p:nvPr/>
+          </p:nvSpPr>
+          <p:spPr>
+            <a:xfrm>
+              <a:off x="2802230" y="2515259"/>
+              <a:ext cx="314960" cy="314960"/>
+            </a:xfrm>
+            <a:prstGeom prst="ellipse">
+              <a:avLst/>
+            </a:prstGeom>
+            <a:solidFill>
+              <a:srgbClr val="FF0000"/>
+            </a:solidFill>
+            <a:ln>
+              <a:noFill/>
+            </a:ln>
+          </p:spPr>
+          <p:style>
+            <a:lnRef idx="2">
+              <a:schemeClr val="accent1">
+                <a:shade val="50000"/>
+              </a:schemeClr>
+            </a:lnRef>
+            <a:fillRef idx="1">
+              <a:schemeClr val="accent1"/>
+            </a:fillRef>
+            <a:effectRef idx="0">
+              <a:schemeClr val="accent1"/>
+            </a:effectRef>
+            <a:fontRef idx="minor">
+              <a:schemeClr val="lt1"/>
+            </a:fontRef>
+          </p:style>
+          <p:txBody>
+            <a:bodyPr rtlCol="0" anchor="ctr"/>
+            <a:lstStyle/>
+            <a:p>
+              <a:pPr algn="ctr"/>
+              <a:endParaRPr lang="en-US" sz="1050"/>
+            </a:p>
+          </p:txBody>
+        </p:sp>
+        <p:sp>
+          <p:nvSpPr>
+            <p:cNvPr id="10" name="Oval 9"/>
+            <p:cNvSpPr/>
+            <p:nvPr/>
+          </p:nvSpPr>
+          <p:spPr>
+            <a:xfrm>
+              <a:off x="2903830" y="2901339"/>
+              <a:ext cx="314960" cy="314960"/>
+            </a:xfrm>
+            <a:prstGeom prst="ellipse">
+              <a:avLst/>
+            </a:prstGeom>
+            <a:solidFill>
+              <a:srgbClr val="00B050"/>
+            </a:solidFill>
+            <a:ln>
+              <a:noFill/>
+            </a:ln>
+          </p:spPr>
+          <p:style>
+            <a:lnRef idx="2">
+              <a:schemeClr val="accent1">
+                <a:shade val="50000"/>
+              </a:schemeClr>
+            </a:lnRef>
+            <a:fillRef idx="1">
+              <a:schemeClr val="accent1"/>
+            </a:fillRef>
+            <a:effectRef idx="0">
+              <a:schemeClr val="accent1"/>
+            </a:effectRef>
+            <a:fontRef idx="minor">
+              <a:schemeClr val="lt1"/>
+            </a:fontRef>
+          </p:style>
+          <p:txBody>
+            <a:bodyPr rtlCol="0" anchor="ctr"/>
+            <a:lstStyle/>
+            <a:p>
+              <a:pPr algn="ctr"/>
+              <a:endParaRPr lang="en-US" sz="1050"/>
+            </a:p>
+          </p:txBody>
+        </p:sp>
+        <p:sp>
+          <p:nvSpPr>
+            <p:cNvPr id="11" name="Oval 10"/>
+            <p:cNvSpPr/>
+            <p:nvPr/>
+          </p:nvSpPr>
+          <p:spPr>
+            <a:xfrm>
+              <a:off x="2395830" y="2378099"/>
+              <a:ext cx="314960" cy="314960"/>
+            </a:xfrm>
+            <a:prstGeom prst="ellipse">
+              <a:avLst/>
+            </a:prstGeom>
+            <a:solidFill>
+              <a:srgbClr val="00B050"/>
+            </a:solidFill>
+            <a:ln>
+              <a:noFill/>
+            </a:ln>
+          </p:spPr>
+          <p:style>
+            <a:lnRef idx="2">
+              <a:schemeClr val="accent1">
+                <a:shade val="50000"/>
+              </a:schemeClr>
+            </a:lnRef>
+            <a:fillRef idx="1">
+              <a:schemeClr val="accent1"/>
+            </a:fillRef>
+            <a:effectRef idx="0">
+              <a:schemeClr val="accent1"/>
+            </a:effectRef>
+            <a:fontRef idx="minor">
+              <a:schemeClr val="lt1"/>
+            </a:fontRef>
+          </p:style>
+          <p:txBody>
+            <a:bodyPr rtlCol="0" anchor="ctr"/>
+            <a:lstStyle/>
+            <a:p>
+              <a:pPr algn="ctr"/>
+              <a:endParaRPr lang="en-US" sz="1050"/>
+            </a:p>
+          </p:txBody>
+        </p:sp>
+        <p:sp>
+          <p:nvSpPr>
+            <p:cNvPr id="12" name="Oval 11"/>
+            <p:cNvSpPr/>
+            <p:nvPr/>
+          </p:nvSpPr>
+          <p:spPr>
+            <a:xfrm>
+              <a:off x="2644750" y="3216299"/>
+              <a:ext cx="314960" cy="314960"/>
+            </a:xfrm>
+            <a:prstGeom prst="ellipse">
+              <a:avLst/>
+            </a:prstGeom>
+            <a:solidFill>
+              <a:srgbClr val="00B050"/>
+            </a:solidFill>
+            <a:ln>
+              <a:noFill/>
+            </a:ln>
+          </p:spPr>
+          <p:style>
+            <a:lnRef idx="2">
+              <a:schemeClr val="accent1">
+                <a:shade val="50000"/>
+              </a:schemeClr>
+            </a:lnRef>
+            <a:fillRef idx="1">
+              <a:schemeClr val="accent1"/>
+            </a:fillRef>
+            <a:effectRef idx="0">
+              <a:schemeClr val="accent1"/>
+            </a:effectRef>
+            <a:fontRef idx="minor">
+              <a:schemeClr val="lt1"/>
+            </a:fontRef>
+          </p:style>
+          <p:txBody>
+            <a:bodyPr rtlCol="0" anchor="ctr"/>
+            <a:lstStyle/>
+            <a:p>
+              <a:pPr algn="ctr"/>
+              <a:endParaRPr lang="en-US" sz="1050"/>
+            </a:p>
+          </p:txBody>
+        </p:sp>
+        <p:sp>
+          <p:nvSpPr>
+            <p:cNvPr id="13" name="Oval 12"/>
+            <p:cNvSpPr/>
+            <p:nvPr/>
+          </p:nvSpPr>
+          <p:spPr>
+            <a:xfrm>
+              <a:off x="2466950" y="2759099"/>
+              <a:ext cx="314960" cy="314960"/>
+            </a:xfrm>
+            <a:prstGeom prst="ellipse">
+              <a:avLst/>
+            </a:prstGeom>
+            <a:solidFill>
+              <a:srgbClr val="00B050"/>
+            </a:solidFill>
+            <a:ln>
+              <a:noFill/>
+            </a:ln>
+          </p:spPr>
+          <p:style>
+            <a:lnRef idx="2">
+              <a:schemeClr val="accent1">
+                <a:shade val="50000"/>
+              </a:schemeClr>
+            </a:lnRef>
+            <a:fillRef idx="1">
+              <a:schemeClr val="accent1"/>
+            </a:fillRef>
+            <a:effectRef idx="0">
+              <a:schemeClr val="accent1"/>
+            </a:effectRef>
+            <a:fontRef idx="minor">
+              <a:schemeClr val="lt1"/>
+            </a:fontRef>
+          </p:style>
+          <p:txBody>
+            <a:bodyPr rtlCol="0" anchor="ctr"/>
+            <a:lstStyle/>
+            <a:p>
+              <a:pPr algn="ctr"/>
+              <a:endParaRPr lang="en-US" sz="1050"/>
+            </a:p>
+          </p:txBody>
+        </p:sp>
+        <p:sp>
+          <p:nvSpPr>
+            <p:cNvPr id="14" name="Oval 13"/>
+            <p:cNvSpPr/>
+            <p:nvPr/>
+          </p:nvSpPr>
+          <p:spPr>
+            <a:xfrm>
+              <a:off x="1913230" y="2073299"/>
+              <a:ext cx="314960" cy="314960"/>
+            </a:xfrm>
+            <a:prstGeom prst="ellipse">
+              <a:avLst/>
+            </a:prstGeom>
+            <a:solidFill>
+              <a:srgbClr val="00B050"/>
+            </a:solidFill>
+            <a:ln>
+              <a:noFill/>
+            </a:ln>
+          </p:spPr>
+          <p:style>
+            <a:lnRef idx="2">
+              <a:schemeClr val="accent6">
+                <a:shade val="50000"/>
+              </a:schemeClr>
+            </a:lnRef>
+            <a:fillRef idx="1">
+              <a:schemeClr val="accent6"/>
+            </a:fillRef>
+            <a:effectRef idx="0">
+              <a:schemeClr val="accent6"/>
+            </a:effectRef>
+            <a:fontRef idx="minor">
+              <a:schemeClr val="lt1"/>
+            </a:fontRef>
+          </p:style>
+          <p:txBody>
+            <a:bodyPr rtlCol="0" anchor="ctr"/>
+            <a:lstStyle/>
+            <a:p>
+              <a:pPr algn="ctr"/>
+              <a:endParaRPr lang="en-US" sz="1050"/>
+            </a:p>
+          </p:txBody>
+        </p:sp>
+        <p:sp>
+          <p:nvSpPr>
+            <p:cNvPr id="15" name="Oval 14"/>
+            <p:cNvSpPr/>
+            <p:nvPr/>
+          </p:nvSpPr>
+          <p:spPr>
+            <a:xfrm>
+              <a:off x="1415390" y="2985159"/>
+              <a:ext cx="314960" cy="314960"/>
+            </a:xfrm>
+            <a:prstGeom prst="ellipse">
+              <a:avLst/>
+            </a:prstGeom>
+            <a:solidFill>
+              <a:srgbClr val="FF0000"/>
+            </a:solidFill>
+            <a:ln>
+              <a:noFill/>
+            </a:ln>
+          </p:spPr>
+          <p:style>
+            <a:lnRef idx="2">
+              <a:schemeClr val="accent1">
+                <a:shade val="50000"/>
+              </a:schemeClr>
+            </a:lnRef>
+            <a:fillRef idx="1">
+              <a:schemeClr val="accent1"/>
+            </a:fillRef>
+            <a:effectRef idx="0">
+              <a:schemeClr val="accent1"/>
+            </a:effectRef>
+            <a:fontRef idx="minor">
+              <a:schemeClr val="lt1"/>
+            </a:fontRef>
+          </p:style>
+          <p:txBody>
+            <a:bodyPr rtlCol="0" anchor="ctr"/>
+            <a:lstStyle/>
+            <a:p>
+              <a:pPr algn="ctr"/>
+              <a:endParaRPr lang="en-US" sz="1050"/>
+            </a:p>
+          </p:txBody>
+        </p:sp>
+        <p:sp>
+          <p:nvSpPr>
+            <p:cNvPr id="16" name="Oval 15"/>
+            <p:cNvSpPr/>
+            <p:nvPr/>
+          </p:nvSpPr>
+          <p:spPr>
+            <a:xfrm>
+              <a:off x="2329790" y="3602379"/>
+              <a:ext cx="314960" cy="314960"/>
+            </a:xfrm>
+            <a:prstGeom prst="ellipse">
+              <a:avLst/>
+            </a:prstGeom>
+            <a:solidFill>
+              <a:srgbClr val="FF0000"/>
+            </a:solidFill>
+            <a:ln>
+              <a:noFill/>
+            </a:ln>
+          </p:spPr>
+          <p:style>
+            <a:lnRef idx="2">
+              <a:schemeClr val="accent1">
+                <a:shade val="50000"/>
+              </a:schemeClr>
+            </a:lnRef>
+            <a:fillRef idx="1">
+              <a:schemeClr val="accent1"/>
+            </a:fillRef>
+            <a:effectRef idx="0">
+              <a:schemeClr val="accent1"/>
+            </a:effectRef>
+            <a:fontRef idx="minor">
+              <a:schemeClr val="lt1"/>
+            </a:fontRef>
+          </p:style>
+          <p:txBody>
+            <a:bodyPr rtlCol="0" anchor="ctr"/>
+            <a:lstStyle/>
+            <a:p>
+              <a:pPr algn="ctr"/>
+              <a:endParaRPr lang="en-US" sz="1050"/>
+            </a:p>
+          </p:txBody>
+        </p:sp>
+        <p:sp>
+          <p:nvSpPr>
+            <p:cNvPr id="17" name="Oval 16"/>
+            <p:cNvSpPr/>
+            <p:nvPr/>
+          </p:nvSpPr>
+          <p:spPr>
+            <a:xfrm>
+              <a:off x="2212950" y="3216299"/>
+              <a:ext cx="314960" cy="314960"/>
+            </a:xfrm>
+            <a:prstGeom prst="ellipse">
+              <a:avLst/>
+            </a:prstGeom>
+            <a:solidFill>
+              <a:srgbClr val="00B050"/>
+            </a:solidFill>
+            <a:ln>
+              <a:noFill/>
+            </a:ln>
+          </p:spPr>
+          <p:style>
+            <a:lnRef idx="2">
+              <a:schemeClr val="accent6">
+                <a:shade val="50000"/>
+              </a:schemeClr>
+            </a:lnRef>
+            <a:fillRef idx="1">
+              <a:schemeClr val="accent6"/>
+            </a:fillRef>
+            <a:effectRef idx="0">
+              <a:schemeClr val="accent6"/>
+            </a:effectRef>
+            <a:fontRef idx="minor">
+              <a:schemeClr val="lt1"/>
+            </a:fontRef>
+          </p:style>
+          <p:txBody>
+            <a:bodyPr rtlCol="0" anchor="ctr"/>
+            <a:lstStyle/>
+            <a:p>
+              <a:pPr algn="ctr"/>
+              <a:endParaRPr lang="en-US" sz="1050"/>
+            </a:p>
+          </p:txBody>
+        </p:sp>
+        <p:sp>
+          <p:nvSpPr>
+            <p:cNvPr id="18" name="Oval 17"/>
+            <p:cNvSpPr/>
+            <p:nvPr/>
+          </p:nvSpPr>
+          <p:spPr>
+            <a:xfrm>
+              <a:off x="1989430" y="2827679"/>
+              <a:ext cx="314960" cy="314960"/>
+            </a:xfrm>
+            <a:prstGeom prst="ellipse">
+              <a:avLst/>
+            </a:prstGeom>
+            <a:solidFill>
+              <a:srgbClr val="FF0000"/>
+            </a:solidFill>
+            <a:ln>
+              <a:noFill/>
+            </a:ln>
+          </p:spPr>
+          <p:style>
+            <a:lnRef idx="2">
+              <a:schemeClr val="accent1">
+                <a:shade val="50000"/>
+              </a:schemeClr>
+            </a:lnRef>
+            <a:fillRef idx="1">
+              <a:schemeClr val="accent1"/>
+            </a:fillRef>
+            <a:effectRef idx="0">
+              <a:schemeClr val="accent1"/>
+            </a:effectRef>
+            <a:fontRef idx="minor">
+              <a:schemeClr val="lt1"/>
+            </a:fontRef>
+          </p:style>
+          <p:txBody>
+            <a:bodyPr rtlCol="0" anchor="ctr"/>
+            <a:lstStyle/>
+            <a:p>
+              <a:pPr algn="ctr"/>
+              <a:endParaRPr lang="en-US" sz="1050"/>
+            </a:p>
+          </p:txBody>
+        </p:sp>
+        <p:sp>
+          <p:nvSpPr>
+            <p:cNvPr id="19" name="Oval 18"/>
+            <p:cNvSpPr/>
+            <p:nvPr/>
+          </p:nvSpPr>
+          <p:spPr>
+            <a:xfrm>
+              <a:off x="1598270" y="2601619"/>
+              <a:ext cx="314960" cy="314960"/>
+            </a:xfrm>
+            <a:prstGeom prst="ellipse">
+              <a:avLst/>
+            </a:prstGeom>
+            <a:solidFill>
+              <a:srgbClr val="00B050"/>
+            </a:solidFill>
+            <a:ln>
+              <a:noFill/>
+            </a:ln>
+          </p:spPr>
+          <p:style>
+            <a:lnRef idx="2">
+              <a:schemeClr val="accent1">
+                <a:shade val="50000"/>
+              </a:schemeClr>
+            </a:lnRef>
+            <a:fillRef idx="1">
+              <a:schemeClr val="accent1"/>
+            </a:fillRef>
+            <a:effectRef idx="0">
+              <a:schemeClr val="accent1"/>
+            </a:effectRef>
+            <a:fontRef idx="minor">
+              <a:schemeClr val="lt1"/>
+            </a:fontRef>
+          </p:style>
+          <p:txBody>
+            <a:bodyPr rtlCol="0" anchor="ctr"/>
+            <a:lstStyle/>
+            <a:p>
+              <a:pPr algn="ctr"/>
+              <a:endParaRPr lang="en-US" sz="1050"/>
+            </a:p>
+          </p:txBody>
+        </p:sp>
+        <p:sp>
+          <p:nvSpPr>
+            <p:cNvPr id="20" name="Oval 19"/>
+            <p:cNvSpPr/>
+            <p:nvPr/>
+          </p:nvSpPr>
+          <p:spPr>
+            <a:xfrm>
+              <a:off x="1908150" y="3583964"/>
+              <a:ext cx="314960" cy="314960"/>
+            </a:xfrm>
+            <a:prstGeom prst="ellipse">
+              <a:avLst/>
+            </a:prstGeom>
+            <a:solidFill>
+              <a:srgbClr val="00B050"/>
+            </a:solidFill>
+            <a:ln>
+              <a:noFill/>
+            </a:ln>
+          </p:spPr>
+          <p:style>
+            <a:lnRef idx="2">
+              <a:schemeClr val="accent6">
+                <a:shade val="50000"/>
+              </a:schemeClr>
+            </a:lnRef>
+            <a:fillRef idx="1">
+              <a:schemeClr val="accent6"/>
+            </a:fillRef>
+            <a:effectRef idx="0">
+              <a:schemeClr val="accent6"/>
+            </a:effectRef>
+            <a:fontRef idx="minor">
+              <a:schemeClr val="lt1"/>
+            </a:fontRef>
+          </p:style>
+          <p:txBody>
+            <a:bodyPr rtlCol="0" anchor="ctr"/>
+            <a:lstStyle/>
+            <a:p>
+              <a:pPr algn="ctr"/>
+              <a:endParaRPr lang="en-US" sz="1050"/>
+            </a:p>
+          </p:txBody>
+        </p:sp>
+        <p:sp>
+          <p:nvSpPr>
+            <p:cNvPr id="21" name="Oval 20"/>
+            <p:cNvSpPr/>
+            <p:nvPr/>
+          </p:nvSpPr>
+          <p:spPr>
+            <a:xfrm>
+              <a:off x="1948790" y="4234839"/>
+              <a:ext cx="314960" cy="314960"/>
+            </a:xfrm>
+            <a:prstGeom prst="ellipse">
+              <a:avLst/>
+            </a:prstGeom>
+            <a:solidFill>
+              <a:srgbClr val="00B050"/>
+            </a:solidFill>
+            <a:ln>
+              <a:noFill/>
+            </a:ln>
+          </p:spPr>
+          <p:style>
+            <a:lnRef idx="2">
+              <a:schemeClr val="accent1">
+                <a:shade val="50000"/>
+              </a:schemeClr>
+            </a:lnRef>
+            <a:fillRef idx="1">
+              <a:schemeClr val="accent1"/>
+            </a:fillRef>
+            <a:effectRef idx="0">
+              <a:schemeClr val="accent1"/>
+            </a:effectRef>
+            <a:fontRef idx="minor">
+              <a:schemeClr val="lt1"/>
+            </a:fontRef>
+          </p:style>
+          <p:txBody>
+            <a:bodyPr rtlCol="0" anchor="ctr"/>
+            <a:lstStyle/>
+            <a:p>
+              <a:pPr algn="ctr"/>
+              <a:endParaRPr lang="en-US" sz="1050"/>
+            </a:p>
+          </p:txBody>
+        </p:sp>
+        <p:sp>
+          <p:nvSpPr>
+            <p:cNvPr id="22" name="Oval 21"/>
+            <p:cNvSpPr/>
+            <p:nvPr/>
+          </p:nvSpPr>
+          <p:spPr>
+            <a:xfrm>
+              <a:off x="1440790" y="3691279"/>
+              <a:ext cx="314960" cy="314960"/>
+            </a:xfrm>
+            <a:prstGeom prst="ellipse">
+              <a:avLst/>
+            </a:prstGeom>
+            <a:solidFill>
+              <a:srgbClr val="00B050"/>
+            </a:solidFill>
+            <a:ln>
+              <a:noFill/>
+            </a:ln>
+          </p:spPr>
+          <p:style>
+            <a:lnRef idx="2">
+              <a:schemeClr val="accent1">
+                <a:shade val="50000"/>
+              </a:schemeClr>
+            </a:lnRef>
+            <a:fillRef idx="1">
+              <a:schemeClr val="accent1"/>
+            </a:fillRef>
+            <a:effectRef idx="0">
+              <a:schemeClr val="accent1"/>
+            </a:effectRef>
+            <a:fontRef idx="minor">
+              <a:schemeClr val="lt1"/>
+            </a:fontRef>
+          </p:style>
+          <p:txBody>
+            <a:bodyPr rtlCol="0" anchor="ctr"/>
+            <a:lstStyle/>
+            <a:p>
+              <a:pPr algn="ctr"/>
+              <a:endParaRPr lang="en-US" sz="1050"/>
+            </a:p>
+          </p:txBody>
+        </p:sp>
+        <p:sp>
+          <p:nvSpPr>
+            <p:cNvPr id="23" name="Oval 22"/>
+            <p:cNvSpPr/>
+            <p:nvPr/>
+          </p:nvSpPr>
+          <p:spPr>
+            <a:xfrm>
+              <a:off x="1689710" y="4549799"/>
+              <a:ext cx="314960" cy="314960"/>
+            </a:xfrm>
+            <a:prstGeom prst="ellipse">
+              <a:avLst/>
+            </a:prstGeom>
+            <a:solidFill>
+              <a:srgbClr val="FF0000"/>
+            </a:solidFill>
+            <a:ln>
+              <a:noFill/>
+            </a:ln>
+          </p:spPr>
+          <p:style>
+            <a:lnRef idx="2">
+              <a:schemeClr val="accent1">
+                <a:shade val="50000"/>
+              </a:schemeClr>
+            </a:lnRef>
+            <a:fillRef idx="1">
+              <a:schemeClr val="accent1"/>
+            </a:fillRef>
+            <a:effectRef idx="0">
+              <a:schemeClr val="accent1"/>
+            </a:effectRef>
+            <a:fontRef idx="minor">
+              <a:schemeClr val="lt1"/>
+            </a:fontRef>
+          </p:style>
+          <p:txBody>
+            <a:bodyPr rtlCol="0" anchor="ctr"/>
+            <a:lstStyle/>
+            <a:p>
+              <a:pPr algn="ctr"/>
+              <a:endParaRPr lang="en-US" sz="1050"/>
+            </a:p>
+          </p:txBody>
+        </p:sp>
+        <p:sp>
+          <p:nvSpPr>
+            <p:cNvPr id="24" name="Oval 23"/>
+            <p:cNvSpPr/>
+            <p:nvPr/>
+          </p:nvSpPr>
+          <p:spPr>
+            <a:xfrm>
+              <a:off x="1511910" y="4092599"/>
+              <a:ext cx="314960" cy="314960"/>
+            </a:xfrm>
+            <a:prstGeom prst="ellipse">
+              <a:avLst/>
+            </a:prstGeom>
+            <a:solidFill>
+              <a:srgbClr val="FF0000"/>
+            </a:solidFill>
+            <a:ln>
+              <a:noFill/>
+            </a:ln>
+          </p:spPr>
+          <p:style>
+            <a:lnRef idx="2">
+              <a:schemeClr val="accent1">
+                <a:shade val="50000"/>
+              </a:schemeClr>
+            </a:lnRef>
+            <a:fillRef idx="1">
+              <a:schemeClr val="accent1"/>
+            </a:fillRef>
+            <a:effectRef idx="0">
+              <a:schemeClr val="accent1"/>
+            </a:effectRef>
+            <a:fontRef idx="minor">
+              <a:schemeClr val="lt1"/>
+            </a:fontRef>
+          </p:style>
+          <p:txBody>
+            <a:bodyPr rtlCol="0" anchor="ctr"/>
+            <a:lstStyle/>
+            <a:p>
+              <a:pPr algn="ctr"/>
+              <a:endParaRPr lang="en-US" sz="1050"/>
+            </a:p>
+          </p:txBody>
+        </p:sp>
+        <p:sp>
+          <p:nvSpPr>
+            <p:cNvPr id="25" name="Oval 24"/>
+            <p:cNvSpPr/>
+            <p:nvPr/>
+          </p:nvSpPr>
+          <p:spPr>
+            <a:xfrm>
+              <a:off x="1697330" y="3265829"/>
+              <a:ext cx="314960" cy="314960"/>
+            </a:xfrm>
+            <a:prstGeom prst="ellipse">
+              <a:avLst/>
+            </a:prstGeom>
+            <a:solidFill>
+              <a:srgbClr val="00B050"/>
+            </a:solidFill>
+            <a:ln>
+              <a:noFill/>
+            </a:ln>
+          </p:spPr>
+          <p:style>
+            <a:lnRef idx="2">
+              <a:schemeClr val="accent1">
+                <a:shade val="50000"/>
+              </a:schemeClr>
+            </a:lnRef>
+            <a:fillRef idx="1">
+              <a:schemeClr val="accent1"/>
+            </a:fillRef>
+            <a:effectRef idx="0">
+              <a:schemeClr val="accent1"/>
+            </a:effectRef>
+            <a:fontRef idx="minor">
+              <a:schemeClr val="lt1"/>
+            </a:fontRef>
+          </p:style>
+          <p:txBody>
+            <a:bodyPr rtlCol="0" anchor="ctr"/>
+            <a:lstStyle/>
+            <a:p>
+              <a:pPr algn="ctr"/>
+              <a:endParaRPr lang="en-US" sz="1050"/>
+            </a:p>
+          </p:txBody>
+        </p:sp>
+        <p:sp>
+          <p:nvSpPr>
+            <p:cNvPr id="26" name="Oval 25"/>
+            <p:cNvSpPr/>
+            <p:nvPr/>
+          </p:nvSpPr>
+          <p:spPr>
+            <a:xfrm>
+              <a:off x="2268830" y="3975759"/>
+              <a:ext cx="314960" cy="314960"/>
+            </a:xfrm>
+            <a:prstGeom prst="ellipse">
+              <a:avLst/>
+            </a:prstGeom>
+            <a:solidFill>
+              <a:srgbClr val="00B050"/>
+            </a:solidFill>
+            <a:ln>
+              <a:noFill/>
+            </a:ln>
+          </p:spPr>
+          <p:style>
+            <a:lnRef idx="2">
+              <a:schemeClr val="accent1">
+                <a:shade val="50000"/>
+              </a:schemeClr>
+            </a:lnRef>
+            <a:fillRef idx="1">
+              <a:schemeClr val="accent1"/>
+            </a:fillRef>
+            <a:effectRef idx="0">
+              <a:schemeClr val="accent1"/>
+            </a:effectRef>
+            <a:fontRef idx="minor">
+              <a:schemeClr val="lt1"/>
+            </a:fontRef>
+          </p:style>
+          <p:txBody>
+            <a:bodyPr rtlCol="0" anchor="ctr"/>
+            <a:lstStyle/>
+            <a:p>
+              <a:pPr algn="ctr"/>
+              <a:endParaRPr lang="en-US" sz="1050"/>
+            </a:p>
+          </p:txBody>
+        </p:sp>
+        <p:sp>
+          <p:nvSpPr>
+            <p:cNvPr id="27" name="Oval 26"/>
+            <p:cNvSpPr/>
+            <p:nvPr/>
+          </p:nvSpPr>
+          <p:spPr>
+            <a:xfrm>
+              <a:off x="1819250" y="3959249"/>
+              <a:ext cx="314960" cy="314960"/>
+            </a:xfrm>
+            <a:prstGeom prst="ellipse">
+              <a:avLst/>
+            </a:prstGeom>
+            <a:solidFill>
+              <a:srgbClr val="00B050"/>
+            </a:solidFill>
+            <a:ln>
+              <a:noFill/>
+            </a:ln>
+          </p:spPr>
+          <p:style>
+            <a:lnRef idx="2">
+              <a:schemeClr val="accent1">
+                <a:shade val="50000"/>
+              </a:schemeClr>
+            </a:lnRef>
+            <a:fillRef idx="1">
+              <a:schemeClr val="accent1"/>
+            </a:fillRef>
+            <a:effectRef idx="0">
+              <a:schemeClr val="accent1"/>
+            </a:effectRef>
+            <a:fontRef idx="minor">
+              <a:schemeClr val="lt1"/>
+            </a:fontRef>
+          </p:style>
+          <p:txBody>
+            <a:bodyPr rtlCol="0" anchor="ctr"/>
+            <a:lstStyle/>
+            <a:p>
+              <a:pPr algn="ctr"/>
+              <a:endParaRPr lang="en-US" sz="1050"/>
+            </a:p>
+          </p:txBody>
+        </p:sp>
+        <p:sp>
+          <p:nvSpPr>
+            <p:cNvPr id="28" name="Oval 27"/>
+            <p:cNvSpPr/>
+            <p:nvPr/>
+          </p:nvSpPr>
+          <p:spPr>
+            <a:xfrm>
+              <a:off x="2903830" y="3509034"/>
+              <a:ext cx="314960" cy="314960"/>
+            </a:xfrm>
+            <a:prstGeom prst="ellipse">
+              <a:avLst/>
+            </a:prstGeom>
+            <a:solidFill>
+              <a:srgbClr val="FF0000"/>
+            </a:solidFill>
+            <a:ln>
+              <a:noFill/>
+            </a:ln>
+          </p:spPr>
+          <p:style>
+            <a:lnRef idx="2">
+              <a:schemeClr val="accent1">
+                <a:shade val="50000"/>
+              </a:schemeClr>
+            </a:lnRef>
+            <a:fillRef idx="1">
+              <a:schemeClr val="accent1"/>
+            </a:fillRef>
+            <a:effectRef idx="0">
+              <a:schemeClr val="accent1"/>
+            </a:effectRef>
+            <a:fontRef idx="minor">
+              <a:schemeClr val="lt1"/>
+            </a:fontRef>
+          </p:style>
+          <p:txBody>
+            <a:bodyPr rtlCol="0" anchor="ctr"/>
+            <a:lstStyle/>
+            <a:p>
+              <a:pPr algn="ctr"/>
+              <a:endParaRPr lang="en-US" sz="1050"/>
+            </a:p>
+          </p:txBody>
+        </p:sp>
+        <p:sp>
+          <p:nvSpPr>
+            <p:cNvPr id="29" name="Oval 28"/>
+            <p:cNvSpPr/>
+            <p:nvPr/>
+          </p:nvSpPr>
+          <p:spPr>
+            <a:xfrm>
+              <a:off x="3061310" y="4021479"/>
+              <a:ext cx="314960" cy="314960"/>
+            </a:xfrm>
+            <a:prstGeom prst="ellipse">
+              <a:avLst/>
+            </a:prstGeom>
+            <a:solidFill>
+              <a:srgbClr val="FF0000"/>
+            </a:solidFill>
+            <a:ln>
+              <a:noFill/>
+            </a:ln>
+          </p:spPr>
+          <p:style>
+            <a:lnRef idx="2">
+              <a:schemeClr val="accent1">
+                <a:shade val="50000"/>
+              </a:schemeClr>
+            </a:lnRef>
+            <a:fillRef idx="1">
+              <a:schemeClr val="accent1"/>
+            </a:fillRef>
+            <a:effectRef idx="0">
+              <a:schemeClr val="accent1"/>
+            </a:effectRef>
+            <a:fontRef idx="minor">
+              <a:schemeClr val="lt1"/>
+            </a:fontRef>
+          </p:style>
+          <p:txBody>
+            <a:bodyPr rtlCol="0" anchor="ctr"/>
+            <a:lstStyle/>
+            <a:p>
+              <a:pPr algn="ctr"/>
+              <a:endParaRPr lang="en-US" sz="1050"/>
+            </a:p>
+          </p:txBody>
+        </p:sp>
+        <p:sp>
+          <p:nvSpPr>
+            <p:cNvPr id="30" name="Oval 29"/>
+            <p:cNvSpPr/>
+            <p:nvPr/>
+          </p:nvSpPr>
+          <p:spPr>
+            <a:xfrm>
+              <a:off x="2746350" y="3863999"/>
+              <a:ext cx="314960" cy="314960"/>
+            </a:xfrm>
+            <a:prstGeom prst="ellipse">
+              <a:avLst/>
+            </a:prstGeom>
+            <a:solidFill>
+              <a:srgbClr val="FF0000"/>
+            </a:solidFill>
+            <a:ln>
+              <a:noFill/>
+            </a:ln>
+          </p:spPr>
+          <p:style>
+            <a:lnRef idx="2">
+              <a:schemeClr val="accent1">
+                <a:shade val="50000"/>
+              </a:schemeClr>
+            </a:lnRef>
+            <a:fillRef idx="1">
+              <a:schemeClr val="accent1"/>
+            </a:fillRef>
+            <a:effectRef idx="0">
+              <a:schemeClr val="accent1"/>
+            </a:effectRef>
+            <a:fontRef idx="minor">
+              <a:schemeClr val="lt1"/>
+            </a:fontRef>
+          </p:style>
+          <p:txBody>
+            <a:bodyPr rtlCol="0" anchor="ctr"/>
+            <a:lstStyle/>
+            <a:p>
+              <a:pPr algn="ctr"/>
+              <a:endParaRPr lang="en-US" sz="1050"/>
+            </a:p>
+          </p:txBody>
+        </p:sp>
+        <p:sp>
+          <p:nvSpPr>
+            <p:cNvPr id="31" name="Oval 30"/>
+            <p:cNvSpPr/>
+            <p:nvPr/>
+          </p:nvSpPr>
+          <p:spPr>
+            <a:xfrm>
+              <a:off x="2085950" y="4623459"/>
+              <a:ext cx="314960" cy="314960"/>
+            </a:xfrm>
+            <a:prstGeom prst="ellipse">
+              <a:avLst/>
+            </a:prstGeom>
+            <a:solidFill>
+              <a:srgbClr val="00B050"/>
+            </a:solidFill>
+            <a:ln>
+              <a:noFill/>
+            </a:ln>
+          </p:spPr>
+          <p:style>
+            <a:lnRef idx="2">
+              <a:schemeClr val="accent1">
+                <a:shade val="50000"/>
+              </a:schemeClr>
+            </a:lnRef>
+            <a:fillRef idx="1">
+              <a:schemeClr val="accent1"/>
+            </a:fillRef>
+            <a:effectRef idx="0">
+              <a:schemeClr val="accent1"/>
+            </a:effectRef>
+            <a:fontRef idx="minor">
+              <a:schemeClr val="lt1"/>
+            </a:fontRef>
+          </p:style>
+          <p:txBody>
+            <a:bodyPr rtlCol="0" anchor="ctr"/>
+            <a:lstStyle/>
+            <a:p>
+              <a:pPr algn="ctr"/>
+              <a:endParaRPr lang="en-US" sz="1050"/>
+            </a:p>
+          </p:txBody>
+        </p:sp>
+        <p:sp>
+          <p:nvSpPr>
+            <p:cNvPr id="32" name="Oval 31"/>
+            <p:cNvSpPr/>
+            <p:nvPr/>
+          </p:nvSpPr>
+          <p:spPr>
+            <a:xfrm>
+              <a:off x="2982570" y="4598059"/>
+              <a:ext cx="314960" cy="314960"/>
+            </a:xfrm>
+            <a:prstGeom prst="ellipse">
+              <a:avLst/>
+            </a:prstGeom>
+            <a:solidFill>
+              <a:srgbClr val="FF0000"/>
+            </a:solidFill>
+            <a:ln>
+              <a:noFill/>
+            </a:ln>
+          </p:spPr>
+          <p:style>
+            <a:lnRef idx="2">
+              <a:schemeClr val="accent1">
+                <a:shade val="50000"/>
+              </a:schemeClr>
+            </a:lnRef>
+            <a:fillRef idx="1">
+              <a:schemeClr val="accent1"/>
+            </a:fillRef>
+            <a:effectRef idx="0">
+              <a:schemeClr val="accent1"/>
+            </a:effectRef>
+            <a:fontRef idx="minor">
+              <a:schemeClr val="lt1"/>
+            </a:fontRef>
+          </p:style>
+          <p:txBody>
+            <a:bodyPr rtlCol="0" anchor="ctr"/>
+            <a:lstStyle/>
+            <a:p>
+              <a:pPr algn="ctr"/>
+              <a:endParaRPr lang="en-US" sz="1050"/>
+            </a:p>
+          </p:txBody>
+        </p:sp>
+        <p:sp>
+          <p:nvSpPr>
+            <p:cNvPr id="33" name="Oval 32"/>
+            <p:cNvSpPr/>
+            <p:nvPr/>
+          </p:nvSpPr>
+          <p:spPr>
+            <a:xfrm>
+              <a:off x="2820010" y="4245634"/>
+              <a:ext cx="314960" cy="314960"/>
+            </a:xfrm>
+            <a:prstGeom prst="ellipse">
+              <a:avLst/>
+            </a:prstGeom>
+            <a:solidFill>
+              <a:srgbClr val="00B050"/>
+            </a:solidFill>
+            <a:ln>
+              <a:noFill/>
+            </a:ln>
+          </p:spPr>
+          <p:style>
+            <a:lnRef idx="2">
+              <a:schemeClr val="accent6">
+                <a:shade val="50000"/>
+              </a:schemeClr>
+            </a:lnRef>
+            <a:fillRef idx="1">
+              <a:schemeClr val="accent6"/>
+            </a:fillRef>
+            <a:effectRef idx="0">
+              <a:schemeClr val="accent6"/>
+            </a:effectRef>
+            <a:fontRef idx="minor">
+              <a:schemeClr val="lt1"/>
+            </a:fontRef>
+          </p:style>
+          <p:txBody>
+            <a:bodyPr rtlCol="0" anchor="ctr"/>
+            <a:lstStyle/>
+            <a:p>
+              <a:pPr algn="ctr"/>
+              <a:endParaRPr lang="en-US" sz="1050"/>
+            </a:p>
+          </p:txBody>
+        </p:sp>
+        <p:sp>
+          <p:nvSpPr>
+            <p:cNvPr id="34" name="Oval 33"/>
+            <p:cNvSpPr/>
+            <p:nvPr/>
+          </p:nvSpPr>
+          <p:spPr>
+            <a:xfrm>
+              <a:off x="2632050" y="4698389"/>
+              <a:ext cx="314960" cy="314960"/>
+            </a:xfrm>
+            <a:prstGeom prst="ellipse">
+              <a:avLst/>
+            </a:prstGeom>
+            <a:solidFill>
+              <a:srgbClr val="00B050"/>
+            </a:solidFill>
+            <a:ln>
+              <a:noFill/>
+            </a:ln>
+          </p:spPr>
+          <p:style>
+            <a:lnRef idx="2">
+              <a:schemeClr val="accent1">
+                <a:shade val="50000"/>
+              </a:schemeClr>
+            </a:lnRef>
+            <a:fillRef idx="1">
+              <a:schemeClr val="accent1"/>
+            </a:fillRef>
+            <a:effectRef idx="0">
+              <a:schemeClr val="accent1"/>
+            </a:effectRef>
+            <a:fontRef idx="minor">
+              <a:schemeClr val="lt1"/>
+            </a:fontRef>
+          </p:style>
+          <p:txBody>
+            <a:bodyPr rtlCol="0" anchor="ctr"/>
+            <a:lstStyle/>
+            <a:p>
+              <a:pPr algn="ctr"/>
+              <a:endParaRPr lang="en-US" sz="1050"/>
+            </a:p>
+          </p:txBody>
+        </p:sp>
+        <p:sp>
+          <p:nvSpPr>
+            <p:cNvPr id="35" name="Oval 34"/>
+            <p:cNvSpPr/>
+            <p:nvPr/>
+          </p:nvSpPr>
+          <p:spPr>
+            <a:xfrm>
+              <a:off x="2395830" y="4290719"/>
+              <a:ext cx="314960" cy="314960"/>
+            </a:xfrm>
+            <a:prstGeom prst="ellipse">
+              <a:avLst/>
+            </a:prstGeom>
+            <a:solidFill>
+              <a:srgbClr val="FF0000"/>
+            </a:solidFill>
+            <a:ln>
+              <a:noFill/>
+            </a:ln>
+          </p:spPr>
+          <p:style>
+            <a:lnRef idx="2">
+              <a:schemeClr val="accent1">
+                <a:shade val="50000"/>
+              </a:schemeClr>
+            </a:lnRef>
+            <a:fillRef idx="1">
+              <a:schemeClr val="accent1"/>
+            </a:fillRef>
+            <a:effectRef idx="0">
+              <a:schemeClr val="accent1"/>
+            </a:effectRef>
+            <a:fontRef idx="minor">
+              <a:schemeClr val="lt1"/>
+            </a:fontRef>
+          </p:style>
+          <p:txBody>
+            <a:bodyPr rtlCol="0" anchor="ctr"/>
+            <a:lstStyle/>
+            <a:p>
+              <a:pPr algn="ctr"/>
+              <a:endParaRPr lang="en-US" sz="1050"/>
+            </a:p>
+          </p:txBody>
+        </p:sp>
+        <p:sp>
+          <p:nvSpPr>
+            <p:cNvPr id="36" name="Oval 35"/>
+            <p:cNvSpPr/>
+            <p:nvPr/>
+          </p:nvSpPr>
+          <p:spPr>
+            <a:xfrm>
+              <a:off x="2329790" y="4956199"/>
+              <a:ext cx="314960" cy="314960"/>
+            </a:xfrm>
+            <a:prstGeom prst="ellipse">
+              <a:avLst/>
+            </a:prstGeom>
+            <a:solidFill>
+              <a:srgbClr val="00B050"/>
+            </a:solidFill>
+            <a:ln>
+              <a:noFill/>
+            </a:ln>
+          </p:spPr>
+          <p:style>
+            <a:lnRef idx="2">
+              <a:schemeClr val="accent1">
+                <a:shade val="50000"/>
+              </a:schemeClr>
+            </a:lnRef>
+            <a:fillRef idx="1">
+              <a:schemeClr val="accent1"/>
+            </a:fillRef>
+            <a:effectRef idx="0">
+              <a:schemeClr val="accent1"/>
+            </a:effectRef>
+            <a:fontRef idx="minor">
+              <a:schemeClr val="lt1"/>
+            </a:fontRef>
+          </p:style>
+          <p:txBody>
+            <a:bodyPr rtlCol="0" anchor="ctr"/>
+            <a:lstStyle/>
+            <a:p>
+              <a:pPr algn="ctr"/>
+              <a:endParaRPr lang="en-US" sz="1050"/>
+            </a:p>
+          </p:txBody>
+        </p:sp>
+        <p:sp>
+          <p:nvSpPr>
+            <p:cNvPr id="37" name="Oval 36"/>
+            <p:cNvSpPr/>
+            <p:nvPr/>
+          </p:nvSpPr>
+          <p:spPr>
+            <a:xfrm>
+              <a:off x="1491590" y="4902859"/>
+              <a:ext cx="314960" cy="314960"/>
+            </a:xfrm>
+            <a:prstGeom prst="ellipse">
+              <a:avLst/>
+            </a:prstGeom>
+            <a:solidFill>
+              <a:srgbClr val="00B050"/>
+            </a:solidFill>
+            <a:ln>
+              <a:noFill/>
+            </a:ln>
+          </p:spPr>
+          <p:style>
+            <a:lnRef idx="2">
+              <a:schemeClr val="accent1">
+                <a:shade val="50000"/>
+              </a:schemeClr>
+            </a:lnRef>
+            <a:fillRef idx="1">
+              <a:schemeClr val="accent1"/>
+            </a:fillRef>
+            <a:effectRef idx="0">
+              <a:schemeClr val="accent1"/>
+            </a:effectRef>
+            <a:fontRef idx="minor">
+              <a:schemeClr val="lt1"/>
+            </a:fontRef>
+          </p:style>
+          <p:txBody>
+            <a:bodyPr rtlCol="0" anchor="ctr"/>
+            <a:lstStyle/>
+            <a:p>
+              <a:pPr algn="ctr"/>
+              <a:endParaRPr lang="en-US" sz="1050"/>
+            </a:p>
+          </p:txBody>
+        </p:sp>
+        <p:sp>
+          <p:nvSpPr>
+            <p:cNvPr id="38" name="Oval 37"/>
+            <p:cNvSpPr/>
+            <p:nvPr/>
+          </p:nvSpPr>
+          <p:spPr>
+            <a:xfrm>
+              <a:off x="2113890" y="5321959"/>
+              <a:ext cx="314960" cy="314960"/>
+            </a:xfrm>
+            <a:prstGeom prst="ellipse">
+              <a:avLst/>
+            </a:prstGeom>
+            <a:solidFill>
+              <a:srgbClr val="FF0000"/>
+            </a:solidFill>
+            <a:ln>
+              <a:noFill/>
+            </a:ln>
+          </p:spPr>
+          <p:style>
+            <a:lnRef idx="2">
+              <a:schemeClr val="accent1">
+                <a:shade val="50000"/>
+              </a:schemeClr>
+            </a:lnRef>
+            <a:fillRef idx="1">
+              <a:schemeClr val="accent1"/>
+            </a:fillRef>
+            <a:effectRef idx="0">
+              <a:schemeClr val="accent1"/>
+            </a:effectRef>
+            <a:fontRef idx="minor">
+              <a:schemeClr val="lt1"/>
+            </a:fontRef>
+          </p:style>
+          <p:txBody>
+            <a:bodyPr rtlCol="0" anchor="ctr"/>
+            <a:lstStyle/>
+            <a:p>
+              <a:pPr algn="ctr"/>
+              <a:endParaRPr lang="en-US" sz="1050"/>
+            </a:p>
+          </p:txBody>
+        </p:sp>
+        <p:sp>
+          <p:nvSpPr>
+            <p:cNvPr id="39" name="Oval 38"/>
+            <p:cNvSpPr/>
+            <p:nvPr/>
+          </p:nvSpPr>
+          <p:spPr>
+            <a:xfrm>
+              <a:off x="2604806" y="1648993"/>
+              <a:ext cx="314960" cy="314960"/>
+            </a:xfrm>
+            <a:prstGeom prst="ellipse">
+              <a:avLst/>
+            </a:prstGeom>
+            <a:solidFill>
+              <a:srgbClr val="FF0000"/>
+            </a:solidFill>
+            <a:ln>
+              <a:noFill/>
+            </a:ln>
+          </p:spPr>
+          <p:style>
+            <a:lnRef idx="2">
+              <a:schemeClr val="accent1">
+                <a:shade val="50000"/>
+              </a:schemeClr>
+            </a:lnRef>
+            <a:fillRef idx="1">
+              <a:schemeClr val="accent1"/>
+            </a:fillRef>
+            <a:effectRef idx="0">
+              <a:schemeClr val="accent1"/>
+            </a:effectRef>
+            <a:fontRef idx="minor">
+              <a:schemeClr val="lt1"/>
+            </a:fontRef>
+          </p:style>
+          <p:txBody>
+            <a:bodyPr rtlCol="0" anchor="ctr"/>
+            <a:lstStyle/>
+            <a:p>
+              <a:pPr algn="ctr"/>
+              <a:endParaRPr lang="en-US" sz="1050"/>
+            </a:p>
+          </p:txBody>
+        </p:sp>
+        <p:sp>
+          <p:nvSpPr>
+            <p:cNvPr id="40" name="Oval 39"/>
+            <p:cNvSpPr/>
+            <p:nvPr/>
+          </p:nvSpPr>
+          <p:spPr>
+            <a:xfrm>
+              <a:off x="1598270" y="5304179"/>
+              <a:ext cx="314960" cy="314960"/>
+            </a:xfrm>
+            <a:prstGeom prst="ellipse">
+              <a:avLst/>
+            </a:prstGeom>
+            <a:solidFill>
+              <a:srgbClr val="FF0000"/>
+            </a:solidFill>
+            <a:ln>
+              <a:noFill/>
+            </a:ln>
+          </p:spPr>
+          <p:style>
+            <a:lnRef idx="2">
+              <a:schemeClr val="accent1">
+                <a:shade val="50000"/>
+              </a:schemeClr>
+            </a:lnRef>
+            <a:fillRef idx="1">
+              <a:schemeClr val="accent1"/>
+            </a:fillRef>
+            <a:effectRef idx="0">
+              <a:schemeClr val="accent1"/>
+            </a:effectRef>
+            <a:fontRef idx="minor">
+              <a:schemeClr val="lt1"/>
+            </a:fontRef>
+          </p:style>
+          <p:txBody>
+            <a:bodyPr rtlCol="0" anchor="ctr"/>
+            <a:lstStyle/>
+            <a:p>
+              <a:pPr algn="ctr"/>
+              <a:endParaRPr lang="en-US" sz="1050"/>
+            </a:p>
+          </p:txBody>
+        </p:sp>
+        <p:sp>
+          <p:nvSpPr>
+            <p:cNvPr id="41" name="Oval 40"/>
+            <p:cNvSpPr/>
+            <p:nvPr/>
+          </p:nvSpPr>
+          <p:spPr>
+            <a:xfrm>
+              <a:off x="1897990" y="5060339"/>
+              <a:ext cx="314960" cy="314960"/>
+            </a:xfrm>
+            <a:prstGeom prst="ellipse">
+              <a:avLst/>
+            </a:prstGeom>
+            <a:solidFill>
+              <a:srgbClr val="00B050"/>
+            </a:solidFill>
+            <a:ln>
+              <a:noFill/>
+            </a:ln>
+          </p:spPr>
+          <p:style>
+            <a:lnRef idx="2">
+              <a:schemeClr val="accent1">
+                <a:shade val="50000"/>
+              </a:schemeClr>
+            </a:lnRef>
+            <a:fillRef idx="1">
+              <a:schemeClr val="accent1"/>
+            </a:fillRef>
+            <a:effectRef idx="0">
+              <a:schemeClr val="accent1"/>
+            </a:effectRef>
+            <a:fontRef idx="minor">
+              <a:schemeClr val="lt1"/>
+            </a:fontRef>
+          </p:style>
+          <p:txBody>
+            <a:bodyPr rtlCol="0" anchor="ctr"/>
+            <a:lstStyle/>
+            <a:p>
+              <a:pPr algn="ctr"/>
+              <a:endParaRPr lang="en-US" sz="1050"/>
+            </a:p>
+          </p:txBody>
+        </p:sp>
+        <p:sp>
+          <p:nvSpPr>
+            <p:cNvPr id="42" name="Oval 41"/>
+            <p:cNvSpPr/>
+            <p:nvPr/>
+          </p:nvSpPr>
+          <p:spPr>
+            <a:xfrm>
+              <a:off x="2924150" y="5026049"/>
+              <a:ext cx="314960" cy="314960"/>
+            </a:xfrm>
+            <a:prstGeom prst="ellipse">
+              <a:avLst/>
+            </a:prstGeom>
+            <a:solidFill>
+              <a:srgbClr val="FF0000"/>
+            </a:solidFill>
+            <a:ln>
+              <a:noFill/>
+            </a:ln>
+          </p:spPr>
+          <p:style>
+            <a:lnRef idx="2">
+              <a:schemeClr val="accent1">
+                <a:shade val="50000"/>
+              </a:schemeClr>
+            </a:lnRef>
+            <a:fillRef idx="1">
+              <a:schemeClr val="accent1"/>
+            </a:fillRef>
+            <a:effectRef idx="0">
+              <a:schemeClr val="accent1"/>
+            </a:effectRef>
+            <a:fontRef idx="minor">
+              <a:schemeClr val="lt1"/>
+            </a:fontRef>
+          </p:style>
+          <p:txBody>
+            <a:bodyPr rtlCol="0" anchor="ctr"/>
+            <a:lstStyle/>
+            <a:p>
+              <a:pPr algn="ctr"/>
+              <a:endParaRPr lang="en-US" sz="1050"/>
+            </a:p>
+          </p:txBody>
+        </p:sp>
+        <p:sp>
+          <p:nvSpPr>
+            <p:cNvPr id="43" name="Oval 42"/>
+            <p:cNvSpPr/>
+            <p:nvPr/>
+          </p:nvSpPr>
+          <p:spPr>
+            <a:xfrm>
+              <a:off x="2568550" y="5262269"/>
+              <a:ext cx="314960" cy="314960"/>
+            </a:xfrm>
+            <a:prstGeom prst="ellipse">
+              <a:avLst/>
+            </a:prstGeom>
+            <a:solidFill>
+              <a:srgbClr val="00B050"/>
+            </a:solidFill>
+            <a:ln>
+              <a:noFill/>
+            </a:ln>
+          </p:spPr>
+          <p:style>
+            <a:lnRef idx="2">
+              <a:schemeClr val="accent1">
+                <a:shade val="50000"/>
+              </a:schemeClr>
+            </a:lnRef>
+            <a:fillRef idx="1">
+              <a:schemeClr val="accent1"/>
+            </a:fillRef>
+            <a:effectRef idx="0">
+              <a:schemeClr val="accent1"/>
+            </a:effectRef>
+            <a:fontRef idx="minor">
+              <a:schemeClr val="lt1"/>
+            </a:fontRef>
+          </p:style>
+          <p:txBody>
+            <a:bodyPr rtlCol="0" anchor="ctr"/>
+            <a:lstStyle/>
+            <a:p>
+              <a:pPr algn="ctr"/>
+              <a:endParaRPr lang="en-US" sz="1050"/>
+            </a:p>
+          </p:txBody>
+        </p:sp>
+        <p:sp>
+          <p:nvSpPr>
+            <p:cNvPr id="44" name="Oval 43"/>
+            <p:cNvSpPr/>
+            <p:nvPr/>
+          </p:nvSpPr>
+          <p:spPr>
+            <a:xfrm>
+              <a:off x="1997050" y="2451759"/>
+              <a:ext cx="314960" cy="314960"/>
+            </a:xfrm>
+            <a:prstGeom prst="ellipse">
+              <a:avLst/>
+            </a:prstGeom>
+            <a:solidFill>
+              <a:srgbClr val="FF0000"/>
+            </a:solidFill>
+            <a:ln>
+              <a:noFill/>
+            </a:ln>
+          </p:spPr>
+          <p:style>
+            <a:lnRef idx="2">
+              <a:schemeClr val="accent1">
+                <a:shade val="50000"/>
+              </a:schemeClr>
+            </a:lnRef>
+            <a:fillRef idx="1">
+              <a:schemeClr val="accent1"/>
+            </a:fillRef>
+            <a:effectRef idx="0">
+              <a:schemeClr val="accent1"/>
+            </a:effectRef>
+            <a:fontRef idx="minor">
+              <a:schemeClr val="lt1"/>
+            </a:fontRef>
+          </p:style>
+          <p:txBody>
+            <a:bodyPr rtlCol="0" anchor="ctr"/>
+            <a:lstStyle/>
+            <a:p>
+              <a:pPr algn="ctr"/>
+              <a:endParaRPr lang="en-US" sz="1050"/>
+            </a:p>
+          </p:txBody>
+        </p:sp>
+        <p:sp>
+          <p:nvSpPr>
+            <p:cNvPr id="45" name="Oval 44"/>
+            <p:cNvSpPr/>
+            <p:nvPr/>
+          </p:nvSpPr>
+          <p:spPr>
+            <a:xfrm>
+              <a:off x="1313790" y="2094889"/>
+              <a:ext cx="314960" cy="314960"/>
+            </a:xfrm>
+            <a:prstGeom prst="ellipse">
+              <a:avLst/>
+            </a:prstGeom>
+            <a:solidFill>
+              <a:srgbClr val="FF0000"/>
+            </a:solidFill>
+            <a:ln>
+              <a:noFill/>
+            </a:ln>
+          </p:spPr>
+          <p:style>
+            <a:lnRef idx="2">
+              <a:schemeClr val="accent1">
+                <a:shade val="50000"/>
+              </a:schemeClr>
+            </a:lnRef>
+            <a:fillRef idx="1">
+              <a:schemeClr val="accent1"/>
+            </a:fillRef>
+            <a:effectRef idx="0">
+              <a:schemeClr val="accent1"/>
+            </a:effectRef>
+            <a:fontRef idx="minor">
+              <a:schemeClr val="lt1"/>
+            </a:fontRef>
+          </p:style>
+          <p:txBody>
+            <a:bodyPr rtlCol="0" anchor="ctr"/>
+            <a:lstStyle/>
+            <a:p>
+              <a:pPr algn="ctr"/>
+              <a:endParaRPr lang="en-US" sz="1050"/>
+            </a:p>
+          </p:txBody>
+        </p:sp>
+        <p:sp>
+          <p:nvSpPr>
+            <p:cNvPr id="46" name="Oval 45"/>
+            <p:cNvSpPr/>
+            <p:nvPr/>
+          </p:nvSpPr>
+          <p:spPr>
+            <a:xfrm>
+              <a:off x="1684630" y="1791994"/>
+              <a:ext cx="314960" cy="314960"/>
+            </a:xfrm>
+            <a:prstGeom prst="ellipse">
+              <a:avLst/>
+            </a:prstGeom>
+            <a:solidFill>
+              <a:srgbClr val="FF0000"/>
+            </a:solidFill>
+            <a:ln>
+              <a:noFill/>
+            </a:ln>
+          </p:spPr>
+          <p:style>
+            <a:lnRef idx="2">
+              <a:schemeClr val="accent1">
+                <a:shade val="50000"/>
+              </a:schemeClr>
+            </a:lnRef>
+            <a:fillRef idx="1">
+              <a:schemeClr val="accent1"/>
+            </a:fillRef>
+            <a:effectRef idx="0">
+              <a:schemeClr val="accent1"/>
+            </a:effectRef>
+            <a:fontRef idx="minor">
+              <a:schemeClr val="lt1"/>
+            </a:fontRef>
+          </p:style>
+          <p:txBody>
+            <a:bodyPr rtlCol="0" anchor="ctr"/>
+            <a:lstStyle/>
+            <a:p>
+              <a:pPr algn="ctr"/>
+              <a:endParaRPr lang="en-US" sz="1050"/>
+            </a:p>
+          </p:txBody>
+        </p:sp>
+        <p:sp>
+          <p:nvSpPr>
+            <p:cNvPr id="47" name="Oval 46"/>
+            <p:cNvSpPr/>
+            <p:nvPr/>
+          </p:nvSpPr>
+          <p:spPr>
+            <a:xfrm>
+              <a:off x="1847190" y="1494179"/>
+              <a:ext cx="314960" cy="314960"/>
+            </a:xfrm>
+            <a:prstGeom prst="ellipse">
+              <a:avLst/>
+            </a:prstGeom>
+            <a:solidFill>
+              <a:srgbClr val="FF0000"/>
+            </a:solidFill>
+            <a:ln>
+              <a:noFill/>
+            </a:ln>
+          </p:spPr>
+          <p:style>
+            <a:lnRef idx="2">
+              <a:schemeClr val="accent1">
+                <a:shade val="50000"/>
+              </a:schemeClr>
+            </a:lnRef>
+            <a:fillRef idx="1">
+              <a:schemeClr val="accent1"/>
+            </a:fillRef>
+            <a:effectRef idx="0">
+              <a:schemeClr val="accent1"/>
+            </a:effectRef>
+            <a:fontRef idx="minor">
+              <a:schemeClr val="lt1"/>
+            </a:fontRef>
+          </p:style>
+          <p:txBody>
+            <a:bodyPr rtlCol="0" anchor="ctr"/>
+            <a:lstStyle/>
+            <a:p>
+              <a:pPr algn="ctr"/>
+              <a:endParaRPr lang="en-US" sz="1050"/>
+            </a:p>
+          </p:txBody>
+        </p:sp>
+        <p:sp>
+          <p:nvSpPr>
+            <p:cNvPr id="48" name="Oval 47"/>
+            <p:cNvSpPr/>
+            <p:nvPr/>
+          </p:nvSpPr>
+          <p:spPr>
+            <a:xfrm>
+              <a:off x="1369670" y="1388769"/>
+              <a:ext cx="314960" cy="314960"/>
+            </a:xfrm>
+            <a:prstGeom prst="ellipse">
+              <a:avLst/>
+            </a:prstGeom>
+            <a:solidFill>
+              <a:srgbClr val="FF0000"/>
+            </a:solidFill>
+            <a:ln>
+              <a:noFill/>
+            </a:ln>
+          </p:spPr>
+          <p:style>
+            <a:lnRef idx="2">
+              <a:schemeClr val="accent1">
+                <a:shade val="50000"/>
+              </a:schemeClr>
+            </a:lnRef>
+            <a:fillRef idx="1">
+              <a:schemeClr val="accent1"/>
+            </a:fillRef>
+            <a:effectRef idx="0">
+              <a:schemeClr val="accent1"/>
+            </a:effectRef>
+            <a:fontRef idx="minor">
+              <a:schemeClr val="lt1"/>
+            </a:fontRef>
+          </p:style>
+          <p:txBody>
+            <a:bodyPr rtlCol="0" anchor="ctr"/>
+            <a:lstStyle/>
+            <a:p>
+              <a:pPr algn="ctr"/>
+              <a:endParaRPr lang="en-US" sz="1050"/>
+            </a:p>
+          </p:txBody>
+        </p:sp>
+        <p:sp>
+          <p:nvSpPr>
+            <p:cNvPr id="49" name="TextBox 48"/>
+            <p:cNvSpPr txBox="1"/>
+            <p:nvPr/>
+          </p:nvSpPr>
+          <p:spPr>
+            <a:xfrm>
+              <a:off x="1385223" y="687769"/>
+              <a:ext cx="2519079" cy="455175"/>
+            </a:xfrm>
+            <a:prstGeom prst="rect">
+              <a:avLst/>
+            </a:prstGeom>
+            <a:noFill/>
+          </p:spPr>
+          <p:txBody>
+            <a:bodyPr wrap="none" rtlCol="0">
+              <a:spAutoFit/>
+            </a:bodyPr>
+            <a:lstStyle/>
+            <a:p>
+              <a:r>
+                <a:rPr lang="en-US" sz="1050" dirty="0" smtClean="0"/>
+                <a:t>All potential options</a:t>
+              </a:r>
+              <a:endParaRPr lang="en-US" sz="1050" dirty="0"/>
+            </a:p>
+          </p:txBody>
+        </p:sp>
+      </p:grpSp>
+      <p:sp>
+        <p:nvSpPr>
+          <p:cNvPr id="50" name="Right Arrow 49"/>
+          <p:cNvSpPr/>
+          <p:nvPr/>
+        </p:nvSpPr>
+        <p:spPr>
+          <a:xfrm>
+            <a:off x="4852836" y="2892363"/>
+            <a:ext cx="1191242" cy="667154"/>
+          </a:xfrm>
+          <a:prstGeom prst="rightArrow">
+            <a:avLst/>
+          </a:prstGeom>
+        </p:spPr>
+        <p:style>
+          <a:lnRef idx="2">
+            <a:schemeClr val="accent1">
+              <a:shade val="50000"/>
+            </a:schemeClr>
+          </a:lnRef>
+          <a:fillRef idx="1">
+            <a:schemeClr val="accent1"/>
+          </a:fillRef>
+          <a:effectRef idx="0">
+            <a:schemeClr val="accent1"/>
+          </a:effectRef>
+          <a:fontRef idx="minor">
+            <a:schemeClr val="lt1"/>
+          </a:fontRef>
+        </p:style>
+        <p:txBody>
+          <a:bodyPr rtlCol="0" anchor="ctr"/>
+          <a:lstStyle/>
+          <a:p>
+            <a:pPr algn="ctr"/>
+            <a:r>
+              <a:rPr lang="en-US" sz="1050" dirty="0" smtClean="0"/>
+              <a:t>Cached values</a:t>
+            </a:r>
+            <a:endParaRPr lang="en-US" sz="1050" dirty="0"/>
+          </a:p>
+        </p:txBody>
+      </p:sp>
+      <p:grpSp>
+        <p:nvGrpSpPr>
+          <p:cNvPr id="51" name="Group 50"/>
+          <p:cNvGrpSpPr/>
+          <p:nvPr/>
+        </p:nvGrpSpPr>
+        <p:grpSpPr>
+          <a:xfrm>
+            <a:off x="5988496" y="2590876"/>
+            <a:ext cx="819455" cy="1008761"/>
+            <a:chOff x="6283507" y="2357779"/>
+            <a:chExt cx="1425766" cy="1755140"/>
+          </a:xfrm>
+        </p:grpSpPr>
+        <p:sp>
+          <p:nvSpPr>
+            <p:cNvPr id="52" name="Oval 51"/>
+            <p:cNvSpPr/>
+            <p:nvPr/>
+          </p:nvSpPr>
+          <p:spPr>
+            <a:xfrm>
+              <a:off x="6812890" y="3797959"/>
+              <a:ext cx="314960" cy="314960"/>
+            </a:xfrm>
+            <a:prstGeom prst="ellipse">
+              <a:avLst/>
+            </a:prstGeom>
+            <a:solidFill>
+              <a:srgbClr val="00B050"/>
+            </a:solidFill>
+            <a:ln>
+              <a:noFill/>
+            </a:ln>
+          </p:spPr>
+          <p:style>
+            <a:lnRef idx="2">
+              <a:schemeClr val="accent1">
+                <a:shade val="50000"/>
+              </a:schemeClr>
+            </a:lnRef>
+            <a:fillRef idx="1">
+              <a:schemeClr val="accent1"/>
+            </a:fillRef>
+            <a:effectRef idx="0">
+              <a:schemeClr val="accent1"/>
+            </a:effectRef>
+            <a:fontRef idx="minor">
+              <a:schemeClr val="lt1"/>
+            </a:fontRef>
+          </p:style>
+          <p:txBody>
+            <a:bodyPr rtlCol="0" anchor="ctr"/>
+            <a:lstStyle/>
+            <a:p>
+              <a:pPr algn="ctr"/>
+              <a:endParaRPr lang="en-US" sz="1050"/>
+            </a:p>
+          </p:txBody>
+        </p:sp>
+        <p:sp>
+          <p:nvSpPr>
+            <p:cNvPr id="53" name="Oval 52"/>
+            <p:cNvSpPr/>
+            <p:nvPr/>
+          </p:nvSpPr>
+          <p:spPr>
+            <a:xfrm>
+              <a:off x="6812890" y="3373779"/>
+              <a:ext cx="314960" cy="314960"/>
+            </a:xfrm>
+            <a:prstGeom prst="ellipse">
+              <a:avLst/>
+            </a:prstGeom>
+            <a:solidFill>
+              <a:srgbClr val="00B050"/>
+            </a:solidFill>
+            <a:ln>
+              <a:noFill/>
+            </a:ln>
+          </p:spPr>
+          <p:style>
+            <a:lnRef idx="2">
+              <a:schemeClr val="accent1">
+                <a:shade val="50000"/>
+              </a:schemeClr>
+            </a:lnRef>
+            <a:fillRef idx="1">
+              <a:schemeClr val="accent1"/>
+            </a:fillRef>
+            <a:effectRef idx="0">
+              <a:schemeClr val="accent1"/>
+            </a:effectRef>
+            <a:fontRef idx="minor">
+              <a:schemeClr val="lt1"/>
+            </a:fontRef>
+          </p:style>
+          <p:txBody>
+            <a:bodyPr rtlCol="0" anchor="ctr"/>
+            <a:lstStyle/>
+            <a:p>
+              <a:pPr algn="ctr"/>
+              <a:endParaRPr lang="en-US" sz="1050"/>
+            </a:p>
+          </p:txBody>
+        </p:sp>
+        <p:sp>
+          <p:nvSpPr>
+            <p:cNvPr id="54" name="Oval 53"/>
+            <p:cNvSpPr/>
+            <p:nvPr/>
+          </p:nvSpPr>
+          <p:spPr>
+            <a:xfrm>
+              <a:off x="6812890" y="2952139"/>
+              <a:ext cx="314960" cy="314960"/>
+            </a:xfrm>
+            <a:prstGeom prst="ellipse">
+              <a:avLst/>
+            </a:prstGeom>
+            <a:solidFill>
+              <a:srgbClr val="00B050"/>
+            </a:solidFill>
+            <a:ln>
+              <a:noFill/>
+            </a:ln>
+          </p:spPr>
+          <p:style>
+            <a:lnRef idx="2">
+              <a:schemeClr val="accent1">
+                <a:shade val="50000"/>
+              </a:schemeClr>
+            </a:lnRef>
+            <a:fillRef idx="1">
+              <a:schemeClr val="accent1"/>
+            </a:fillRef>
+            <a:effectRef idx="0">
+              <a:schemeClr val="accent1"/>
+            </a:effectRef>
+            <a:fontRef idx="minor">
+              <a:schemeClr val="lt1"/>
+            </a:fontRef>
+          </p:style>
+          <p:txBody>
+            <a:bodyPr rtlCol="0" anchor="ctr"/>
+            <a:lstStyle/>
+            <a:p>
+              <a:pPr algn="ctr"/>
+              <a:endParaRPr lang="en-US" sz="1050"/>
+            </a:p>
+          </p:txBody>
+        </p:sp>
+        <p:sp>
+          <p:nvSpPr>
+            <p:cNvPr id="55" name="TextBox 54"/>
+            <p:cNvSpPr txBox="1"/>
+            <p:nvPr/>
+          </p:nvSpPr>
+          <p:spPr>
+            <a:xfrm>
+              <a:off x="6283507" y="2357779"/>
+              <a:ext cx="1425766" cy="455174"/>
+            </a:xfrm>
+            <a:prstGeom prst="rect">
+              <a:avLst/>
+            </a:prstGeom>
+            <a:noFill/>
+          </p:spPr>
+          <p:txBody>
+            <a:bodyPr wrap="none" rtlCol="0">
+              <a:spAutoFit/>
+            </a:bodyPr>
+            <a:lstStyle/>
+            <a:p>
+              <a:r>
+                <a:rPr lang="en-US" sz="1050" dirty="0" smtClean="0"/>
+                <a:t>Choice set</a:t>
+              </a:r>
+              <a:endParaRPr lang="en-US" sz="1050" dirty="0"/>
+            </a:p>
+          </p:txBody>
+        </p:sp>
+      </p:grpSp>
+      <p:grpSp>
+        <p:nvGrpSpPr>
+          <p:cNvPr id="56" name="Group 55"/>
+          <p:cNvGrpSpPr/>
+          <p:nvPr/>
+        </p:nvGrpSpPr>
+        <p:grpSpPr>
+          <a:xfrm>
+            <a:off x="6820868" y="2585173"/>
+            <a:ext cx="1865664" cy="963375"/>
+            <a:chOff x="10160765" y="3528107"/>
+            <a:chExt cx="1865664" cy="963375"/>
+          </a:xfrm>
+        </p:grpSpPr>
+        <p:grpSp>
+          <p:nvGrpSpPr>
+            <p:cNvPr id="57" name="Group 56"/>
+            <p:cNvGrpSpPr/>
+            <p:nvPr/>
+          </p:nvGrpSpPr>
+          <p:grpSpPr>
+            <a:xfrm>
+              <a:off x="11418570" y="3528107"/>
+              <a:ext cx="607859" cy="695316"/>
+              <a:chOff x="10181703" y="2476185"/>
+              <a:chExt cx="1057611" cy="1209776"/>
+            </a:xfrm>
+          </p:grpSpPr>
+          <p:sp>
+            <p:nvSpPr>
+              <p:cNvPr id="59" name="Oval 58"/>
+              <p:cNvSpPr/>
+              <p:nvPr/>
+            </p:nvSpPr>
+            <p:spPr>
+              <a:xfrm>
+                <a:off x="10544150" y="3371001"/>
+                <a:ext cx="314960" cy="314960"/>
+              </a:xfrm>
+              <a:prstGeom prst="ellipse">
+                <a:avLst/>
+              </a:prstGeom>
+              <a:solidFill>
+                <a:srgbClr val="00B050"/>
+              </a:solidFill>
+              <a:ln>
+                <a:noFill/>
+              </a:ln>
+            </p:spPr>
+            <p:style>
+              <a:lnRef idx="2">
+                <a:schemeClr val="accent1">
+                  <a:shade val="50000"/>
+                </a:schemeClr>
+              </a:lnRef>
+              <a:fillRef idx="1">
+                <a:schemeClr val="accent1"/>
+              </a:fillRef>
+              <a:effectRef idx="0">
+                <a:schemeClr val="accent1"/>
+              </a:effectRef>
+              <a:fontRef idx="minor">
+                <a:schemeClr val="lt1"/>
+              </a:fontRef>
+            </p:style>
+            <p:txBody>
+              <a:bodyPr rtlCol="0" anchor="ctr"/>
+              <a:lstStyle/>
+              <a:p>
+                <a:pPr algn="ctr"/>
+                <a:endParaRPr lang="en-US" sz="1050"/>
+              </a:p>
+            </p:txBody>
+          </p:sp>
+          <p:sp>
+            <p:nvSpPr>
+              <p:cNvPr id="60" name="TextBox 59"/>
+              <p:cNvSpPr txBox="1"/>
+              <p:nvPr/>
+            </p:nvSpPr>
+            <p:spPr>
+              <a:xfrm>
+                <a:off x="10181703" y="2476185"/>
+                <a:ext cx="1057611" cy="455174"/>
+              </a:xfrm>
+              <a:prstGeom prst="rect">
+                <a:avLst/>
+              </a:prstGeom>
+              <a:noFill/>
+            </p:spPr>
+            <p:txBody>
+              <a:bodyPr wrap="none" rtlCol="0">
+                <a:spAutoFit/>
+              </a:bodyPr>
+              <a:lstStyle/>
+              <a:p>
+                <a:r>
+                  <a:rPr lang="en-US" sz="1050" dirty="0" smtClean="0"/>
+                  <a:t>Choice</a:t>
+                </a:r>
+                <a:endParaRPr lang="en-US" sz="1050" dirty="0"/>
+              </a:p>
+            </p:txBody>
+          </p:sp>
+        </p:grpSp>
+        <p:sp>
+          <p:nvSpPr>
+            <p:cNvPr id="58" name="Right Arrow 57"/>
+            <p:cNvSpPr/>
+            <p:nvPr/>
+          </p:nvSpPr>
+          <p:spPr>
+            <a:xfrm>
+              <a:off x="10160765" y="3824328"/>
+              <a:ext cx="1191242" cy="667154"/>
+            </a:xfrm>
+            <a:prstGeom prst="rightArrow">
+              <a:avLst/>
+            </a:prstGeom>
+          </p:spPr>
+          <p:style>
+            <a:lnRef idx="2">
+              <a:schemeClr val="accent1">
+                <a:shade val="50000"/>
+              </a:schemeClr>
+            </a:lnRef>
+            <a:fillRef idx="1">
+              <a:schemeClr val="accent1"/>
+            </a:fillRef>
+            <a:effectRef idx="0">
+              <a:schemeClr val="accent1"/>
+            </a:effectRef>
+            <a:fontRef idx="minor">
+              <a:schemeClr val="lt1"/>
+            </a:fontRef>
+          </p:style>
+          <p:txBody>
+            <a:bodyPr rtlCol="0" anchor="ctr"/>
+            <a:lstStyle/>
+            <a:p>
+              <a:pPr algn="ctr"/>
+              <a:r>
+                <a:rPr lang="en-US" sz="1050" dirty="0" smtClean="0"/>
+                <a:t>Planning</a:t>
+              </a:r>
+              <a:endParaRPr lang="en-US" sz="1050" dirty="0"/>
+            </a:p>
+          </p:txBody>
+        </p:sp>
+      </p:grpSp>
+      <p:cxnSp>
+        <p:nvCxnSpPr>
+          <p:cNvPr id="61" name="Straight Arrow Connector 60"/>
+          <p:cNvCxnSpPr/>
+          <p:nvPr/>
+        </p:nvCxnSpPr>
+        <p:spPr>
+          <a:xfrm flipV="1">
+            <a:off x="7184568" y="3625661"/>
+            <a:ext cx="238935" cy="811815"/>
+          </a:xfrm>
+          <a:prstGeom prst="straightConnector1">
+            <a:avLst/>
+          </a:prstGeom>
+          <a:ln>
+            <a:tailEnd type="triangle"/>
+          </a:ln>
+        </p:spPr>
+        <p:style>
+          <a:lnRef idx="1">
+            <a:schemeClr val="accent1"/>
+          </a:lnRef>
+          <a:fillRef idx="0">
+            <a:schemeClr val="accent1"/>
+          </a:fillRef>
+          <a:effectRef idx="0">
+            <a:schemeClr val="accent1"/>
+          </a:effectRef>
+          <a:fontRef idx="minor">
+            <a:schemeClr val="tx1"/>
+          </a:fontRef>
+        </p:style>
+      </p:cxnSp>
+      <p:sp>
+        <p:nvSpPr>
+          <p:cNvPr id="62" name="TextBox 61"/>
+          <p:cNvSpPr txBox="1"/>
+          <p:nvPr/>
+        </p:nvSpPr>
+        <p:spPr>
+          <a:xfrm>
+            <a:off x="5986657" y="4561198"/>
+            <a:ext cx="2597378" cy="646331"/>
+          </a:xfrm>
+          <a:prstGeom prst="rect">
+            <a:avLst/>
+          </a:prstGeom>
+          <a:noFill/>
+        </p:spPr>
+        <p:txBody>
+          <a:bodyPr wrap="none" rtlCol="0">
+            <a:spAutoFit/>
+          </a:bodyPr>
+          <a:lstStyle/>
+          <a:p>
+            <a:r>
+              <a:rPr lang="en-US" dirty="0" smtClean="0"/>
+              <a:t>counting the vertical lines</a:t>
+            </a:r>
+          </a:p>
+          <a:p>
+            <a:r>
+              <a:rPr lang="en-US" dirty="0" smtClean="0"/>
+              <a:t>(i.e. BASKET = 40 points)</a:t>
+            </a:r>
+            <a:endParaRPr lang="en-US" dirty="0"/>
+          </a:p>
+        </p:txBody>
+      </p:sp>
+      <p:cxnSp>
+        <p:nvCxnSpPr>
+          <p:cNvPr id="63" name="Straight Arrow Connector 62"/>
+          <p:cNvCxnSpPr/>
+          <p:nvPr/>
+        </p:nvCxnSpPr>
+        <p:spPr>
+          <a:xfrm flipH="1" flipV="1">
+            <a:off x="4095112" y="4793263"/>
+            <a:ext cx="55237" cy="485429"/>
+          </a:xfrm>
+          <a:prstGeom prst="straightConnector1">
+            <a:avLst/>
+          </a:prstGeom>
+          <a:ln>
+            <a:tailEnd type="triangle"/>
+          </a:ln>
+        </p:spPr>
+        <p:style>
+          <a:lnRef idx="1">
+            <a:schemeClr val="accent1"/>
+          </a:lnRef>
+          <a:fillRef idx="0">
+            <a:schemeClr val="accent1"/>
+          </a:fillRef>
+          <a:effectRef idx="0">
+            <a:schemeClr val="accent1"/>
+          </a:effectRef>
+          <a:fontRef idx="minor">
+            <a:schemeClr val="tx1"/>
+          </a:fontRef>
+        </p:style>
+      </p:cxnSp>
+      <p:sp>
+        <p:nvSpPr>
+          <p:cNvPr id="64" name="TextBox 63"/>
+          <p:cNvSpPr txBox="1"/>
+          <p:nvPr/>
+        </p:nvSpPr>
+        <p:spPr>
+          <a:xfrm>
+            <a:off x="2690221" y="5327079"/>
+            <a:ext cx="4117730" cy="369332"/>
+          </a:xfrm>
+          <a:prstGeom prst="rect">
+            <a:avLst/>
+          </a:prstGeom>
+          <a:noFill/>
+        </p:spPr>
+        <p:txBody>
+          <a:bodyPr wrap="none" rtlCol="0">
+            <a:spAutoFit/>
+          </a:bodyPr>
+          <a:lstStyle/>
+          <a:p>
+            <a:r>
+              <a:rPr lang="en-US" dirty="0" smtClean="0"/>
+              <a:t>the Stage 1 value (i.e. BASKET = 10 points)</a:t>
+            </a:r>
+            <a:endParaRPr lang="en-US" dirty="0"/>
+          </a:p>
+        </p:txBody>
+      </p:sp>
+    </p:spTree>
+    <p:extLst>
+      <p:ext uri="{BB962C8B-B14F-4D97-AF65-F5344CB8AC3E}">
+        <p14:creationId xmlns:p14="http://schemas.microsoft.com/office/powerpoint/2010/main" val="1904242683"/>
+      </p:ext>
+    </p:extLst>
+  </p:cSld>
+  <p:clrMapOvr>
+    <a:masterClrMapping/>
+  </p:clrMapOvr>
+  <p:timing>
+    <p:tnLst>
+      <p:par>
+        <p:cTn id="1" dur="indefinite" restart="never" nodeType="tmRoot">
+          <p:childTnLst>
+            <p:seq concurrent="1" nextAc="seek">
+              <p:cTn id="2" dur="indefinite" nodeType="mainSeq">
+                <p:childTnLst>
+                  <p:par>
+                    <p:cTn id="3" fill="hold">
+                      <p:stCondLst>
+                        <p:cond delay="indefinite"/>
+                      </p:stCondLst>
+                      <p:childTnLst>
+                        <p:par>
+                          <p:cTn id="4" fill="hold">
+                            <p:stCondLst>
+                              <p:cond delay="0"/>
+                            </p:stCondLst>
+                            <p:childTnLst>
+                              <p:par>
+                                <p:cTn id="5" presetID="9" presetClass="emph" presetSubtype="0" nodeType="clickEffect">
+                                  <p:stCondLst>
+                                    <p:cond delay="0"/>
+                                  </p:stCondLst>
+                                  <p:childTnLst>
+                                    <p:set>
+                                      <p:cBhvr rctx="PPT">
+                                        <p:cTn id="6" dur="indefinite"/>
+                                        <p:tgtEl>
+                                          <p:spTgt spid="2"/>
+                                        </p:tgtEl>
+                                        <p:attrNameLst>
+                                          <p:attrName>style.opacity</p:attrName>
+                                        </p:attrNameLst>
+                                      </p:cBhvr>
+                                      <p:to>
+                                        <p:strVal val="0.5"/>
+                                      </p:to>
+                                    </p:set>
+                                    <p:animEffect filter="image" prLst="opacity: 0.5">
+                                      <p:cBhvr rctx="IE">
+                                        <p:cTn id="7" dur="indefinite"/>
+                                        <p:tgtEl>
+                                          <p:spTgt spid="2"/>
+                                        </p:tgtEl>
+                                      </p:cBhvr>
+                                    </p:animEffect>
+                                  </p:childTnLst>
+                                </p:cTn>
+                              </p:par>
+                              <p:par>
+                                <p:cTn id="8" presetID="9" presetClass="emph" presetSubtype="0" grpId="0" nodeType="withEffect">
+                                  <p:stCondLst>
+                                    <p:cond delay="0"/>
+                                  </p:stCondLst>
+                                  <p:childTnLst>
+                                    <p:set>
+                                      <p:cBhvr rctx="PPT">
+                                        <p:cTn id="9" dur="indefinite"/>
+                                        <p:tgtEl>
+                                          <p:spTgt spid="50"/>
+                                        </p:tgtEl>
+                                        <p:attrNameLst>
+                                          <p:attrName>style.opacity</p:attrName>
+                                        </p:attrNameLst>
+                                      </p:cBhvr>
+                                      <p:to>
+                                        <p:strVal val="0.5"/>
+                                      </p:to>
+                                    </p:set>
+                                    <p:animEffect filter="image" prLst="opacity: 0.5">
+                                      <p:cBhvr rctx="IE">
+                                        <p:cTn id="10" dur="indefinite"/>
+                                        <p:tgtEl>
+                                          <p:spTgt spid="50"/>
+                                        </p:tgtEl>
+                                      </p:cBhvr>
+                                    </p:animEffect>
+                                  </p:childTnLst>
+                                </p:cTn>
+                              </p:par>
+                              <p:par>
+                                <p:cTn id="11" presetID="9" presetClass="emph" presetSubtype="0" nodeType="withEffect">
+                                  <p:stCondLst>
+                                    <p:cond delay="0"/>
+                                  </p:stCondLst>
+                                  <p:childTnLst>
+                                    <p:set>
+                                      <p:cBhvr rctx="PPT">
+                                        <p:cTn id="12" dur="indefinite"/>
+                                        <p:tgtEl>
+                                          <p:spTgt spid="51"/>
+                                        </p:tgtEl>
+                                        <p:attrNameLst>
+                                          <p:attrName>style.opacity</p:attrName>
+                                        </p:attrNameLst>
+                                      </p:cBhvr>
+                                      <p:to>
+                                        <p:strVal val="0.5"/>
+                                      </p:to>
+                                    </p:set>
+                                    <p:animEffect filter="image" prLst="opacity: 0.5">
+                                      <p:cBhvr rctx="IE">
+                                        <p:cTn id="13" dur="indefinite"/>
+                                        <p:tgtEl>
+                                          <p:spTgt spid="51"/>
+                                        </p:tgtEl>
+                                      </p:cBhvr>
+                                    </p:animEffect>
+                                  </p:childTnLst>
+                                </p:cTn>
+                              </p:par>
+                              <p:par>
+                                <p:cTn id="14" presetID="9" presetClass="emph" presetSubtype="0" grpId="0" nodeType="withEffect">
+                                  <p:stCondLst>
+                                    <p:cond delay="0"/>
+                                  </p:stCondLst>
+                                  <p:childTnLst>
+                                    <p:set>
+                                      <p:cBhvr rctx="PPT">
+                                        <p:cTn id="15" dur="indefinite"/>
+                                        <p:tgtEl>
+                                          <p:spTgt spid="64"/>
+                                        </p:tgtEl>
+                                        <p:attrNameLst>
+                                          <p:attrName>style.opacity</p:attrName>
+                                        </p:attrNameLst>
+                                      </p:cBhvr>
+                                      <p:to>
+                                        <p:strVal val="0.5"/>
+                                      </p:to>
+                                    </p:set>
+                                    <p:animEffect filter="image" prLst="opacity: 0.5">
+                                      <p:cBhvr rctx="IE">
+                                        <p:cTn id="16" dur="indefinite"/>
+                                        <p:tgtEl>
+                                          <p:spTgt spid="64"/>
+                                        </p:tgtEl>
+                                      </p:cBhvr>
+                                    </p:animEffect>
+                                  </p:childTnLst>
+                                </p:cTn>
+                              </p:par>
+                              <p:par>
+                                <p:cTn id="17" presetID="9" presetClass="emph" presetSubtype="0" nodeType="withEffect">
+                                  <p:stCondLst>
+                                    <p:cond delay="0"/>
+                                  </p:stCondLst>
+                                  <p:childTnLst>
+                                    <p:set>
+                                      <p:cBhvr rctx="PPT">
+                                        <p:cTn id="18" dur="indefinite"/>
+                                        <p:tgtEl>
+                                          <p:spTgt spid="63"/>
+                                        </p:tgtEl>
+                                        <p:attrNameLst>
+                                          <p:attrName>style.opacity</p:attrName>
+                                        </p:attrNameLst>
+                                      </p:cBhvr>
+                                      <p:to>
+                                        <p:strVal val="0.5"/>
+                                      </p:to>
+                                    </p:set>
+                                    <p:animEffect filter="image" prLst="opacity: 0.5">
+                                      <p:cBhvr rctx="IE">
+                                        <p:cTn id="19" dur="indefinite"/>
+                                        <p:tgtEl>
+                                          <p:spTgt spid="63"/>
+                                        </p:tgtEl>
+                                      </p:cBhvr>
+                                    </p:animEffect>
+                                  </p:childTnLst>
+                                </p:cTn>
+                              </p:par>
+                            </p:childTnLst>
+                          </p:cTn>
+                        </p:par>
+                      </p:childTnLst>
+                    </p:cTn>
+                  </p:par>
+                </p:childTnLst>
+              </p:cTn>
+              <p:prevCondLst>
+                <p:cond evt="onPrev" delay="0">
+                  <p:tgtEl>
+                    <p:sldTgt/>
+                  </p:tgtEl>
+                </p:cond>
+              </p:prevCondLst>
+              <p:nextCondLst>
+                <p:cond evt="onNext" delay="0">
+                  <p:tgtEl>
+                    <p:sldTgt/>
+                  </p:tgtEl>
+                </p:cond>
+              </p:nextCondLst>
+            </p:seq>
+          </p:childTnLst>
+        </p:cTn>
+      </p:par>
+    </p:tnLst>
+    <p:bldLst>
+      <p:bldP spid="50" grpId="0" animBg="1"/>
+      <p:bldP spid="64" grpId="0"/>
+    </p:bldLst>
+  </p:timing>
+</p:sld>
+</file>
+
+<file path=ppt/slides/slide8.xml><?xml version="1.0" encoding="utf-8"?>
+<p:sld xmlns:a="http://schemas.openxmlformats.org/drawingml/2006/main" xmlns:r="http://schemas.openxmlformats.org/officeDocument/2006/relationships" xmlns:p="http://schemas.openxmlformats.org/presentationml/2006/main">
+  <p:cSld>
+    <p:spTree>
+      <p:nvGrpSpPr>
+        <p:cNvPr id="1" name=""/>
+        <p:cNvGrpSpPr/>
+        <p:nvPr/>
+      </p:nvGrpSpPr>
+      <p:grpSpPr>
+        <a:xfrm>
+          <a:off x="0" y="0"/>
+          <a:ext cx="0" cy="0"/>
+          <a:chOff x="0" y="0"/>
+          <a:chExt cx="0" cy="0"/>
+        </a:xfrm>
+      </p:grpSpPr>
+      <p:grpSp>
+        <p:nvGrpSpPr>
+          <p:cNvPr id="15" name="Group 14"/>
+          <p:cNvGrpSpPr/>
+          <p:nvPr/>
+        </p:nvGrpSpPr>
+        <p:grpSpPr>
+          <a:xfrm>
+            <a:off x="-2769" y="405806"/>
+            <a:ext cx="12009600" cy="6269738"/>
+            <a:chOff x="-2769" y="405806"/>
+            <a:chExt cx="12009600" cy="6269738"/>
+          </a:xfrm>
+        </p:grpSpPr>
+        <p:grpSp>
+          <p:nvGrpSpPr>
+            <p:cNvPr id="213" name="Group 212"/>
+            <p:cNvGrpSpPr/>
+            <p:nvPr/>
+          </p:nvGrpSpPr>
+          <p:grpSpPr>
+            <a:xfrm>
+              <a:off x="-2769" y="3108252"/>
+              <a:ext cx="9683663" cy="3567292"/>
+              <a:chOff x="-2769" y="3108252"/>
+              <a:chExt cx="9683663" cy="3567292"/>
+            </a:xfrm>
+          </p:grpSpPr>
+          <p:sp>
+            <p:nvSpPr>
+              <p:cNvPr id="3" name="TextBox 2"/>
+              <p:cNvSpPr txBox="1"/>
+              <p:nvPr/>
+            </p:nvSpPr>
+            <p:spPr>
+              <a:xfrm>
+                <a:off x="1770017" y="5752214"/>
+                <a:ext cx="559769" cy="461665"/>
+              </a:xfrm>
+              <a:prstGeom prst="rect">
+                <a:avLst/>
+              </a:prstGeom>
+              <a:noFill/>
+            </p:spPr>
+            <p:txBody>
+              <a:bodyPr wrap="none" rtlCol="0">
+                <a:spAutoFit/>
+              </a:bodyPr>
+              <a:lstStyle/>
+              <a:p>
+                <a:r>
+                  <a:rPr lang="en-US" sz="2400" dirty="0" smtClean="0"/>
+                  <a:t>0%</a:t>
+                </a:r>
+                <a:endParaRPr lang="en-US" sz="2400" dirty="0"/>
+              </a:p>
+            </p:txBody>
+          </p:sp>
+          <p:sp>
+            <p:nvSpPr>
+              <p:cNvPr id="4" name="TextBox 3"/>
+              <p:cNvSpPr txBox="1"/>
+              <p:nvPr/>
+            </p:nvSpPr>
+            <p:spPr>
+              <a:xfrm>
+                <a:off x="8810143" y="5752214"/>
+                <a:ext cx="870751" cy="461665"/>
+              </a:xfrm>
+              <a:prstGeom prst="rect">
+                <a:avLst/>
+              </a:prstGeom>
+              <a:noFill/>
+            </p:spPr>
+            <p:txBody>
+              <a:bodyPr wrap="none" rtlCol="0">
+                <a:spAutoFit/>
+              </a:bodyPr>
+              <a:lstStyle/>
+              <a:p>
+                <a:r>
+                  <a:rPr lang="en-US" sz="2400" dirty="0" smtClean="0"/>
+                  <a:t>100%</a:t>
+                </a:r>
+                <a:endParaRPr lang="en-US" sz="2400" dirty="0"/>
+              </a:p>
+            </p:txBody>
+          </p:sp>
+          <p:sp>
+            <p:nvSpPr>
+              <p:cNvPr id="5" name="TextBox 4"/>
+              <p:cNvSpPr txBox="1"/>
+              <p:nvPr/>
+            </p:nvSpPr>
+            <p:spPr>
+              <a:xfrm>
+                <a:off x="5229166" y="5752214"/>
+                <a:ext cx="715260" cy="461665"/>
+              </a:xfrm>
+              <a:prstGeom prst="rect">
+                <a:avLst/>
+              </a:prstGeom>
+              <a:noFill/>
+            </p:spPr>
+            <p:txBody>
+              <a:bodyPr wrap="none" rtlCol="0">
+                <a:spAutoFit/>
+              </a:bodyPr>
+              <a:lstStyle/>
+              <a:p>
+                <a:r>
+                  <a:rPr lang="en-US" sz="2400" smtClean="0"/>
+                  <a:t>50%</a:t>
+                </a:r>
+                <a:endParaRPr lang="en-US" sz="2400"/>
+              </a:p>
+            </p:txBody>
+          </p:sp>
+          <p:sp>
+            <p:nvSpPr>
+              <p:cNvPr id="6" name="TextBox 5"/>
+              <p:cNvSpPr txBox="1"/>
+              <p:nvPr/>
+            </p:nvSpPr>
+            <p:spPr>
+              <a:xfrm>
+                <a:off x="2665558" y="6213879"/>
+                <a:ext cx="6287940" cy="461665"/>
+              </a:xfrm>
+              <a:prstGeom prst="rect">
+                <a:avLst/>
+              </a:prstGeom>
+              <a:noFill/>
+            </p:spPr>
+            <p:txBody>
+              <a:bodyPr wrap="none" rtlCol="0">
+                <a:spAutoFit/>
+              </a:bodyPr>
+              <a:lstStyle/>
+              <a:p>
+                <a:r>
+                  <a:rPr lang="en-US" sz="2400" dirty="0" smtClean="0"/>
+                  <a:t>Percent of Stage 2 choices w/ high Stage 1 values</a:t>
+                </a:r>
+                <a:endParaRPr lang="en-US" sz="2400" dirty="0"/>
+              </a:p>
+            </p:txBody>
+          </p:sp>
+          <p:sp>
+            <p:nvSpPr>
+              <p:cNvPr id="7" name="TextBox 6"/>
+              <p:cNvSpPr txBox="1"/>
+              <p:nvPr/>
+            </p:nvSpPr>
+            <p:spPr>
+              <a:xfrm>
+                <a:off x="-2769" y="3108252"/>
+                <a:ext cx="1539204" cy="830997"/>
+              </a:xfrm>
+              <a:prstGeom prst="rect">
+                <a:avLst/>
+              </a:prstGeom>
+              <a:noFill/>
+            </p:spPr>
+            <p:txBody>
+              <a:bodyPr wrap="none" rtlCol="0">
+                <a:spAutoFit/>
+              </a:bodyPr>
+              <a:lstStyle/>
+              <a:p>
+                <a:pPr algn="ctr"/>
+                <a:r>
+                  <a:rPr lang="en-US" sz="2400" dirty="0" smtClean="0"/>
+                  <a:t>Number of</a:t>
+                </a:r>
+              </a:p>
+              <a:p>
+                <a:pPr algn="ctr"/>
+                <a:r>
+                  <a:rPr lang="en-US" sz="2400" dirty="0" smtClean="0"/>
+                  <a:t>subjects</a:t>
+                </a:r>
+                <a:endParaRPr lang="en-US" sz="2400" dirty="0"/>
+              </a:p>
+            </p:txBody>
+          </p:sp>
+        </p:grpSp>
+        <p:grpSp>
+          <p:nvGrpSpPr>
+            <p:cNvPr id="214" name="Group 213"/>
+            <p:cNvGrpSpPr/>
+            <p:nvPr/>
+          </p:nvGrpSpPr>
+          <p:grpSpPr>
+            <a:xfrm>
+              <a:off x="1589269" y="405806"/>
+              <a:ext cx="10417562" cy="5240082"/>
+              <a:chOff x="1589269" y="405805"/>
+              <a:chExt cx="10417562" cy="5240082"/>
+            </a:xfrm>
+          </p:grpSpPr>
+          <p:pic>
+            <p:nvPicPr>
+              <p:cNvPr id="2" name="Picture 1"/>
+              <p:cNvPicPr>
+                <a:picLocks noChangeAspect="1"/>
+              </p:cNvPicPr>
+              <p:nvPr/>
+            </p:nvPicPr>
+            <p:blipFill>
+              <a:blip r:embed="rId3">
+                <a:extLst>
+                  <a:ext uri="{28A0092B-C50C-407E-A947-70E740481C1C}">
+                    <a14:useLocalDpi xmlns:a14="http://schemas.microsoft.com/office/drawing/2010/main" val="0"/>
+                  </a:ext>
+                </a:extLst>
+              </a:blip>
+              <a:stretch>
+                <a:fillRect/>
+              </a:stretch>
+            </p:blipFill>
+            <p:spPr>
+              <a:xfrm>
+                <a:off x="1589269" y="405805"/>
+                <a:ext cx="7916509" cy="5152214"/>
+              </a:xfrm>
+              <a:prstGeom prst="rect">
+                <a:avLst/>
+              </a:prstGeom>
+            </p:spPr>
+          </p:pic>
+          <p:cxnSp>
+            <p:nvCxnSpPr>
+              <p:cNvPr id="9" name="Straight Connector 8"/>
+              <p:cNvCxnSpPr>
+                <a:stCxn id="2" idx="0"/>
+                <a:endCxn id="2" idx="2"/>
+              </p:cNvCxnSpPr>
+              <p:nvPr/>
+            </p:nvCxnSpPr>
+            <p:spPr>
+              <a:xfrm>
+                <a:off x="5547524" y="405805"/>
+                <a:ext cx="0" cy="5152214"/>
+              </a:xfrm>
+              <a:prstGeom prst="line">
+                <a:avLst/>
+              </a:prstGeom>
+              <a:ln w="38100">
+                <a:solidFill>
+                  <a:srgbClr val="FF0000"/>
+                </a:solidFill>
+                <a:prstDash val="dash"/>
+              </a:ln>
+            </p:spPr>
+            <p:style>
+              <a:lnRef idx="1">
+                <a:schemeClr val="accent1"/>
+              </a:lnRef>
+              <a:fillRef idx="0">
+                <a:schemeClr val="accent1"/>
+              </a:fillRef>
+              <a:effectRef idx="0">
+                <a:schemeClr val="accent1"/>
+              </a:effectRef>
+              <a:fontRef idx="minor">
+                <a:schemeClr val="tx1"/>
+              </a:fontRef>
+            </p:style>
+          </p:cxnSp>
+          <p:cxnSp>
+            <p:nvCxnSpPr>
+              <p:cNvPr id="11" name="Straight Connector 10"/>
+              <p:cNvCxnSpPr>
+                <a:stCxn id="11" idx="0"/>
+                <a:endCxn id="11" idx="2"/>
+              </p:cNvCxnSpPr>
+              <p:nvPr/>
+            </p:nvCxnSpPr>
+            <p:spPr>
+              <a:xfrm>
+                <a:off x="5935363" y="405805"/>
+                <a:ext cx="0" cy="5240082"/>
+              </a:xfrm>
+              <a:prstGeom prst="line">
+                <a:avLst/>
+              </a:prstGeom>
+              <a:ln w="38100">
+                <a:solidFill>
+                  <a:srgbClr val="00B050"/>
+                </a:solidFill>
+                <a:prstDash val="dash"/>
+              </a:ln>
+            </p:spPr>
+            <p:style>
+              <a:lnRef idx="1">
+                <a:schemeClr val="accent1"/>
+              </a:lnRef>
+              <a:fillRef idx="0">
+                <a:schemeClr val="accent1"/>
+              </a:fillRef>
+              <a:effectRef idx="0">
+                <a:schemeClr val="accent1"/>
+              </a:effectRef>
+              <a:fontRef idx="minor">
+                <a:schemeClr val="tx1"/>
+              </a:fontRef>
+            </p:style>
+          </p:cxnSp>
+          <p:grpSp>
+            <p:nvGrpSpPr>
+              <p:cNvPr id="212" name="Group 211"/>
+              <p:cNvGrpSpPr/>
+              <p:nvPr/>
+            </p:nvGrpSpPr>
+            <p:grpSpPr>
+              <a:xfrm>
+                <a:off x="9874231" y="1511927"/>
+                <a:ext cx="2132600" cy="830997"/>
+                <a:chOff x="9874231" y="1511927"/>
+                <a:chExt cx="2132600" cy="830997"/>
+              </a:xfrm>
+            </p:grpSpPr>
+            <p:cxnSp>
+              <p:nvCxnSpPr>
+                <p:cNvPr id="13" name="Straight Connector 12"/>
+                <p:cNvCxnSpPr/>
+                <p:nvPr/>
+              </p:nvCxnSpPr>
+              <p:spPr>
+                <a:xfrm flipH="1">
+                  <a:off x="9874231" y="1732218"/>
+                  <a:ext cx="840259" cy="0"/>
+                </a:xfrm>
+                <a:prstGeom prst="line">
+                  <a:avLst/>
+                </a:prstGeom>
+                <a:ln w="38100">
+                  <a:solidFill>
+                    <a:srgbClr val="FF0000"/>
+                  </a:solidFill>
+                  <a:prstDash val="dash"/>
+                </a:ln>
+              </p:spPr>
+              <p:style>
+                <a:lnRef idx="1">
+                  <a:schemeClr val="accent1"/>
+                </a:lnRef>
+                <a:fillRef idx="0">
+                  <a:schemeClr val="accent1"/>
+                </a:fillRef>
+                <a:effectRef idx="0">
+                  <a:schemeClr val="accent1"/>
+                </a:effectRef>
+                <a:fontRef idx="minor">
+                  <a:schemeClr val="tx1"/>
+                </a:fontRef>
+              </p:style>
+            </p:cxnSp>
+            <p:cxnSp>
+              <p:nvCxnSpPr>
+                <p:cNvPr id="209" name="Straight Connector 208"/>
+                <p:cNvCxnSpPr/>
+                <p:nvPr/>
+              </p:nvCxnSpPr>
+              <p:spPr>
+                <a:xfrm flipH="1">
+                  <a:off x="9874231" y="2139799"/>
+                  <a:ext cx="840259" cy="0"/>
+                </a:xfrm>
+                <a:prstGeom prst="line">
+                  <a:avLst/>
+                </a:prstGeom>
+                <a:ln w="38100">
+                  <a:solidFill>
+                    <a:srgbClr val="00B050"/>
+                  </a:solidFill>
+                  <a:prstDash val="dash"/>
+                </a:ln>
+              </p:spPr>
+              <p:style>
+                <a:lnRef idx="1">
+                  <a:schemeClr val="accent1"/>
+                </a:lnRef>
+                <a:fillRef idx="0">
+                  <a:schemeClr val="accent1"/>
+                </a:fillRef>
+                <a:effectRef idx="0">
+                  <a:schemeClr val="accent1"/>
+                </a:effectRef>
+                <a:fontRef idx="minor">
+                  <a:schemeClr val="tx1"/>
+                </a:fontRef>
+              </p:style>
+            </p:cxnSp>
+            <p:sp>
+              <p:nvSpPr>
+                <p:cNvPr id="210" name="TextBox 209"/>
+                <p:cNvSpPr txBox="1"/>
+                <p:nvPr/>
+              </p:nvSpPr>
+              <p:spPr>
+                <a:xfrm>
+                  <a:off x="10714490" y="1511927"/>
+                  <a:ext cx="1292341" cy="461665"/>
+                </a:xfrm>
+                <a:prstGeom prst="rect">
+                  <a:avLst/>
+                </a:prstGeom>
+                <a:noFill/>
+              </p:spPr>
+              <p:txBody>
+                <a:bodyPr wrap="none" rtlCol="0">
+                  <a:spAutoFit/>
+                </a:bodyPr>
+                <a:lstStyle/>
+                <a:p>
+                  <a:r>
+                    <a:rPr lang="en-US" sz="2400" dirty="0" smtClean="0"/>
+                    <a:t>= chance</a:t>
+                  </a:r>
+                  <a:endParaRPr lang="en-US" sz="2400" dirty="0"/>
+                </a:p>
+              </p:txBody>
+            </p:sp>
+            <p:sp>
+              <p:nvSpPr>
+                <p:cNvPr id="211" name="TextBox 210"/>
+                <p:cNvSpPr txBox="1"/>
+                <p:nvPr/>
+              </p:nvSpPr>
+              <p:spPr>
+                <a:xfrm>
+                  <a:off x="10714490" y="1881259"/>
+                  <a:ext cx="1116011" cy="461665"/>
+                </a:xfrm>
+                <a:prstGeom prst="rect">
+                  <a:avLst/>
+                </a:prstGeom>
+                <a:noFill/>
+              </p:spPr>
+              <p:txBody>
+                <a:bodyPr wrap="none" rtlCol="0">
+                  <a:spAutoFit/>
+                </a:bodyPr>
+                <a:lstStyle/>
+                <a:p>
+                  <a:r>
+                    <a:rPr lang="en-US" sz="2400" dirty="0" smtClean="0"/>
+                    <a:t>= mean</a:t>
+                  </a:r>
+                  <a:endParaRPr lang="en-US" sz="2400" dirty="0"/>
+                </a:p>
+              </p:txBody>
+            </p:sp>
+          </p:grpSp>
+        </p:grpSp>
+      </p:grpSp>
+    </p:spTree>
+    <p:extLst>
+      <p:ext uri="{BB962C8B-B14F-4D97-AF65-F5344CB8AC3E}">
+        <p14:creationId xmlns:p14="http://schemas.microsoft.com/office/powerpoint/2010/main" val="657981940"/>
+      </p:ext>
+    </p:extLst>
+  </p:cSld>
+  <p:clrMapOvr>
+    <a:masterClrMapping/>
+  </p:clrMapOvr>
+  <p:timing>
+    <p:tnLst>
+      <p:par>
+        <p:cTn id="1" dur="indefinite" restart="never" nodeType="tmRoot"/>
+      </p:par>
+    </p:tnLst>
+  </p:timing>
+</p:sld>
+</file>
+
+<file path=ppt/slides/slide9.xml><?xml version="1.0" encoding="utf-8"?>
+<p:sld xmlns:a="http://schemas.openxmlformats.org/drawingml/2006/main" xmlns:r="http://schemas.openxmlformats.org/officeDocument/2006/relationships" xmlns:p="http://schemas.openxmlformats.org/presentationml/2006/main">
+  <p:cSld>
+    <p:spTree>
+      <p:nvGrpSpPr>
+        <p:cNvPr id="1" name=""/>
+        <p:cNvGrpSpPr/>
+        <p:nvPr/>
+      </p:nvGrpSpPr>
+      <p:grpSpPr>
+        <a:xfrm>
+          <a:off x="0" y="0"/>
+          <a:ext cx="0" cy="0"/>
+          <a:chOff x="0" y="0"/>
+          <a:chExt cx="0" cy="0"/>
+        </a:xfrm>
+      </p:grpSpPr>
+      <p:grpSp>
+        <p:nvGrpSpPr>
+          <p:cNvPr id="14" name="Group 13"/>
+          <p:cNvGrpSpPr/>
+          <p:nvPr/>
+        </p:nvGrpSpPr>
+        <p:grpSpPr>
+          <a:xfrm>
+            <a:off x="510732" y="159575"/>
+            <a:ext cx="11006563" cy="6698425"/>
+            <a:chOff x="510732" y="159575"/>
+            <a:chExt cx="11006563" cy="6698425"/>
+          </a:xfrm>
+        </p:grpSpPr>
+        <p:pic>
+          <p:nvPicPr>
+            <p:cNvPr id="2" name="Picture 1"/>
+            <p:cNvPicPr>
+              <a:picLocks noChangeAspect="1"/>
+            </p:cNvPicPr>
+            <p:nvPr/>
+          </p:nvPicPr>
+          <p:blipFill>
+            <a:blip r:embed="rId2"/>
+            <a:stretch>
+              <a:fillRect/>
+            </a:stretch>
+          </p:blipFill>
+          <p:spPr>
+            <a:xfrm>
+              <a:off x="3303612" y="159575"/>
+              <a:ext cx="5898655" cy="5374796"/>
+            </a:xfrm>
+            <a:prstGeom prst="rect">
+              <a:avLst/>
+            </a:prstGeom>
+          </p:spPr>
+        </p:pic>
+        <p:sp>
+          <p:nvSpPr>
+            <p:cNvPr id="3" name="TextBox 2"/>
+            <p:cNvSpPr txBox="1"/>
+            <p:nvPr/>
+          </p:nvSpPr>
+          <p:spPr>
+            <a:xfrm>
+              <a:off x="3664050" y="5567547"/>
+              <a:ext cx="1612301" cy="830997"/>
+            </a:xfrm>
+            <a:prstGeom prst="rect">
+              <a:avLst/>
+            </a:prstGeom>
+            <a:noFill/>
+          </p:spPr>
+          <p:txBody>
+            <a:bodyPr wrap="none" rtlCol="0">
+              <a:spAutoFit/>
+            </a:bodyPr>
+            <a:lstStyle/>
+            <a:p>
+              <a:r>
+                <a:rPr lang="en-US" sz="2400" smtClean="0"/>
+                <a:t>low Stage 1</a:t>
+              </a:r>
+            </a:p>
+            <a:p>
+              <a:pPr algn="ctr"/>
+              <a:r>
+                <a:rPr lang="en-US" sz="2400" dirty="0" smtClean="0"/>
+                <a:t>value</a:t>
+              </a:r>
+              <a:endParaRPr lang="en-US" sz="2400" dirty="0"/>
+            </a:p>
+          </p:txBody>
+        </p:sp>
+        <p:sp>
+          <p:nvSpPr>
+            <p:cNvPr id="7" name="TextBox 6"/>
+            <p:cNvSpPr txBox="1"/>
+            <p:nvPr/>
+          </p:nvSpPr>
+          <p:spPr>
+            <a:xfrm>
+              <a:off x="5403058" y="5567547"/>
+              <a:ext cx="1699761" cy="830997"/>
+            </a:xfrm>
+            <a:prstGeom prst="rect">
+              <a:avLst/>
+            </a:prstGeom>
+            <a:noFill/>
+          </p:spPr>
+          <p:txBody>
+            <a:bodyPr wrap="none" rtlCol="0">
+              <a:spAutoFit/>
+            </a:bodyPr>
+            <a:lstStyle/>
+            <a:p>
+              <a:r>
+                <a:rPr lang="en-US" sz="2400" dirty="0" smtClean="0"/>
+                <a:t>high Stage 1</a:t>
+              </a:r>
+            </a:p>
+            <a:p>
+              <a:pPr algn="ctr"/>
+              <a:r>
+                <a:rPr lang="en-US" sz="2400" dirty="0" smtClean="0"/>
+                <a:t>value</a:t>
+              </a:r>
+              <a:endParaRPr lang="en-US" sz="2400" dirty="0"/>
+            </a:p>
+          </p:txBody>
+        </p:sp>
+        <p:sp>
+          <p:nvSpPr>
+            <p:cNvPr id="8" name="TextBox 7"/>
+            <p:cNvSpPr txBox="1"/>
+            <p:nvPr/>
+          </p:nvSpPr>
+          <p:spPr>
+            <a:xfrm>
+              <a:off x="7229526" y="5567547"/>
+              <a:ext cx="1701813" cy="830997"/>
+            </a:xfrm>
+            <a:prstGeom prst="rect">
+              <a:avLst/>
+            </a:prstGeom>
+            <a:noFill/>
+          </p:spPr>
+          <p:txBody>
+            <a:bodyPr wrap="none" rtlCol="0">
+              <a:spAutoFit/>
+            </a:bodyPr>
+            <a:lstStyle/>
+            <a:p>
+              <a:pPr algn="ctr"/>
+              <a:r>
+                <a:rPr lang="en-US" sz="2400" dirty="0" smtClean="0"/>
+                <a:t>absent from</a:t>
+              </a:r>
+            </a:p>
+            <a:p>
+              <a:pPr algn="ctr"/>
+              <a:r>
+                <a:rPr lang="en-US" sz="2400" dirty="0" smtClean="0"/>
+                <a:t>Stage 1</a:t>
+              </a:r>
+              <a:endParaRPr lang="en-US" sz="2400" dirty="0"/>
+            </a:p>
+          </p:txBody>
+        </p:sp>
+        <p:sp>
+          <p:nvSpPr>
+            <p:cNvPr id="9" name="TextBox 8"/>
+            <p:cNvSpPr txBox="1"/>
+            <p:nvPr/>
+          </p:nvSpPr>
+          <p:spPr>
+            <a:xfrm>
+              <a:off x="5487985" y="6396335"/>
+              <a:ext cx="1529907" cy="461665"/>
+            </a:xfrm>
+            <a:prstGeom prst="rect">
+              <a:avLst/>
+            </a:prstGeom>
+            <a:noFill/>
+          </p:spPr>
+          <p:txBody>
+            <a:bodyPr wrap="none" rtlCol="0">
+              <a:spAutoFit/>
+            </a:bodyPr>
+            <a:lstStyle/>
+            <a:p>
+              <a:pPr algn="ctr"/>
+              <a:r>
+                <a:rPr lang="en-US" sz="2400" b="1" smtClean="0"/>
+                <a:t>Word type</a:t>
+              </a:r>
+              <a:endParaRPr lang="en-US" sz="2400" b="1" dirty="0"/>
+            </a:p>
+          </p:txBody>
+        </p:sp>
+        <p:sp>
+          <p:nvSpPr>
+            <p:cNvPr id="10" name="TextBox 9"/>
+            <p:cNvSpPr txBox="1"/>
+            <p:nvPr/>
+          </p:nvSpPr>
+          <p:spPr>
+            <a:xfrm>
+              <a:off x="510732" y="2616140"/>
+              <a:ext cx="2792879" cy="830997"/>
+            </a:xfrm>
+            <a:prstGeom prst="rect">
+              <a:avLst/>
+            </a:prstGeom>
+            <a:noFill/>
+          </p:spPr>
+          <p:txBody>
+            <a:bodyPr wrap="none" rtlCol="0">
+              <a:spAutoFit/>
+            </a:bodyPr>
+            <a:lstStyle/>
+            <a:p>
+              <a:pPr algn="ctr"/>
+              <a:r>
+                <a:rPr lang="en-US" sz="2400" b="1" dirty="0" smtClean="0"/>
+                <a:t>% judged impossible</a:t>
+              </a:r>
+            </a:p>
+            <a:p>
+              <a:pPr algn="ctr"/>
+              <a:r>
+                <a:rPr lang="en-US" sz="2400" b="1" dirty="0" smtClean="0"/>
+                <a:t>to choose</a:t>
+              </a:r>
+              <a:endParaRPr lang="en-US" sz="2400" b="1" dirty="0"/>
+            </a:p>
+          </p:txBody>
+        </p:sp>
+        <p:pic>
+          <p:nvPicPr>
+            <p:cNvPr id="11" name="Picture 10"/>
+            <p:cNvPicPr>
+              <a:picLocks noChangeAspect="1"/>
+            </p:cNvPicPr>
+            <p:nvPr/>
+          </p:nvPicPr>
+          <p:blipFill rotWithShape="1">
+            <a:blip r:embed="rId3"/>
+            <a:srcRect r="12988"/>
+            <a:stretch/>
+          </p:blipFill>
+          <p:spPr>
+            <a:xfrm>
+              <a:off x="9502899" y="1852715"/>
+              <a:ext cx="353620" cy="635000"/>
+            </a:xfrm>
+            <a:prstGeom prst="rect">
+              <a:avLst/>
+            </a:prstGeom>
+          </p:spPr>
+        </p:pic>
+        <p:sp>
+          <p:nvSpPr>
+            <p:cNvPr id="12" name="TextBox 11"/>
+            <p:cNvSpPr txBox="1"/>
+            <p:nvPr/>
+          </p:nvSpPr>
+          <p:spPr>
+            <a:xfrm>
+              <a:off x="9856519" y="1821937"/>
+              <a:ext cx="1316579" cy="400110"/>
+            </a:xfrm>
+            <a:prstGeom prst="rect">
+              <a:avLst/>
+            </a:prstGeom>
+            <a:noFill/>
+          </p:spPr>
+          <p:txBody>
+            <a:bodyPr wrap="none" rtlCol="0">
+              <a:spAutoFit/>
+            </a:bodyPr>
+            <a:lstStyle/>
+            <a:p>
+              <a:r>
+                <a:rPr lang="en-US" sz="2000" dirty="0" smtClean="0"/>
+                <a:t>Time delay</a:t>
+              </a:r>
+              <a:endParaRPr lang="en-US" sz="2000" dirty="0"/>
+            </a:p>
+          </p:txBody>
+        </p:sp>
+        <p:sp>
+          <p:nvSpPr>
+            <p:cNvPr id="13" name="TextBox 12"/>
+            <p:cNvSpPr txBox="1"/>
+            <p:nvPr/>
+          </p:nvSpPr>
+          <p:spPr>
+            <a:xfrm>
+              <a:off x="9856519" y="2118383"/>
+              <a:ext cx="1660776" cy="400110"/>
+            </a:xfrm>
+            <a:prstGeom prst="rect">
+              <a:avLst/>
+            </a:prstGeom>
+            <a:noFill/>
+          </p:spPr>
+          <p:txBody>
+            <a:bodyPr wrap="none" rtlCol="0">
+              <a:spAutoFit/>
+            </a:bodyPr>
+            <a:lstStyle/>
+            <a:p>
+              <a:r>
+                <a:rPr lang="en-US" sz="2000" dirty="0" smtClean="0"/>
+                <a:t>Time pressure</a:t>
+              </a:r>
+              <a:endParaRPr lang="en-US" sz="2000" dirty="0"/>
+            </a:p>
+          </p:txBody>
+        </p:sp>
+      </p:grpSp>
+    </p:spTree>
+    <p:extLst>
+      <p:ext uri="{BB962C8B-B14F-4D97-AF65-F5344CB8AC3E}">
+        <p14:creationId xmlns:p14="http://schemas.microsoft.com/office/powerpoint/2010/main" val="581134961"/>
+      </p:ext>
+    </p:extLst>
+  </p:cSld>
+  <p:clrMapOvr>
+    <a:masterClrMapping/>
+  </p:clrMapOvr>
+</p:sld>
+</file>
+
 <file path=ppt/theme/theme1.xml><?xml version="1.0" encoding="utf-8"?>
 <a:theme xmlns:a="http://schemas.openxmlformats.org/drawingml/2006/main" name="Office Theme">
   <a:themeElements>
@@ -16098,4 +21410,265 @@
     </a:ext>
   </a:extLst>
 </a:theme>
+</file>
+
+<file path=ppt/theme/theme2.xml><?xml version="1.0" encoding="utf-8"?>
+<a:theme xmlns:a="http://schemas.openxmlformats.org/drawingml/2006/main" name="Office Theme">
+  <a:themeElements>
+    <a:clrScheme name="Office">
+      <a:dk1>
+        <a:sysClr val="windowText" lastClr="000000"/>
+      </a:dk1>
+      <a:lt1>
+        <a:sysClr val="window" lastClr="FFFFFF"/>
+      </a:lt1>
+      <a:dk2>
+        <a:srgbClr val="44546A"/>
+      </a:dk2>
+      <a:lt2>
+        <a:srgbClr val="E7E6E6"/>
+      </a:lt2>
+      <a:accent1>
+        <a:srgbClr val="4472C4"/>
+      </a:accent1>
+      <a:accent2>
+        <a:srgbClr val="ED7D31"/>
+      </a:accent2>
+      <a:accent3>
+        <a:srgbClr val="A5A5A5"/>
+      </a:accent3>
+      <a:accent4>
+        <a:srgbClr val="FFC000"/>
+      </a:accent4>
+      <a:accent5>
+        <a:srgbClr val="5B9BD5"/>
+      </a:accent5>
+      <a:accent6>
+        <a:srgbClr val="70AD47"/>
+      </a:accent6>
+      <a:hlink>
+        <a:srgbClr val="0563C1"/>
+      </a:hlink>
+      <a:folHlink>
+        <a:srgbClr val="954F72"/>
+      </a:folHlink>
+    </a:clrScheme>
+    <a:fontScheme name="Office">
+      <a:majorFont>
+        <a:latin typeface="Calibri Light" panose="020F0302020204030204"/>
+        <a:ea typeface=""/>
+        <a:cs typeface=""/>
+        <a:font script="Jpan" typeface="Yu Gothic Light"/>
+        <a:font script="Hang" typeface="맑은 고딕"/>
+        <a:font script="Hans" typeface="DengXian Light"/>
+        <a:font script="Hant" typeface="新細明體"/>
+        <a:font script="Arab" typeface="Times New Roman"/>
+        <a:font script="Hebr" typeface="Times New Roman"/>
+        <a:font script="Thai" typeface="Angsana New"/>
+        <a:font script="Ethi" typeface="Nyala"/>
+        <a:font script="Beng" typeface="Vrinda"/>
+        <a:font script="Gujr" typeface="Shruti"/>
+        <a:font script="Khmr" typeface="MoolBoran"/>
+        <a:font script="Knda" typeface="Tunga"/>
+        <a:font script="Guru" typeface="Raavi"/>
+        <a:font script="Cans" typeface="Euphemia"/>
+        <a:font script="Cher" typeface="Plantagenet Cherokee"/>
+        <a:font script="Yiii" typeface="Microsoft Yi Baiti"/>
+        <a:font script="Tibt" typeface="Microsoft Himalaya"/>
+        <a:font script="Thaa" typeface="MV Boli"/>
+        <a:font script="Deva" typeface="Mangal"/>
+        <a:font script="Telu" typeface="Gautami"/>
+        <a:font script="Taml" typeface="Latha"/>
+        <a:font script="Syrc" typeface="Estrangelo Edessa"/>
+        <a:font script="Orya" typeface="Kalinga"/>
+        <a:font script="Mlym" typeface="Kartika"/>
+        <a:font script="Laoo" typeface="DokChampa"/>
+        <a:font script="Sinh" typeface="Iskoola Pota"/>
+        <a:font script="Mong" typeface="Mongolian Baiti"/>
+        <a:font script="Viet" typeface="Times New Roman"/>
+        <a:font script="Uigh" typeface="Microsoft Uighur"/>
+        <a:font script="Geor" typeface="Sylfaen"/>
+      </a:majorFont>
+      <a:minorFont>
+        <a:latin typeface="Calibri" panose="020F0502020204030204"/>
+        <a:ea typeface=""/>
+        <a:cs typeface=""/>
+        <a:font script="Jpan" typeface="Yu Gothic"/>
+        <a:font script="Hang" typeface="맑은 고딕"/>
+        <a:font script="Hans" typeface="DengXian"/>
+        <a:font script="Hant" typeface="新細明體"/>
+        <a:font script="Arab" typeface="Arial"/>
+        <a:font script="Hebr" typeface="Arial"/>
+        <a:font script="Thai" typeface="Cordia New"/>
+        <a:font script="Ethi" typeface="Nyala"/>
+        <a:font script="Beng" typeface="Vrinda"/>
+        <a:font script="Gujr" typeface="Shruti"/>
+        <a:font script="Khmr" typeface="DaunPenh"/>
+        <a:font script="Knda" typeface="Tunga"/>
+        <a:font script="Guru" typeface="Raavi"/>
+        <a:font script="Cans" typeface="Euphemia"/>
+        <a:font script="Cher" typeface="Plantagenet Cherokee"/>
+        <a:font script="Yiii" typeface="Microsoft Yi Baiti"/>
+        <a:font script="Tibt" typeface="Microsoft Himalaya"/>
+        <a:font script="Thaa" typeface="MV Boli"/>
+        <a:font script="Deva" typeface="Mangal"/>
+        <a:font script="Telu" typeface="Gautami"/>
+        <a:font script="Taml" typeface="Latha"/>
+        <a:font script="Syrc" typeface="Estrangelo Edessa"/>
+        <a:font script="Orya" typeface="Kalinga"/>
+        <a:font script="Mlym" typeface="Kartika"/>
+        <a:font script="Laoo" typeface="DokChampa"/>
+        <a:font script="Sinh" typeface="Iskoola Pota"/>
+        <a:font script="Mong" typeface="Mongolian Baiti"/>
+        <a:font script="Viet" typeface="Arial"/>
+        <a:font script="Uigh" typeface="Microsoft Uighur"/>
+        <a:font script="Geor" typeface="Sylfaen"/>
+      </a:minorFont>
+    </a:fontScheme>
+    <a:fmtScheme name="Office">
+      <a:fillStyleLst>
+        <a:solidFill>
+          <a:schemeClr val="phClr"/>
+        </a:solidFill>
+        <a:gradFill rotWithShape="1">
+          <a:gsLst>
+            <a:gs pos="0">
+              <a:schemeClr val="phClr">
+                <a:lumMod val="110000"/>
+                <a:satMod val="105000"/>
+                <a:tint val="67000"/>
+              </a:schemeClr>
+            </a:gs>
+            <a:gs pos="50000">
+              <a:schemeClr val="phClr">
+                <a:lumMod val="105000"/>
+                <a:satMod val="103000"/>
+                <a:tint val="73000"/>
+              </a:schemeClr>
+            </a:gs>
+            <a:gs pos="100000">
+              <a:schemeClr val="phClr">
+                <a:lumMod val="105000"/>
+                <a:satMod val="109000"/>
+                <a:tint val="81000"/>
+              </a:schemeClr>
+            </a:gs>
+          </a:gsLst>
+          <a:lin ang="5400000" scaled="0"/>
+        </a:gradFill>
+        <a:gradFill rotWithShape="1">
+          <a:gsLst>
+            <a:gs pos="0">
+              <a:schemeClr val="phClr">
+                <a:satMod val="103000"/>
+                <a:lumMod val="102000"/>
+                <a:tint val="94000"/>
+              </a:schemeClr>
+            </a:gs>
+            <a:gs pos="50000">
+              <a:schemeClr val="phClr">
+                <a:satMod val="110000"/>
+                <a:lumMod val="100000"/>
+                <a:shade val="100000"/>
+              </a:schemeClr>
+            </a:gs>
+            <a:gs pos="100000">
+              <a:schemeClr val="phClr">
+                <a:lumMod val="99000"/>
+                <a:satMod val="120000"/>
+                <a:shade val="78000"/>
+              </a:schemeClr>
+            </a:gs>
+          </a:gsLst>
+          <a:lin ang="5400000" scaled="0"/>
+        </a:gradFill>
+      </a:fillStyleLst>
+      <a:lnStyleLst>
+        <a:ln w="6350" cap="flat" cmpd="sng" algn="ctr">
+          <a:solidFill>
+            <a:schemeClr val="phClr"/>
+          </a:solidFill>
+          <a:prstDash val="solid"/>
+          <a:miter lim="800000"/>
+        </a:ln>
+        <a:ln w="12700" cap="flat" cmpd="sng" algn="ctr">
+          <a:solidFill>
+            <a:schemeClr val="phClr"/>
+          </a:solidFill>
+          <a:prstDash val="solid"/>
+          <a:miter lim="800000"/>
+        </a:ln>
+        <a:ln w="19050" cap="flat" cmpd="sng" algn="ctr">
+          <a:solidFill>
+            <a:schemeClr val="phClr"/>
+          </a:solidFill>
+          <a:prstDash val="solid"/>
+          <a:miter lim="800000"/>
+        </a:ln>
+      </a:lnStyleLst>
+      <a:effectStyleLst>
+        <a:effectStyle>
+          <a:effectLst/>
+        </a:effectStyle>
+        <a:effectStyle>
+          <a:effectLst/>
+        </a:effectStyle>
+        <a:effectStyle>
+          <a:effectLst>
+            <a:outerShdw blurRad="57150" dist="19050" dir="5400000" algn="ctr" rotWithShape="0">
+              <a:srgbClr val="000000">
+                <a:alpha val="63000"/>
+              </a:srgbClr>
+            </a:outerShdw>
+          </a:effectLst>
+        </a:effectStyle>
+      </a:effectStyleLst>
+      <a:bgFillStyleLst>
+        <a:solidFill>
+          <a:schemeClr val="phClr"/>
+        </a:solidFill>
+        <a:solidFill>
+          <a:schemeClr val="phClr">
+            <a:tint val="95000"/>
+            <a:satMod val="170000"/>
+          </a:schemeClr>
+        </a:solidFill>
+        <a:gradFill rotWithShape="1">
+          <a:gsLst>
+            <a:gs pos="0">
+              <a:schemeClr val="phClr">
+                <a:tint val="93000"/>
+                <a:satMod val="150000"/>
+                <a:shade val="98000"/>
+                <a:lumMod val="102000"/>
+              </a:schemeClr>
+            </a:gs>
+            <a:gs pos="50000">
+              <a:schemeClr val="phClr">
+                <a:tint val="98000"/>
+                <a:satMod val="130000"/>
+                <a:shade val="90000"/>
+                <a:lumMod val="103000"/>
+              </a:schemeClr>
+            </a:gs>
+            <a:gs pos="100000">
+              <a:schemeClr val="phClr">
+                <a:shade val="63000"/>
+                <a:satMod val="120000"/>
+              </a:schemeClr>
+            </a:gs>
+          </a:gsLst>
+          <a:lin ang="5400000" scaled="0"/>
+        </a:gradFill>
+      </a:bgFillStyleLst>
+    </a:fmtScheme>
+  </a:themeElements>
+  <a:objectDefaults/>
+  <a:extraClrSchemeLst/>
+  <a:extLst>
+    <a:ext uri="{05A4C25C-085E-4340-85A3-A5531E510DB2}">
+      <thm15:themeFamily xmlns:thm15="http://schemas.microsoft.com/office/thememl/2012/main" name="Office Theme" id="{62F939B6-93AF-4DB8-9C6B-D6C7DFDC589F}" vid="{4A3C46E8-61CC-4603-A589-7422A47A8E4A}"/>
+    </a:ext>
+  </a:extLst>
+</a:theme>
 </file>